--- a/_other/イメージ.pptx
+++ b/_other/イメージ.pptx
@@ -277,7 +277,7 @@
           <a:p>
             <a:fld id="{631EE54B-C8F3-4E2F-AEEF-7EF4ED04F042}" type="datetimeFigureOut">
               <a:rPr kumimoji="1" lang="ja-JP" altLang="en-US" smtClean="0"/>
-              <a:t>2023/11/14</a:t>
+              <a:t>2023/11/17</a:t>
             </a:fld>
             <a:endParaRPr kumimoji="1" lang="ja-JP" altLang="en-US"/>
           </a:p>
@@ -507,7 +507,7 @@
           <a:p>
             <a:fld id="{631EE54B-C8F3-4E2F-AEEF-7EF4ED04F042}" type="datetimeFigureOut">
               <a:rPr kumimoji="1" lang="ja-JP" altLang="en-US" smtClean="0"/>
-              <a:t>2023/11/14</a:t>
+              <a:t>2023/11/17</a:t>
             </a:fld>
             <a:endParaRPr kumimoji="1" lang="ja-JP" altLang="en-US"/>
           </a:p>
@@ -747,7 +747,7 @@
           <a:p>
             <a:fld id="{631EE54B-C8F3-4E2F-AEEF-7EF4ED04F042}" type="datetimeFigureOut">
               <a:rPr kumimoji="1" lang="ja-JP" altLang="en-US" smtClean="0"/>
-              <a:t>2023/11/14</a:t>
+              <a:t>2023/11/17</a:t>
             </a:fld>
             <a:endParaRPr kumimoji="1" lang="ja-JP" altLang="en-US"/>
           </a:p>
@@ -977,7 +977,7 @@
           <a:p>
             <a:fld id="{631EE54B-C8F3-4E2F-AEEF-7EF4ED04F042}" type="datetimeFigureOut">
               <a:rPr kumimoji="1" lang="ja-JP" altLang="en-US" smtClean="0"/>
-              <a:t>2023/11/14</a:t>
+              <a:t>2023/11/17</a:t>
             </a:fld>
             <a:endParaRPr kumimoji="1" lang="ja-JP" altLang="en-US"/>
           </a:p>
@@ -1252,7 +1252,7 @@
           <a:p>
             <a:fld id="{631EE54B-C8F3-4E2F-AEEF-7EF4ED04F042}" type="datetimeFigureOut">
               <a:rPr kumimoji="1" lang="ja-JP" altLang="en-US" smtClean="0"/>
-              <a:t>2023/11/14</a:t>
+              <a:t>2023/11/17</a:t>
             </a:fld>
             <a:endParaRPr kumimoji="1" lang="ja-JP" altLang="en-US"/>
           </a:p>
@@ -1581,7 +1581,7 @@
           <a:p>
             <a:fld id="{631EE54B-C8F3-4E2F-AEEF-7EF4ED04F042}" type="datetimeFigureOut">
               <a:rPr kumimoji="1" lang="ja-JP" altLang="en-US" smtClean="0"/>
-              <a:t>2023/11/14</a:t>
+              <a:t>2023/11/17</a:t>
             </a:fld>
             <a:endParaRPr kumimoji="1" lang="ja-JP" altLang="en-US"/>
           </a:p>
@@ -2057,7 +2057,7 @@
           <a:p>
             <a:fld id="{631EE54B-C8F3-4E2F-AEEF-7EF4ED04F042}" type="datetimeFigureOut">
               <a:rPr kumimoji="1" lang="ja-JP" altLang="en-US" smtClean="0"/>
-              <a:t>2023/11/14</a:t>
+              <a:t>2023/11/17</a:t>
             </a:fld>
             <a:endParaRPr kumimoji="1" lang="ja-JP" altLang="en-US"/>
           </a:p>
@@ -2198,7 +2198,7 @@
           <a:p>
             <a:fld id="{631EE54B-C8F3-4E2F-AEEF-7EF4ED04F042}" type="datetimeFigureOut">
               <a:rPr kumimoji="1" lang="ja-JP" altLang="en-US" smtClean="0"/>
-              <a:t>2023/11/14</a:t>
+              <a:t>2023/11/17</a:t>
             </a:fld>
             <a:endParaRPr kumimoji="1" lang="ja-JP" altLang="en-US"/>
           </a:p>
@@ -2311,7 +2311,7 @@
           <a:p>
             <a:fld id="{631EE54B-C8F3-4E2F-AEEF-7EF4ED04F042}" type="datetimeFigureOut">
               <a:rPr kumimoji="1" lang="ja-JP" altLang="en-US" smtClean="0"/>
-              <a:t>2023/11/14</a:t>
+              <a:t>2023/11/17</a:t>
             </a:fld>
             <a:endParaRPr kumimoji="1" lang="ja-JP" altLang="en-US"/>
           </a:p>
@@ -2654,7 +2654,7 @@
           <a:p>
             <a:fld id="{631EE54B-C8F3-4E2F-AEEF-7EF4ED04F042}" type="datetimeFigureOut">
               <a:rPr kumimoji="1" lang="ja-JP" altLang="en-US" smtClean="0"/>
-              <a:t>2023/11/14</a:t>
+              <a:t>2023/11/17</a:t>
             </a:fld>
             <a:endParaRPr kumimoji="1" lang="ja-JP" altLang="en-US"/>
           </a:p>
@@ -2942,7 +2942,7 @@
           <a:p>
             <a:fld id="{631EE54B-C8F3-4E2F-AEEF-7EF4ED04F042}" type="datetimeFigureOut">
               <a:rPr kumimoji="1" lang="ja-JP" altLang="en-US" smtClean="0"/>
-              <a:t>2023/11/14</a:t>
+              <a:t>2023/11/17</a:t>
             </a:fld>
             <a:endParaRPr kumimoji="1" lang="ja-JP" altLang="en-US"/>
           </a:p>
@@ -3215,7 +3215,7 @@
           <a:p>
             <a:fld id="{631EE54B-C8F3-4E2F-AEEF-7EF4ED04F042}" type="datetimeFigureOut">
               <a:rPr kumimoji="1" lang="ja-JP" altLang="en-US" smtClean="0"/>
-              <a:t>2023/11/14</a:t>
+              <a:t>2023/11/17</a:t>
             </a:fld>
             <a:endParaRPr kumimoji="1" lang="ja-JP" altLang="en-US"/>
           </a:p>
@@ -9538,42 +9538,6 @@
           </a:p>
         </p:txBody>
       </p:sp>
-      <p:pic>
-        <p:nvPicPr>
-          <p:cNvPr id="7" name="図 6" descr="アイコン&#10;&#10;自動的に生成された説明">
-            <a:extLst>
-              <a:ext uri="{FF2B5EF4-FFF2-40B4-BE49-F238E27FC236}">
-                <a16:creationId xmlns:a16="http://schemas.microsoft.com/office/drawing/2014/main" id="{3B941D6B-6278-1950-96E1-D4B568C47498}"/>
-              </a:ext>
-            </a:extLst>
-          </p:cNvPr>
-          <p:cNvPicPr>
-            <a:picLocks noChangeAspect="1"/>
-          </p:cNvPicPr>
-          <p:nvPr/>
-        </p:nvPicPr>
-        <p:blipFill>
-          <a:blip r:embed="rId3">
-            <a:extLst>
-              <a:ext uri="{28A0092B-C50C-407E-A947-70E740481C1C}">
-                <a14:useLocalDpi xmlns:a14="http://schemas.microsoft.com/office/drawing/2010/main" val="0"/>
-              </a:ext>
-            </a:extLst>
-          </a:blip>
-          <a:stretch>
-            <a:fillRect/>
-          </a:stretch>
-        </p:blipFill>
-        <p:spPr>
-          <a:xfrm>
-            <a:off x="7763828" y="1743749"/>
-            <a:ext cx="900000" cy="900000"/>
-          </a:xfrm>
-          <a:prstGeom prst="rect">
-            <a:avLst/>
-          </a:prstGeom>
-        </p:spPr>
-      </p:pic>
       <p:sp>
         <p:nvSpPr>
           <p:cNvPr id="21" name="楕円 20">
@@ -9633,6 +9597,42 @@
           </a:p>
         </p:txBody>
       </p:sp>
+      <p:pic>
+        <p:nvPicPr>
+          <p:cNvPr id="5" name="図 4" descr="アイコン&#10;&#10;自動的に生成された説明">
+            <a:extLst>
+              <a:ext uri="{FF2B5EF4-FFF2-40B4-BE49-F238E27FC236}">
+                <a16:creationId xmlns:a16="http://schemas.microsoft.com/office/drawing/2014/main" id="{0ECE3EE3-E476-4C06-48D8-C19D5178E1C5}"/>
+              </a:ext>
+            </a:extLst>
+          </p:cNvPr>
+          <p:cNvPicPr>
+            <a:picLocks noChangeAspect="1"/>
+          </p:cNvPicPr>
+          <p:nvPr/>
+        </p:nvPicPr>
+        <p:blipFill>
+          <a:blip r:embed="rId3">
+            <a:extLst>
+              <a:ext uri="{28A0092B-C50C-407E-A947-70E740481C1C}">
+                <a14:useLocalDpi xmlns:a14="http://schemas.microsoft.com/office/drawing/2010/main" val="0"/>
+              </a:ext>
+            </a:extLst>
+          </a:blip>
+          <a:stretch>
+            <a:fillRect/>
+          </a:stretch>
+        </p:blipFill>
+        <p:spPr>
+          <a:xfrm>
+            <a:off x="6856046" y="5180790"/>
+            <a:ext cx="900000" cy="900000"/>
+          </a:xfrm>
+          <a:prstGeom prst="rect">
+            <a:avLst/>
+          </a:prstGeom>
+        </p:spPr>
+      </p:pic>
       <p:sp>
         <p:nvSpPr>
           <p:cNvPr id="28" name="楕円 27">
@@ -9753,10 +9753,10 @@
       </p:sp>
       <p:pic>
         <p:nvPicPr>
-          <p:cNvPr id="44" name="図 43" descr="ボール, テーブル, 挿絵 が含まれている画像&#10;&#10;自動的に生成された説明">
-            <a:extLst>
-              <a:ext uri="{FF2B5EF4-FFF2-40B4-BE49-F238E27FC236}">
-                <a16:creationId xmlns:a16="http://schemas.microsoft.com/office/drawing/2014/main" id="{EDCD658B-7128-159C-C680-01EC132E95DD}"/>
+          <p:cNvPr id="4" name="図 3" descr="アイコン&#10;&#10;自動的に生成された説明">
+            <a:extLst>
+              <a:ext uri="{FF2B5EF4-FFF2-40B4-BE49-F238E27FC236}">
+                <a16:creationId xmlns:a16="http://schemas.microsoft.com/office/drawing/2014/main" id="{FF374F0E-3FE6-C5CD-0CCB-8AFF2D90D78E}"/>
               </a:ext>
             </a:extLst>
           </p:cNvPr>
@@ -9779,7 +9779,7 @@
         </p:blipFill>
         <p:spPr>
           <a:xfrm>
-            <a:off x="6863828" y="5173422"/>
+            <a:off x="4401922" y="831009"/>
             <a:ext cx="900000" cy="900000"/>
           </a:xfrm>
           <a:prstGeom prst="rect">
@@ -9789,10 +9789,10 @@
       </p:pic>
       <p:pic>
         <p:nvPicPr>
-          <p:cNvPr id="51" name="図 50" descr="アイコン&#10;&#10;自動的に生成された説明">
-            <a:extLst>
-              <a:ext uri="{FF2B5EF4-FFF2-40B4-BE49-F238E27FC236}">
-                <a16:creationId xmlns:a16="http://schemas.microsoft.com/office/drawing/2014/main" id="{CBE5F4B2-1F73-4E38-ED52-C91DED7960D7}"/>
+          <p:cNvPr id="6" name="図 5" descr="アイコン&#10;&#10;自動的に生成された説明">
+            <a:extLst>
+              <a:ext uri="{FF2B5EF4-FFF2-40B4-BE49-F238E27FC236}">
+                <a16:creationId xmlns:a16="http://schemas.microsoft.com/office/drawing/2014/main" id="{15D56043-DD87-159B-AB09-12DA4F0BC5DB}"/>
               </a:ext>
             </a:extLst>
           </p:cNvPr>
@@ -9825,10 +9825,10 @@
       </p:pic>
       <p:pic>
         <p:nvPicPr>
-          <p:cNvPr id="57" name="図 56" descr="アイコン&#10;&#10;自動的に生成された説明">
-            <a:extLst>
-              <a:ext uri="{FF2B5EF4-FFF2-40B4-BE49-F238E27FC236}">
-                <a16:creationId xmlns:a16="http://schemas.microsoft.com/office/drawing/2014/main" id="{A233CFBC-C983-3A88-DB86-F743F9786EE3}"/>
+          <p:cNvPr id="11" name="図 10" descr="アイコン&#10;&#10;自動的に生成された説明">
+            <a:extLst>
+              <a:ext uri="{FF2B5EF4-FFF2-40B4-BE49-F238E27FC236}">
+                <a16:creationId xmlns:a16="http://schemas.microsoft.com/office/drawing/2014/main" id="{C98F3B5F-E33E-25F4-266C-DFD2A88AFB42}"/>
               </a:ext>
             </a:extLst>
           </p:cNvPr>
@@ -9851,7 +9851,7 @@
         </p:blipFill>
         <p:spPr>
           <a:xfrm>
-            <a:off x="4410912" y="831009"/>
+            <a:off x="7763828" y="1743749"/>
             <a:ext cx="900000" cy="900000"/>
           </a:xfrm>
           <a:prstGeom prst="rect">

--- a/_other/イメージ.pptx
+++ b/_other/イメージ.pptx
@@ -24,6 +24,8 @@
     <p:sldId id="272" r:id="rId18"/>
     <p:sldId id="271" r:id="rId19"/>
     <p:sldId id="276" r:id="rId20"/>
+    <p:sldId id="278" r:id="rId21"/>
+    <p:sldId id="279" r:id="rId22"/>
   </p:sldIdLst>
   <p:sldSz cx="12192000" cy="6858000"/>
   <p:notesSz cx="6858000" cy="9144000"/>
@@ -277,7 +279,7 @@
           <a:p>
             <a:fld id="{631EE54B-C8F3-4E2F-AEEF-7EF4ED04F042}" type="datetimeFigureOut">
               <a:rPr kumimoji="1" lang="ja-JP" altLang="en-US" smtClean="0"/>
-              <a:t>2023/11/17</a:t>
+              <a:t>2023/11/27</a:t>
             </a:fld>
             <a:endParaRPr kumimoji="1" lang="ja-JP" altLang="en-US"/>
           </a:p>
@@ -507,7 +509,7 @@
           <a:p>
             <a:fld id="{631EE54B-C8F3-4E2F-AEEF-7EF4ED04F042}" type="datetimeFigureOut">
               <a:rPr kumimoji="1" lang="ja-JP" altLang="en-US" smtClean="0"/>
-              <a:t>2023/11/17</a:t>
+              <a:t>2023/11/27</a:t>
             </a:fld>
             <a:endParaRPr kumimoji="1" lang="ja-JP" altLang="en-US"/>
           </a:p>
@@ -747,7 +749,7 @@
           <a:p>
             <a:fld id="{631EE54B-C8F3-4E2F-AEEF-7EF4ED04F042}" type="datetimeFigureOut">
               <a:rPr kumimoji="1" lang="ja-JP" altLang="en-US" smtClean="0"/>
-              <a:t>2023/11/17</a:t>
+              <a:t>2023/11/27</a:t>
             </a:fld>
             <a:endParaRPr kumimoji="1" lang="ja-JP" altLang="en-US"/>
           </a:p>
@@ -977,7 +979,7 @@
           <a:p>
             <a:fld id="{631EE54B-C8F3-4E2F-AEEF-7EF4ED04F042}" type="datetimeFigureOut">
               <a:rPr kumimoji="1" lang="ja-JP" altLang="en-US" smtClean="0"/>
-              <a:t>2023/11/17</a:t>
+              <a:t>2023/11/27</a:t>
             </a:fld>
             <a:endParaRPr kumimoji="1" lang="ja-JP" altLang="en-US"/>
           </a:p>
@@ -1252,7 +1254,7 @@
           <a:p>
             <a:fld id="{631EE54B-C8F3-4E2F-AEEF-7EF4ED04F042}" type="datetimeFigureOut">
               <a:rPr kumimoji="1" lang="ja-JP" altLang="en-US" smtClean="0"/>
-              <a:t>2023/11/17</a:t>
+              <a:t>2023/11/27</a:t>
             </a:fld>
             <a:endParaRPr kumimoji="1" lang="ja-JP" altLang="en-US"/>
           </a:p>
@@ -1581,7 +1583,7 @@
           <a:p>
             <a:fld id="{631EE54B-C8F3-4E2F-AEEF-7EF4ED04F042}" type="datetimeFigureOut">
               <a:rPr kumimoji="1" lang="ja-JP" altLang="en-US" smtClean="0"/>
-              <a:t>2023/11/17</a:t>
+              <a:t>2023/11/27</a:t>
             </a:fld>
             <a:endParaRPr kumimoji="1" lang="ja-JP" altLang="en-US"/>
           </a:p>
@@ -2057,7 +2059,7 @@
           <a:p>
             <a:fld id="{631EE54B-C8F3-4E2F-AEEF-7EF4ED04F042}" type="datetimeFigureOut">
               <a:rPr kumimoji="1" lang="ja-JP" altLang="en-US" smtClean="0"/>
-              <a:t>2023/11/17</a:t>
+              <a:t>2023/11/27</a:t>
             </a:fld>
             <a:endParaRPr kumimoji="1" lang="ja-JP" altLang="en-US"/>
           </a:p>
@@ -2198,7 +2200,7 @@
           <a:p>
             <a:fld id="{631EE54B-C8F3-4E2F-AEEF-7EF4ED04F042}" type="datetimeFigureOut">
               <a:rPr kumimoji="1" lang="ja-JP" altLang="en-US" smtClean="0"/>
-              <a:t>2023/11/17</a:t>
+              <a:t>2023/11/27</a:t>
             </a:fld>
             <a:endParaRPr kumimoji="1" lang="ja-JP" altLang="en-US"/>
           </a:p>
@@ -2311,7 +2313,7 @@
           <a:p>
             <a:fld id="{631EE54B-C8F3-4E2F-AEEF-7EF4ED04F042}" type="datetimeFigureOut">
               <a:rPr kumimoji="1" lang="ja-JP" altLang="en-US" smtClean="0"/>
-              <a:t>2023/11/17</a:t>
+              <a:t>2023/11/27</a:t>
             </a:fld>
             <a:endParaRPr kumimoji="1" lang="ja-JP" altLang="en-US"/>
           </a:p>
@@ -2654,7 +2656,7 @@
           <a:p>
             <a:fld id="{631EE54B-C8F3-4E2F-AEEF-7EF4ED04F042}" type="datetimeFigureOut">
               <a:rPr kumimoji="1" lang="ja-JP" altLang="en-US" smtClean="0"/>
-              <a:t>2023/11/17</a:t>
+              <a:t>2023/11/27</a:t>
             </a:fld>
             <a:endParaRPr kumimoji="1" lang="ja-JP" altLang="en-US"/>
           </a:p>
@@ -2942,7 +2944,7 @@
           <a:p>
             <a:fld id="{631EE54B-C8F3-4E2F-AEEF-7EF4ED04F042}" type="datetimeFigureOut">
               <a:rPr kumimoji="1" lang="ja-JP" altLang="en-US" smtClean="0"/>
-              <a:t>2023/11/17</a:t>
+              <a:t>2023/11/27</a:t>
             </a:fld>
             <a:endParaRPr kumimoji="1" lang="ja-JP" altLang="en-US"/>
           </a:p>
@@ -3215,7 +3217,7 @@
           <a:p>
             <a:fld id="{631EE54B-C8F3-4E2F-AEEF-7EF4ED04F042}" type="datetimeFigureOut">
               <a:rPr kumimoji="1" lang="ja-JP" altLang="en-US" smtClean="0"/>
-              <a:t>2023/11/17</a:t>
+              <a:t>2023/11/27</a:t>
             </a:fld>
             <a:endParaRPr kumimoji="1" lang="ja-JP" altLang="en-US"/>
           </a:p>
@@ -5477,8 +5479,8 @@
         </p:nvSpPr>
         <p:spPr>
           <a:xfrm>
-            <a:off x="985652" y="1703451"/>
-            <a:ext cx="5894119" cy="1200329"/>
+            <a:off x="4662302" y="4426803"/>
+            <a:ext cx="6986773" cy="830997"/>
           </a:xfrm>
           <a:prstGeom prst="rect">
             <a:avLst/>
@@ -5493,30 +5495,17 @@
           <a:p>
             <a:pPr algn="ctr"/>
             <a:r>
-              <a:rPr lang="ja-JP" altLang="en-US" sz="7200" dirty="0">
-                <a:ln w="12700">
+              <a:rPr kumimoji="1" lang="ja-JP" altLang="en-US" sz="4800" dirty="0">
+                <a:ln w="38100">
                   <a:solidFill>
                     <a:srgbClr val="FFFFFF"/>
                   </a:solidFill>
                 </a:ln>
-                <a:latin typeface="Rounded Mplus 1c" panose="020B0502020203020207" pitchFamily="50" charset="-128"/>
-                <a:ea typeface="Rounded Mplus 1c" panose="020B0502020203020207" pitchFamily="50" charset="-128"/>
+                <a:latin typeface="mini-わくわく" panose="02000600000000000000" pitchFamily="50" charset="-128"/>
+                <a:ea typeface="mini-わくわく" panose="02000600000000000000" pitchFamily="50" charset="-128"/>
                 <a:cs typeface="Rounded Mplus 1c" panose="020B0502020203020207" pitchFamily="50" charset="-128"/>
               </a:rPr>
-              <a:t>イータ</a:t>
-            </a:r>
-            <a:r>
-              <a:rPr kumimoji="1" lang="ja-JP" altLang="en-US" sz="7200" dirty="0">
-                <a:ln w="12700">
-                  <a:solidFill>
-                    <a:srgbClr val="FFFFFF"/>
-                  </a:solidFill>
-                </a:ln>
-                <a:latin typeface="Rounded Mplus 1c" panose="020B0502020203020207" pitchFamily="50" charset="-128"/>
-                <a:ea typeface="Rounded Mplus 1c" panose="020B0502020203020207" pitchFamily="50" charset="-128"/>
-                <a:cs typeface="Rounded Mplus 1c" panose="020B0502020203020207" pitchFamily="50" charset="-128"/>
-              </a:rPr>
-              <a:t>版</a:t>
+              <a:t>クリスマス バージョン</a:t>
             </a:r>
           </a:p>
         </p:txBody>
@@ -7344,6 +7333,139 @@
     <p:extLst>
       <p:ext uri="{BB962C8B-B14F-4D97-AF65-F5344CB8AC3E}">
         <p14:creationId xmlns:p14="http://schemas.microsoft.com/office/powerpoint/2010/main" val="1767948098"/>
+      </p:ext>
+    </p:extLst>
+  </p:cSld>
+  <p:clrMapOvr>
+    <a:masterClrMapping/>
+  </p:clrMapOvr>
+</p:sld>
+</file>
+
+<file path=ppt/slides/slide20.xml><?xml version="1.0" encoding="utf-8"?>
+<p:sld xmlns:a="http://schemas.openxmlformats.org/drawingml/2006/main" xmlns:r="http://schemas.openxmlformats.org/officeDocument/2006/relationships" xmlns:p="http://schemas.openxmlformats.org/presentationml/2006/main">
+  <p:cSld>
+    <p:spTree>
+      <p:nvGrpSpPr>
+        <p:cNvPr id="1" name=""/>
+        <p:cNvGrpSpPr/>
+        <p:nvPr/>
+      </p:nvGrpSpPr>
+      <p:grpSpPr>
+        <a:xfrm>
+          <a:off x="0" y="0"/>
+          <a:ext cx="0" cy="0"/>
+          <a:chOff x="0" y="0"/>
+          <a:chExt cx="0" cy="0"/>
+        </a:xfrm>
+      </p:grpSpPr>
+      <p:pic>
+        <p:nvPicPr>
+          <p:cNvPr id="7" name="図 6" descr="部屋 が含まれている画像&#10;&#10;自動的に生成された説明">
+            <a:extLst>
+              <a:ext uri="{FF2B5EF4-FFF2-40B4-BE49-F238E27FC236}">
+                <a16:creationId xmlns:a16="http://schemas.microsoft.com/office/drawing/2014/main" id="{D21524E9-AD04-A535-F54A-B507755F2A4E}"/>
+              </a:ext>
+            </a:extLst>
+          </p:cNvPr>
+          <p:cNvPicPr>
+            <a:picLocks noChangeAspect="1"/>
+          </p:cNvPicPr>
+          <p:nvPr/>
+        </p:nvPicPr>
+        <p:blipFill>
+          <a:blip r:embed="rId2">
+            <a:extLst>
+              <a:ext uri="{28A0092B-C50C-407E-A947-70E740481C1C}">
+                <a14:useLocalDpi xmlns:a14="http://schemas.microsoft.com/office/drawing/2010/main" val="0"/>
+              </a:ext>
+            </a:extLst>
+          </a:blip>
+          <a:stretch>
+            <a:fillRect/>
+          </a:stretch>
+        </p:blipFill>
+        <p:spPr>
+          <a:xfrm>
+            <a:off x="5090849" y="781050"/>
+            <a:ext cx="3202461" cy="4562474"/>
+          </a:xfrm>
+          <a:prstGeom prst="rect">
+            <a:avLst/>
+          </a:prstGeom>
+          <a:effectLst>
+            <a:outerShdw blurRad="76200" dist="12700" dir="8100000" sy="-23000" kx="800400" algn="br" rotWithShape="0">
+              <a:prstClr val="black">
+                <a:alpha val="20000"/>
+              </a:prstClr>
+            </a:outerShdw>
+          </a:effectLst>
+        </p:spPr>
+      </p:pic>
+    </p:spTree>
+    <p:extLst>
+      <p:ext uri="{BB962C8B-B14F-4D97-AF65-F5344CB8AC3E}">
+        <p14:creationId xmlns:p14="http://schemas.microsoft.com/office/powerpoint/2010/main" val="1980587969"/>
+      </p:ext>
+    </p:extLst>
+  </p:cSld>
+  <p:clrMapOvr>
+    <a:masterClrMapping/>
+  </p:clrMapOvr>
+</p:sld>
+</file>
+
+<file path=ppt/slides/slide21.xml><?xml version="1.0" encoding="utf-8"?>
+<p:sld xmlns:a="http://schemas.openxmlformats.org/drawingml/2006/main" xmlns:r="http://schemas.openxmlformats.org/officeDocument/2006/relationships" xmlns:p="http://schemas.openxmlformats.org/presentationml/2006/main">
+  <p:cSld>
+    <p:spTree>
+      <p:nvGrpSpPr>
+        <p:cNvPr id="1" name=""/>
+        <p:cNvGrpSpPr/>
+        <p:nvPr/>
+      </p:nvGrpSpPr>
+      <p:grpSpPr>
+        <a:xfrm>
+          <a:off x="0" y="0"/>
+          <a:ext cx="0" cy="0"/>
+          <a:chOff x="0" y="0"/>
+          <a:chExt cx="0" cy="0"/>
+        </a:xfrm>
+      </p:grpSpPr>
+      <p:pic>
+        <p:nvPicPr>
+          <p:cNvPr id="2" name="図 1">
+            <a:extLst>
+              <a:ext uri="{FF2B5EF4-FFF2-40B4-BE49-F238E27FC236}">
+                <a16:creationId xmlns:a16="http://schemas.microsoft.com/office/drawing/2014/main" id="{3765C6E1-0663-A896-355B-40EF204B5338}"/>
+              </a:ext>
+            </a:extLst>
+          </p:cNvPr>
+          <p:cNvPicPr>
+            <a:picLocks noChangeAspect="1"/>
+          </p:cNvPicPr>
+          <p:nvPr/>
+        </p:nvPicPr>
+        <p:blipFill>
+          <a:blip r:embed="rId2"/>
+          <a:stretch>
+            <a:fillRect/>
+          </a:stretch>
+        </p:blipFill>
+        <p:spPr>
+          <a:xfrm>
+            <a:off x="3425720" y="133826"/>
+            <a:ext cx="5340559" cy="6590347"/>
+          </a:xfrm>
+          <a:prstGeom prst="rect">
+            <a:avLst/>
+          </a:prstGeom>
+        </p:spPr>
+      </p:pic>
+    </p:spTree>
+    <p:extLst>
+      <p:ext uri="{BB962C8B-B14F-4D97-AF65-F5344CB8AC3E}">
+        <p14:creationId xmlns:p14="http://schemas.microsoft.com/office/powerpoint/2010/main" val="462835290"/>
       </p:ext>
     </p:extLst>
   </p:cSld>

--- a/_other/イメージ.pptx
+++ b/_other/イメージ.pptx
@@ -279,7 +279,7 @@
           <a:p>
             <a:fld id="{631EE54B-C8F3-4E2F-AEEF-7EF4ED04F042}" type="datetimeFigureOut">
               <a:rPr kumimoji="1" lang="ja-JP" altLang="en-US" smtClean="0"/>
-              <a:t>2023/11/27</a:t>
+              <a:t>2023/11/30</a:t>
             </a:fld>
             <a:endParaRPr kumimoji="1" lang="ja-JP" altLang="en-US"/>
           </a:p>
@@ -509,7 +509,7 @@
           <a:p>
             <a:fld id="{631EE54B-C8F3-4E2F-AEEF-7EF4ED04F042}" type="datetimeFigureOut">
               <a:rPr kumimoji="1" lang="ja-JP" altLang="en-US" smtClean="0"/>
-              <a:t>2023/11/27</a:t>
+              <a:t>2023/11/30</a:t>
             </a:fld>
             <a:endParaRPr kumimoji="1" lang="ja-JP" altLang="en-US"/>
           </a:p>
@@ -749,7 +749,7 @@
           <a:p>
             <a:fld id="{631EE54B-C8F3-4E2F-AEEF-7EF4ED04F042}" type="datetimeFigureOut">
               <a:rPr kumimoji="1" lang="ja-JP" altLang="en-US" smtClean="0"/>
-              <a:t>2023/11/27</a:t>
+              <a:t>2023/11/30</a:t>
             </a:fld>
             <a:endParaRPr kumimoji="1" lang="ja-JP" altLang="en-US"/>
           </a:p>
@@ -979,7 +979,7 @@
           <a:p>
             <a:fld id="{631EE54B-C8F3-4E2F-AEEF-7EF4ED04F042}" type="datetimeFigureOut">
               <a:rPr kumimoji="1" lang="ja-JP" altLang="en-US" smtClean="0"/>
-              <a:t>2023/11/27</a:t>
+              <a:t>2023/11/30</a:t>
             </a:fld>
             <a:endParaRPr kumimoji="1" lang="ja-JP" altLang="en-US"/>
           </a:p>
@@ -1254,7 +1254,7 @@
           <a:p>
             <a:fld id="{631EE54B-C8F3-4E2F-AEEF-7EF4ED04F042}" type="datetimeFigureOut">
               <a:rPr kumimoji="1" lang="ja-JP" altLang="en-US" smtClean="0"/>
-              <a:t>2023/11/27</a:t>
+              <a:t>2023/11/30</a:t>
             </a:fld>
             <a:endParaRPr kumimoji="1" lang="ja-JP" altLang="en-US"/>
           </a:p>
@@ -1583,7 +1583,7 @@
           <a:p>
             <a:fld id="{631EE54B-C8F3-4E2F-AEEF-7EF4ED04F042}" type="datetimeFigureOut">
               <a:rPr kumimoji="1" lang="ja-JP" altLang="en-US" smtClean="0"/>
-              <a:t>2023/11/27</a:t>
+              <a:t>2023/11/30</a:t>
             </a:fld>
             <a:endParaRPr kumimoji="1" lang="ja-JP" altLang="en-US"/>
           </a:p>
@@ -2059,7 +2059,7 @@
           <a:p>
             <a:fld id="{631EE54B-C8F3-4E2F-AEEF-7EF4ED04F042}" type="datetimeFigureOut">
               <a:rPr kumimoji="1" lang="ja-JP" altLang="en-US" smtClean="0"/>
-              <a:t>2023/11/27</a:t>
+              <a:t>2023/11/30</a:t>
             </a:fld>
             <a:endParaRPr kumimoji="1" lang="ja-JP" altLang="en-US"/>
           </a:p>
@@ -2200,7 +2200,7 @@
           <a:p>
             <a:fld id="{631EE54B-C8F3-4E2F-AEEF-7EF4ED04F042}" type="datetimeFigureOut">
               <a:rPr kumimoji="1" lang="ja-JP" altLang="en-US" smtClean="0"/>
-              <a:t>2023/11/27</a:t>
+              <a:t>2023/11/30</a:t>
             </a:fld>
             <a:endParaRPr kumimoji="1" lang="ja-JP" altLang="en-US"/>
           </a:p>
@@ -2313,7 +2313,7 @@
           <a:p>
             <a:fld id="{631EE54B-C8F3-4E2F-AEEF-7EF4ED04F042}" type="datetimeFigureOut">
               <a:rPr kumimoji="1" lang="ja-JP" altLang="en-US" smtClean="0"/>
-              <a:t>2023/11/27</a:t>
+              <a:t>2023/11/30</a:t>
             </a:fld>
             <a:endParaRPr kumimoji="1" lang="ja-JP" altLang="en-US"/>
           </a:p>
@@ -2656,7 +2656,7 @@
           <a:p>
             <a:fld id="{631EE54B-C8F3-4E2F-AEEF-7EF4ED04F042}" type="datetimeFigureOut">
               <a:rPr kumimoji="1" lang="ja-JP" altLang="en-US" smtClean="0"/>
-              <a:t>2023/11/27</a:t>
+              <a:t>2023/11/30</a:t>
             </a:fld>
             <a:endParaRPr kumimoji="1" lang="ja-JP" altLang="en-US"/>
           </a:p>
@@ -2944,7 +2944,7 @@
           <a:p>
             <a:fld id="{631EE54B-C8F3-4E2F-AEEF-7EF4ED04F042}" type="datetimeFigureOut">
               <a:rPr kumimoji="1" lang="ja-JP" altLang="en-US" smtClean="0"/>
-              <a:t>2023/11/27</a:t>
+              <a:t>2023/11/30</a:t>
             </a:fld>
             <a:endParaRPr kumimoji="1" lang="ja-JP" altLang="en-US"/>
           </a:p>
@@ -3217,7 +3217,7 @@
           <a:p>
             <a:fld id="{631EE54B-C8F3-4E2F-AEEF-7EF4ED04F042}" type="datetimeFigureOut">
               <a:rPr kumimoji="1" lang="ja-JP" altLang="en-US" smtClean="0"/>
-              <a:t>2023/11/27</a:t>
+              <a:t>2023/11/30</a:t>
             </a:fld>
             <a:endParaRPr kumimoji="1" lang="ja-JP" altLang="en-US"/>
           </a:p>
@@ -9116,65 +9116,6 @@
           </a:p>
         </p:txBody>
       </p:sp>
-      <p:sp>
-        <p:nvSpPr>
-          <p:cNvPr id="32" name="楕円 31">
-            <a:extLst>
-              <a:ext uri="{FF2B5EF4-FFF2-40B4-BE49-F238E27FC236}">
-                <a16:creationId xmlns:a16="http://schemas.microsoft.com/office/drawing/2014/main" id="{8CE9DA3F-9CBD-8DF7-34D0-7DE29CD30E5A}"/>
-              </a:ext>
-            </a:extLst>
-          </p:cNvPr>
-          <p:cNvSpPr/>
-          <p:nvPr/>
-        </p:nvSpPr>
-        <p:spPr>
-          <a:xfrm>
-            <a:off x="4671922" y="1101009"/>
-            <a:ext cx="360000" cy="360000"/>
-          </a:xfrm>
-          <a:prstGeom prst="ellipse">
-            <a:avLst/>
-          </a:prstGeom>
-          <a:solidFill>
-            <a:schemeClr val="accent2"/>
-          </a:solidFill>
-          <a:ln>
-            <a:noFill/>
-          </a:ln>
-          <a:effectLst>
-            <a:outerShdw blurRad="63500" sx="120000" sy="120000" algn="ctr" rotWithShape="0">
-              <a:schemeClr val="bg1">
-                <a:alpha val="50000"/>
-              </a:schemeClr>
-            </a:outerShdw>
-          </a:effectLst>
-        </p:spPr>
-        <p:style>
-          <a:lnRef idx="2">
-            <a:schemeClr val="accent1">
-              <a:shade val="15000"/>
-            </a:schemeClr>
-          </a:lnRef>
-          <a:fillRef idx="1">
-            <a:schemeClr val="accent1"/>
-          </a:fillRef>
-          <a:effectRef idx="0">
-            <a:schemeClr val="accent1"/>
-          </a:effectRef>
-          <a:fontRef idx="minor">
-            <a:schemeClr val="lt1"/>
-          </a:fontRef>
-        </p:style>
-        <p:txBody>
-          <a:bodyPr rtlCol="0" anchor="ctr"/>
-          <a:lstStyle/>
-          <a:p>
-            <a:pPr algn="ctr"/>
-            <a:endParaRPr kumimoji="1" lang="ja-JP" altLang="en-US" dirty="0"/>
-          </a:p>
-        </p:txBody>
-      </p:sp>
       <p:pic>
         <p:nvPicPr>
           <p:cNvPr id="34" name="図 33" descr="アイコン&#10;&#10;自動的に生成された説明">
@@ -9501,10 +9442,10 @@
       </p:pic>
       <p:pic>
         <p:nvPicPr>
-          <p:cNvPr id="57" name="図 56" descr="アイコン&#10;&#10;自動的に生成された説明">
-            <a:extLst>
-              <a:ext uri="{FF2B5EF4-FFF2-40B4-BE49-F238E27FC236}">
-                <a16:creationId xmlns:a16="http://schemas.microsoft.com/office/drawing/2014/main" id="{A233CFBC-C983-3A88-DB86-F743F9786EE3}"/>
+          <p:cNvPr id="3" name="図 2" descr="ゲームのキャラクター&#10;&#10;低い精度で自動的に生成された説明">
+            <a:extLst>
+              <a:ext uri="{FF2B5EF4-FFF2-40B4-BE49-F238E27FC236}">
+                <a16:creationId xmlns:a16="http://schemas.microsoft.com/office/drawing/2014/main" id="{DD7AB7BA-8D7B-DD85-1F74-08303CE860E7}"/>
               </a:ext>
             </a:extLst>
           </p:cNvPr>
@@ -9527,7 +9468,7 @@
         </p:blipFill>
         <p:spPr>
           <a:xfrm>
-            <a:off x="4410912" y="831009"/>
+            <a:off x="4416340" y="831009"/>
             <a:ext cx="900000" cy="900000"/>
           </a:xfrm>
           <a:prstGeom prst="rect">

--- a/_other/イメージ.pptx
+++ b/_other/イメージ.pptx
@@ -7,23 +7,24 @@
   <p:sldIdLst>
     <p:sldId id="256" r:id="rId2"/>
     <p:sldId id="257" r:id="rId3"/>
-    <p:sldId id="258" r:id="rId4"/>
-    <p:sldId id="259" r:id="rId5"/>
-    <p:sldId id="260" r:id="rId6"/>
-    <p:sldId id="261" r:id="rId7"/>
-    <p:sldId id="262" r:id="rId8"/>
-    <p:sldId id="277" r:id="rId9"/>
-    <p:sldId id="263" r:id="rId10"/>
-    <p:sldId id="265" r:id="rId11"/>
-    <p:sldId id="266" r:id="rId12"/>
-    <p:sldId id="267" r:id="rId13"/>
-    <p:sldId id="268" r:id="rId14"/>
-    <p:sldId id="270" r:id="rId15"/>
-    <p:sldId id="269" r:id="rId16"/>
-    <p:sldId id="273" r:id="rId17"/>
-    <p:sldId id="272" r:id="rId18"/>
-    <p:sldId id="271" r:id="rId19"/>
-    <p:sldId id="276" r:id="rId20"/>
+    <p:sldId id="279" r:id="rId4"/>
+    <p:sldId id="258" r:id="rId5"/>
+    <p:sldId id="259" r:id="rId6"/>
+    <p:sldId id="260" r:id="rId7"/>
+    <p:sldId id="261" r:id="rId8"/>
+    <p:sldId id="262" r:id="rId9"/>
+    <p:sldId id="277" r:id="rId10"/>
+    <p:sldId id="263" r:id="rId11"/>
+    <p:sldId id="265" r:id="rId12"/>
+    <p:sldId id="266" r:id="rId13"/>
+    <p:sldId id="267" r:id="rId14"/>
+    <p:sldId id="268" r:id="rId15"/>
+    <p:sldId id="270" r:id="rId16"/>
+    <p:sldId id="269" r:id="rId17"/>
+    <p:sldId id="273" r:id="rId18"/>
+    <p:sldId id="272" r:id="rId19"/>
+    <p:sldId id="271" r:id="rId20"/>
+    <p:sldId id="276" r:id="rId21"/>
   </p:sldIdLst>
   <p:sldSz cx="12192000" cy="6858000"/>
   <p:notesSz cx="6858000" cy="9144000"/>
@@ -277,7 +278,7 @@
           <a:p>
             <a:fld id="{631EE54B-C8F3-4E2F-AEEF-7EF4ED04F042}" type="datetimeFigureOut">
               <a:rPr kumimoji="1" lang="ja-JP" altLang="en-US" smtClean="0"/>
-              <a:t>2023/11/17</a:t>
+              <a:t>2024/7/7</a:t>
             </a:fld>
             <a:endParaRPr kumimoji="1" lang="ja-JP" altLang="en-US"/>
           </a:p>
@@ -507,7 +508,7 @@
           <a:p>
             <a:fld id="{631EE54B-C8F3-4E2F-AEEF-7EF4ED04F042}" type="datetimeFigureOut">
               <a:rPr kumimoji="1" lang="ja-JP" altLang="en-US" smtClean="0"/>
-              <a:t>2023/11/17</a:t>
+              <a:t>2024/7/7</a:t>
             </a:fld>
             <a:endParaRPr kumimoji="1" lang="ja-JP" altLang="en-US"/>
           </a:p>
@@ -747,7 +748,7 @@
           <a:p>
             <a:fld id="{631EE54B-C8F3-4E2F-AEEF-7EF4ED04F042}" type="datetimeFigureOut">
               <a:rPr kumimoji="1" lang="ja-JP" altLang="en-US" smtClean="0"/>
-              <a:t>2023/11/17</a:t>
+              <a:t>2024/7/7</a:t>
             </a:fld>
             <a:endParaRPr kumimoji="1" lang="ja-JP" altLang="en-US"/>
           </a:p>
@@ -977,7 +978,7 @@
           <a:p>
             <a:fld id="{631EE54B-C8F3-4E2F-AEEF-7EF4ED04F042}" type="datetimeFigureOut">
               <a:rPr kumimoji="1" lang="ja-JP" altLang="en-US" smtClean="0"/>
-              <a:t>2023/11/17</a:t>
+              <a:t>2024/7/7</a:t>
             </a:fld>
             <a:endParaRPr kumimoji="1" lang="ja-JP" altLang="en-US"/>
           </a:p>
@@ -1252,7 +1253,7 @@
           <a:p>
             <a:fld id="{631EE54B-C8F3-4E2F-AEEF-7EF4ED04F042}" type="datetimeFigureOut">
               <a:rPr kumimoji="1" lang="ja-JP" altLang="en-US" smtClean="0"/>
-              <a:t>2023/11/17</a:t>
+              <a:t>2024/7/7</a:t>
             </a:fld>
             <a:endParaRPr kumimoji="1" lang="ja-JP" altLang="en-US"/>
           </a:p>
@@ -1581,7 +1582,7 @@
           <a:p>
             <a:fld id="{631EE54B-C8F3-4E2F-AEEF-7EF4ED04F042}" type="datetimeFigureOut">
               <a:rPr kumimoji="1" lang="ja-JP" altLang="en-US" smtClean="0"/>
-              <a:t>2023/11/17</a:t>
+              <a:t>2024/7/7</a:t>
             </a:fld>
             <a:endParaRPr kumimoji="1" lang="ja-JP" altLang="en-US"/>
           </a:p>
@@ -2057,7 +2058,7 @@
           <a:p>
             <a:fld id="{631EE54B-C8F3-4E2F-AEEF-7EF4ED04F042}" type="datetimeFigureOut">
               <a:rPr kumimoji="1" lang="ja-JP" altLang="en-US" smtClean="0"/>
-              <a:t>2023/11/17</a:t>
+              <a:t>2024/7/7</a:t>
             </a:fld>
             <a:endParaRPr kumimoji="1" lang="ja-JP" altLang="en-US"/>
           </a:p>
@@ -2198,7 +2199,7 @@
           <a:p>
             <a:fld id="{631EE54B-C8F3-4E2F-AEEF-7EF4ED04F042}" type="datetimeFigureOut">
               <a:rPr kumimoji="1" lang="ja-JP" altLang="en-US" smtClean="0"/>
-              <a:t>2023/11/17</a:t>
+              <a:t>2024/7/7</a:t>
             </a:fld>
             <a:endParaRPr kumimoji="1" lang="ja-JP" altLang="en-US"/>
           </a:p>
@@ -2311,7 +2312,7 @@
           <a:p>
             <a:fld id="{631EE54B-C8F3-4E2F-AEEF-7EF4ED04F042}" type="datetimeFigureOut">
               <a:rPr kumimoji="1" lang="ja-JP" altLang="en-US" smtClean="0"/>
-              <a:t>2023/11/17</a:t>
+              <a:t>2024/7/7</a:t>
             </a:fld>
             <a:endParaRPr kumimoji="1" lang="ja-JP" altLang="en-US"/>
           </a:p>
@@ -2654,7 +2655,7 @@
           <a:p>
             <a:fld id="{631EE54B-C8F3-4E2F-AEEF-7EF4ED04F042}" type="datetimeFigureOut">
               <a:rPr kumimoji="1" lang="ja-JP" altLang="en-US" smtClean="0"/>
-              <a:t>2023/11/17</a:t>
+              <a:t>2024/7/7</a:t>
             </a:fld>
             <a:endParaRPr kumimoji="1" lang="ja-JP" altLang="en-US"/>
           </a:p>
@@ -2942,7 +2943,7 @@
           <a:p>
             <a:fld id="{631EE54B-C8F3-4E2F-AEEF-7EF4ED04F042}" type="datetimeFigureOut">
               <a:rPr kumimoji="1" lang="ja-JP" altLang="en-US" smtClean="0"/>
-              <a:t>2023/11/17</a:t>
+              <a:t>2024/7/7</a:t>
             </a:fld>
             <a:endParaRPr kumimoji="1" lang="ja-JP" altLang="en-US"/>
           </a:p>
@@ -3215,7 +3216,7 @@
           <a:p>
             <a:fld id="{631EE54B-C8F3-4E2F-AEEF-7EF4ED04F042}" type="datetimeFigureOut">
               <a:rPr kumimoji="1" lang="ja-JP" altLang="en-US" smtClean="0"/>
-              <a:t>2023/11/17</a:t>
+              <a:t>2024/7/7</a:t>
             </a:fld>
             <a:endParaRPr kumimoji="1" lang="ja-JP" altLang="en-US"/>
           </a:p>
@@ -4373,6 +4374,235 @@
           </a:prstGeom>
         </p:spPr>
       </p:pic>
+      <p:sp>
+        <p:nvSpPr>
+          <p:cNvPr id="6" name="正方形/長方形 5">
+            <a:extLst>
+              <a:ext uri="{FF2B5EF4-FFF2-40B4-BE49-F238E27FC236}">
+                <a16:creationId xmlns:a16="http://schemas.microsoft.com/office/drawing/2014/main" id="{930F9614-CF71-FD4A-07E5-AE4934B9B9B0}"/>
+              </a:ext>
+            </a:extLst>
+          </p:cNvPr>
+          <p:cNvSpPr/>
+          <p:nvPr/>
+        </p:nvSpPr>
+        <p:spPr>
+          <a:xfrm>
+            <a:off x="2496000" y="-171000"/>
+            <a:ext cx="7200000" cy="7200000"/>
+          </a:xfrm>
+          <a:prstGeom prst="rect">
+            <a:avLst/>
+          </a:prstGeom>
+          <a:ln>
+            <a:noFill/>
+          </a:ln>
+        </p:spPr>
+        <p:style>
+          <a:lnRef idx="2">
+            <a:schemeClr val="accent1">
+              <a:shade val="15000"/>
+            </a:schemeClr>
+          </a:lnRef>
+          <a:fillRef idx="1">
+            <a:schemeClr val="accent1"/>
+          </a:fillRef>
+          <a:effectRef idx="0">
+            <a:schemeClr val="accent1"/>
+          </a:effectRef>
+          <a:fontRef idx="minor">
+            <a:schemeClr val="lt1"/>
+          </a:fontRef>
+        </p:style>
+        <p:txBody>
+          <a:bodyPr rtlCol="0" anchor="ctr"/>
+          <a:lstStyle/>
+          <a:p>
+            <a:pPr algn="ctr"/>
+            <a:endParaRPr kumimoji="1" lang="ja-JP" altLang="en-US"/>
+          </a:p>
+        </p:txBody>
+      </p:sp>
+      <p:sp>
+        <p:nvSpPr>
+          <p:cNvPr id="5" name="アーチ 4">
+            <a:extLst>
+              <a:ext uri="{FF2B5EF4-FFF2-40B4-BE49-F238E27FC236}">
+                <a16:creationId xmlns:a16="http://schemas.microsoft.com/office/drawing/2014/main" id="{1E21266E-6B0D-F7D4-2929-CB7AD7204355}"/>
+              </a:ext>
+            </a:extLst>
+          </p:cNvPr>
+          <p:cNvSpPr/>
+          <p:nvPr/>
+        </p:nvSpPr>
+        <p:spPr>
+          <a:xfrm>
+            <a:off x="2856000" y="189000"/>
+            <a:ext cx="6480000" cy="6480000"/>
+          </a:xfrm>
+          <a:prstGeom prst="blockArc">
+            <a:avLst>
+              <a:gd name="adj1" fmla="val 16954500"/>
+              <a:gd name="adj2" fmla="val 18909981"/>
+              <a:gd name="adj3" fmla="val 23314"/>
+            </a:avLst>
+          </a:prstGeom>
+          <a:noFill/>
+          <a:ln w="127000">
+            <a:solidFill>
+              <a:schemeClr val="accent4"/>
+            </a:solidFill>
+          </a:ln>
+        </p:spPr>
+        <p:style>
+          <a:lnRef idx="2">
+            <a:schemeClr val="accent1">
+              <a:shade val="15000"/>
+            </a:schemeClr>
+          </a:lnRef>
+          <a:fillRef idx="1">
+            <a:schemeClr val="accent1"/>
+          </a:fillRef>
+          <a:effectRef idx="0">
+            <a:schemeClr val="accent1"/>
+          </a:effectRef>
+          <a:fontRef idx="minor">
+            <a:schemeClr val="lt1"/>
+          </a:fontRef>
+        </p:style>
+        <p:txBody>
+          <a:bodyPr rtlCol="0" anchor="ctr"/>
+          <a:lstStyle/>
+          <a:p>
+            <a:pPr algn="ctr"/>
+            <a:endParaRPr kumimoji="1" lang="ja-JP" altLang="en-US">
+              <a:solidFill>
+                <a:schemeClr val="tx1"/>
+              </a:solidFill>
+            </a:endParaRPr>
+          </a:p>
+        </p:txBody>
+      </p:sp>
+    </p:spTree>
+    <p:extLst>
+      <p:ext uri="{BB962C8B-B14F-4D97-AF65-F5344CB8AC3E}">
+        <p14:creationId xmlns:p14="http://schemas.microsoft.com/office/powerpoint/2010/main" val="3941454176"/>
+      </p:ext>
+    </p:extLst>
+  </p:cSld>
+  <p:clrMapOvr>
+    <a:masterClrMapping/>
+  </p:clrMapOvr>
+</p:sld>
+</file>
+
+<file path=ppt/slides/slide11.xml><?xml version="1.0" encoding="utf-8"?>
+<p:sld xmlns:a="http://schemas.openxmlformats.org/drawingml/2006/main" xmlns:r="http://schemas.openxmlformats.org/officeDocument/2006/relationships" xmlns:p="http://schemas.openxmlformats.org/presentationml/2006/main">
+  <p:cSld>
+    <p:spTree>
+      <p:nvGrpSpPr>
+        <p:cNvPr id="1" name=""/>
+        <p:cNvGrpSpPr/>
+        <p:nvPr/>
+      </p:nvGrpSpPr>
+      <p:grpSpPr>
+        <a:xfrm>
+          <a:off x="0" y="0"/>
+          <a:ext cx="0" cy="0"/>
+          <a:chOff x="0" y="0"/>
+          <a:chExt cx="0" cy="0"/>
+        </a:xfrm>
+      </p:grpSpPr>
+      <p:sp>
+        <p:nvSpPr>
+          <p:cNvPr id="4" name="正方形/長方形 3">
+            <a:extLst>
+              <a:ext uri="{FF2B5EF4-FFF2-40B4-BE49-F238E27FC236}">
+                <a16:creationId xmlns:a16="http://schemas.microsoft.com/office/drawing/2014/main" id="{9DAD49F3-8F5D-20A2-1EB4-48C6DAF5C4DB}"/>
+              </a:ext>
+            </a:extLst>
+          </p:cNvPr>
+          <p:cNvSpPr/>
+          <p:nvPr/>
+        </p:nvSpPr>
+        <p:spPr>
+          <a:xfrm>
+            <a:off x="0" y="0"/>
+            <a:ext cx="12192000" cy="6858000"/>
+          </a:xfrm>
+          <a:prstGeom prst="rect">
+            <a:avLst/>
+          </a:prstGeom>
+          <a:solidFill>
+            <a:srgbClr val="FEE356"/>
+          </a:solidFill>
+          <a:ln>
+            <a:solidFill>
+              <a:srgbClr val="EDE6EC"/>
+            </a:solidFill>
+          </a:ln>
+        </p:spPr>
+        <p:style>
+          <a:lnRef idx="2">
+            <a:schemeClr val="accent1">
+              <a:shade val="15000"/>
+            </a:schemeClr>
+          </a:lnRef>
+          <a:fillRef idx="1">
+            <a:schemeClr val="accent1"/>
+          </a:fillRef>
+          <a:effectRef idx="0">
+            <a:schemeClr val="accent1"/>
+          </a:effectRef>
+          <a:fontRef idx="minor">
+            <a:schemeClr val="lt1"/>
+          </a:fontRef>
+        </p:style>
+        <p:txBody>
+          <a:bodyPr rtlCol="0" anchor="ctr"/>
+          <a:lstStyle/>
+          <a:p>
+            <a:pPr algn="ctr"/>
+            <a:endParaRPr kumimoji="1" lang="ja-JP" altLang="en-US"/>
+          </a:p>
+        </p:txBody>
+      </p:sp>
+      <p:pic>
+        <p:nvPicPr>
+          <p:cNvPr id="3" name="図 2" descr="輸送, ホイール が含まれている画像&#10;&#10;自動的に生成された説明">
+            <a:extLst>
+              <a:ext uri="{FF2B5EF4-FFF2-40B4-BE49-F238E27FC236}">
+                <a16:creationId xmlns:a16="http://schemas.microsoft.com/office/drawing/2014/main" id="{20F4C94D-6ABA-9592-FB39-FADE0BB47679}"/>
+              </a:ext>
+            </a:extLst>
+          </p:cNvPr>
+          <p:cNvPicPr>
+            <a:picLocks noChangeAspect="1"/>
+          </p:cNvPicPr>
+          <p:nvPr/>
+        </p:nvPicPr>
+        <p:blipFill>
+          <a:blip r:embed="rId2">
+            <a:extLst>
+              <a:ext uri="{28A0092B-C50C-407E-A947-70E740481C1C}">
+                <a14:useLocalDpi xmlns:a14="http://schemas.microsoft.com/office/drawing/2010/main" val="0"/>
+              </a:ext>
+            </a:extLst>
+          </a:blip>
+          <a:stretch>
+            <a:fillRect/>
+          </a:stretch>
+        </p:blipFill>
+        <p:spPr>
+          <a:xfrm>
+            <a:off x="2667000" y="0"/>
+            <a:ext cx="6858000" cy="6858000"/>
+          </a:xfrm>
+          <a:prstGeom prst="rect">
+            <a:avLst/>
+          </a:prstGeom>
+        </p:spPr>
+      </p:pic>
       <p:pic>
         <p:nvPicPr>
           <p:cNvPr id="9" name="図 8" descr="ロゴ&#10;&#10;自動的に生成された説明">
@@ -4490,7 +4720,7 @@
 </p:sld>
 </file>
 
-<file path=ppt/slides/slide11.xml><?xml version="1.0" encoding="utf-8"?>
+<file path=ppt/slides/slide12.xml><?xml version="1.0" encoding="utf-8"?>
 <p:sld xmlns:a="http://schemas.openxmlformats.org/drawingml/2006/main" xmlns:r="http://schemas.openxmlformats.org/officeDocument/2006/relationships" xmlns:p="http://schemas.openxmlformats.org/presentationml/2006/main">
   <p:cSld>
     <p:spTree>
@@ -4950,7 +5180,7 @@
 </p:sld>
 </file>
 
-<file path=ppt/slides/slide12.xml><?xml version="1.0" encoding="utf-8"?>
+<file path=ppt/slides/slide13.xml><?xml version="1.0" encoding="utf-8"?>
 <p:sld xmlns:a="http://schemas.openxmlformats.org/drawingml/2006/main" xmlns:r="http://schemas.openxmlformats.org/officeDocument/2006/relationships" xmlns:p="http://schemas.openxmlformats.org/presentationml/2006/main">
   <p:cSld>
     <p:spTree>
@@ -5410,7 +5640,7 @@
 </p:sld>
 </file>
 
-<file path=ppt/slides/slide13.xml><?xml version="1.0" encoding="utf-8"?>
+<file path=ppt/slides/slide14.xml><?xml version="1.0" encoding="utf-8"?>
 <p:sld xmlns:a="http://schemas.openxmlformats.org/drawingml/2006/main" xmlns:r="http://schemas.openxmlformats.org/officeDocument/2006/relationships" xmlns:p="http://schemas.openxmlformats.org/presentationml/2006/main">
   <p:cSld>
     <p:spTree>
@@ -5525,424 +5755,6 @@
     <p:extLst>
       <p:ext uri="{BB962C8B-B14F-4D97-AF65-F5344CB8AC3E}">
         <p14:creationId xmlns:p14="http://schemas.microsoft.com/office/powerpoint/2010/main" val="1281683933"/>
-      </p:ext>
-    </p:extLst>
-  </p:cSld>
-  <p:clrMapOvr>
-    <a:masterClrMapping/>
-  </p:clrMapOvr>
-</p:sld>
-</file>
-
-<file path=ppt/slides/slide14.xml><?xml version="1.0" encoding="utf-8"?>
-<p:sld xmlns:a="http://schemas.openxmlformats.org/drawingml/2006/main" xmlns:r="http://schemas.openxmlformats.org/officeDocument/2006/relationships" xmlns:p="http://schemas.openxmlformats.org/presentationml/2006/main">
-  <p:cSld>
-    <p:spTree>
-      <p:nvGrpSpPr>
-        <p:cNvPr id="1" name=""/>
-        <p:cNvGrpSpPr/>
-        <p:nvPr/>
-      </p:nvGrpSpPr>
-      <p:grpSpPr>
-        <a:xfrm>
-          <a:off x="0" y="0"/>
-          <a:ext cx="0" cy="0"/>
-          <a:chOff x="0" y="0"/>
-          <a:chExt cx="0" cy="0"/>
-        </a:xfrm>
-      </p:grpSpPr>
-      <p:sp>
-        <p:nvSpPr>
-          <p:cNvPr id="2" name="正方形/長方形 1">
-            <a:extLst>
-              <a:ext uri="{FF2B5EF4-FFF2-40B4-BE49-F238E27FC236}">
-                <a16:creationId xmlns:a16="http://schemas.microsoft.com/office/drawing/2014/main" id="{14E540FD-7E6D-F7C9-ED73-4259DC4EB027}"/>
-              </a:ext>
-            </a:extLst>
-          </p:cNvPr>
-          <p:cNvSpPr/>
-          <p:nvPr/>
-        </p:nvSpPr>
-        <p:spPr>
-          <a:xfrm>
-            <a:off x="3396000" y="729000"/>
-            <a:ext cx="5400000" cy="5400000"/>
-          </a:xfrm>
-          <a:prstGeom prst="rect">
-            <a:avLst/>
-          </a:prstGeom>
-          <a:solidFill>
-            <a:srgbClr val="FDD978"/>
-          </a:solidFill>
-          <a:ln>
-            <a:noFill/>
-          </a:ln>
-        </p:spPr>
-        <p:style>
-          <a:lnRef idx="2">
-            <a:schemeClr val="accent1">
-              <a:shade val="15000"/>
-            </a:schemeClr>
-          </a:lnRef>
-          <a:fillRef idx="1">
-            <a:schemeClr val="accent1"/>
-          </a:fillRef>
-          <a:effectRef idx="0">
-            <a:schemeClr val="accent1"/>
-          </a:effectRef>
-          <a:fontRef idx="minor">
-            <a:schemeClr val="lt1"/>
-          </a:fontRef>
-        </p:style>
-        <p:txBody>
-          <a:bodyPr rtlCol="0" anchor="ctr"/>
-          <a:lstStyle/>
-          <a:p>
-            <a:pPr algn="ctr"/>
-            <a:endParaRPr kumimoji="1" lang="ja-JP" altLang="en-US"/>
-          </a:p>
-        </p:txBody>
-      </p:sp>
-      <p:sp>
-        <p:nvSpPr>
-          <p:cNvPr id="105" name="フローチャート: 照合 104">
-            <a:extLst>
-              <a:ext uri="{FF2B5EF4-FFF2-40B4-BE49-F238E27FC236}">
-                <a16:creationId xmlns:a16="http://schemas.microsoft.com/office/drawing/2014/main" id="{549586E8-65F8-7BAE-BEE5-EDAC9F6BE087}"/>
-              </a:ext>
-            </a:extLst>
-          </p:cNvPr>
-          <p:cNvSpPr/>
-          <p:nvPr/>
-        </p:nvSpPr>
-        <p:spPr>
-          <a:xfrm rot="900000">
-            <a:off x="5738945" y="375555"/>
-            <a:ext cx="714103" cy="6120000"/>
-          </a:xfrm>
-          <a:prstGeom prst="flowChartCollate">
-            <a:avLst/>
-          </a:prstGeom>
-          <a:solidFill>
-            <a:srgbClr val="FFC66E"/>
-          </a:solidFill>
-          <a:ln>
-            <a:noFill/>
-          </a:ln>
-        </p:spPr>
-        <p:style>
-          <a:lnRef idx="2">
-            <a:schemeClr val="accent1">
-              <a:shade val="15000"/>
-            </a:schemeClr>
-          </a:lnRef>
-          <a:fillRef idx="1">
-            <a:schemeClr val="accent1"/>
-          </a:fillRef>
-          <a:effectRef idx="0">
-            <a:schemeClr val="accent1"/>
-          </a:effectRef>
-          <a:fontRef idx="minor">
-            <a:schemeClr val="lt1"/>
-          </a:fontRef>
-        </p:style>
-        <p:txBody>
-          <a:bodyPr rtlCol="0" anchor="ctr"/>
-          <a:lstStyle/>
-          <a:p>
-            <a:pPr algn="ctr"/>
-            <a:endParaRPr kumimoji="1" lang="ja-JP" altLang="en-US">
-              <a:solidFill>
-                <a:schemeClr val="tx1"/>
-              </a:solidFill>
-            </a:endParaRPr>
-          </a:p>
-        </p:txBody>
-      </p:sp>
-      <p:sp>
-        <p:nvSpPr>
-          <p:cNvPr id="107" name="フローチャート: 照合 106">
-            <a:extLst>
-              <a:ext uri="{FF2B5EF4-FFF2-40B4-BE49-F238E27FC236}">
-                <a16:creationId xmlns:a16="http://schemas.microsoft.com/office/drawing/2014/main" id="{71637BDB-7F7E-F537-ED64-9C2E3155DD47}"/>
-              </a:ext>
-            </a:extLst>
-          </p:cNvPr>
-          <p:cNvSpPr/>
-          <p:nvPr/>
-        </p:nvSpPr>
-        <p:spPr>
-          <a:xfrm rot="2700000">
-            <a:off x="5555998" y="-351001"/>
-            <a:ext cx="1080000" cy="7560000"/>
-          </a:xfrm>
-          <a:prstGeom prst="flowChartCollate">
-            <a:avLst/>
-          </a:prstGeom>
-          <a:solidFill>
-            <a:srgbClr val="FFC66E"/>
-          </a:solidFill>
-          <a:ln>
-            <a:noFill/>
-          </a:ln>
-        </p:spPr>
-        <p:style>
-          <a:lnRef idx="2">
-            <a:schemeClr val="accent1">
-              <a:shade val="15000"/>
-            </a:schemeClr>
-          </a:lnRef>
-          <a:fillRef idx="1">
-            <a:schemeClr val="accent1"/>
-          </a:fillRef>
-          <a:effectRef idx="0">
-            <a:schemeClr val="accent1"/>
-          </a:effectRef>
-          <a:fontRef idx="minor">
-            <a:schemeClr val="lt1"/>
-          </a:fontRef>
-        </p:style>
-        <p:txBody>
-          <a:bodyPr rtlCol="0" anchor="ctr"/>
-          <a:lstStyle/>
-          <a:p>
-            <a:pPr algn="ctr"/>
-            <a:endParaRPr kumimoji="1" lang="ja-JP" altLang="en-US">
-              <a:solidFill>
-                <a:schemeClr val="tx1"/>
-              </a:solidFill>
-            </a:endParaRPr>
-          </a:p>
-        </p:txBody>
-      </p:sp>
-      <p:sp>
-        <p:nvSpPr>
-          <p:cNvPr id="108" name="フローチャート: 照合 107">
-            <a:extLst>
-              <a:ext uri="{FF2B5EF4-FFF2-40B4-BE49-F238E27FC236}">
-                <a16:creationId xmlns:a16="http://schemas.microsoft.com/office/drawing/2014/main" id="{1970EF8C-DB9A-90AC-730D-1D32F2B55B76}"/>
-              </a:ext>
-            </a:extLst>
-          </p:cNvPr>
-          <p:cNvSpPr/>
-          <p:nvPr/>
-        </p:nvSpPr>
-        <p:spPr>
-          <a:xfrm rot="8100000">
-            <a:off x="5555997" y="-351002"/>
-            <a:ext cx="1080000" cy="7560000"/>
-          </a:xfrm>
-          <a:prstGeom prst="flowChartCollate">
-            <a:avLst/>
-          </a:prstGeom>
-          <a:solidFill>
-            <a:srgbClr val="FFC66E"/>
-          </a:solidFill>
-          <a:ln>
-            <a:noFill/>
-          </a:ln>
-        </p:spPr>
-        <p:style>
-          <a:lnRef idx="2">
-            <a:schemeClr val="accent1">
-              <a:shade val="15000"/>
-            </a:schemeClr>
-          </a:lnRef>
-          <a:fillRef idx="1">
-            <a:schemeClr val="accent1"/>
-          </a:fillRef>
-          <a:effectRef idx="0">
-            <a:schemeClr val="accent1"/>
-          </a:effectRef>
-          <a:fontRef idx="minor">
-            <a:schemeClr val="lt1"/>
-          </a:fontRef>
-        </p:style>
-        <p:txBody>
-          <a:bodyPr rtlCol="0" anchor="ctr"/>
-          <a:lstStyle/>
-          <a:p>
-            <a:pPr algn="ctr"/>
-            <a:endParaRPr kumimoji="1" lang="ja-JP" altLang="en-US">
-              <a:solidFill>
-                <a:schemeClr val="tx1"/>
-              </a:solidFill>
-            </a:endParaRPr>
-          </a:p>
-        </p:txBody>
-      </p:sp>
-      <p:sp>
-        <p:nvSpPr>
-          <p:cNvPr id="109" name="フローチャート: 照合 108">
-            <a:extLst>
-              <a:ext uri="{FF2B5EF4-FFF2-40B4-BE49-F238E27FC236}">
-                <a16:creationId xmlns:a16="http://schemas.microsoft.com/office/drawing/2014/main" id="{ACF063C7-3AA4-A74C-6F1B-62C840DE3FB8}"/>
-              </a:ext>
-            </a:extLst>
-          </p:cNvPr>
-          <p:cNvSpPr/>
-          <p:nvPr/>
-        </p:nvSpPr>
-        <p:spPr>
-          <a:xfrm rot="-900000">
-            <a:off x="5738943" y="362441"/>
-            <a:ext cx="714103" cy="6120000"/>
-          </a:xfrm>
-          <a:prstGeom prst="flowChartCollate">
-            <a:avLst/>
-          </a:prstGeom>
-          <a:solidFill>
-            <a:srgbClr val="FFC66E"/>
-          </a:solidFill>
-          <a:ln>
-            <a:noFill/>
-          </a:ln>
-        </p:spPr>
-        <p:style>
-          <a:lnRef idx="2">
-            <a:schemeClr val="accent1">
-              <a:shade val="15000"/>
-            </a:schemeClr>
-          </a:lnRef>
-          <a:fillRef idx="1">
-            <a:schemeClr val="accent1"/>
-          </a:fillRef>
-          <a:effectRef idx="0">
-            <a:schemeClr val="accent1"/>
-          </a:effectRef>
-          <a:fontRef idx="minor">
-            <a:schemeClr val="lt1"/>
-          </a:fontRef>
-        </p:style>
-        <p:txBody>
-          <a:bodyPr rtlCol="0" anchor="ctr"/>
-          <a:lstStyle/>
-          <a:p>
-            <a:pPr algn="ctr"/>
-            <a:endParaRPr kumimoji="1" lang="ja-JP" altLang="en-US">
-              <a:solidFill>
-                <a:schemeClr val="tx1"/>
-              </a:solidFill>
-            </a:endParaRPr>
-          </a:p>
-        </p:txBody>
-      </p:sp>
-      <p:sp>
-        <p:nvSpPr>
-          <p:cNvPr id="110" name="フローチャート: 照合 109">
-            <a:extLst>
-              <a:ext uri="{FF2B5EF4-FFF2-40B4-BE49-F238E27FC236}">
-                <a16:creationId xmlns:a16="http://schemas.microsoft.com/office/drawing/2014/main" id="{0D27700F-3D2F-C864-E1CC-5832B957309D}"/>
-              </a:ext>
-            </a:extLst>
-          </p:cNvPr>
-          <p:cNvSpPr/>
-          <p:nvPr/>
-        </p:nvSpPr>
-        <p:spPr>
-          <a:xfrm rot="4500000">
-            <a:off x="5732387" y="368997"/>
-            <a:ext cx="714103" cy="6120000"/>
-          </a:xfrm>
-          <a:prstGeom prst="flowChartCollate">
-            <a:avLst/>
-          </a:prstGeom>
-          <a:solidFill>
-            <a:srgbClr val="FFC66E"/>
-          </a:solidFill>
-          <a:ln>
-            <a:noFill/>
-          </a:ln>
-        </p:spPr>
-        <p:style>
-          <a:lnRef idx="2">
-            <a:schemeClr val="accent1">
-              <a:shade val="15000"/>
-            </a:schemeClr>
-          </a:lnRef>
-          <a:fillRef idx="1">
-            <a:schemeClr val="accent1"/>
-          </a:fillRef>
-          <a:effectRef idx="0">
-            <a:schemeClr val="accent1"/>
-          </a:effectRef>
-          <a:fontRef idx="minor">
-            <a:schemeClr val="lt1"/>
-          </a:fontRef>
-        </p:style>
-        <p:txBody>
-          <a:bodyPr rtlCol="0" anchor="ctr"/>
-          <a:lstStyle/>
-          <a:p>
-            <a:pPr algn="ctr"/>
-            <a:endParaRPr kumimoji="1" lang="ja-JP" altLang="en-US">
-              <a:solidFill>
-                <a:schemeClr val="tx1"/>
-              </a:solidFill>
-            </a:endParaRPr>
-          </a:p>
-        </p:txBody>
-      </p:sp>
-      <p:sp>
-        <p:nvSpPr>
-          <p:cNvPr id="111" name="フローチャート: 照合 110">
-            <a:extLst>
-              <a:ext uri="{FF2B5EF4-FFF2-40B4-BE49-F238E27FC236}">
-                <a16:creationId xmlns:a16="http://schemas.microsoft.com/office/drawing/2014/main" id="{1057B580-C105-6402-1D41-23A13A4E05E1}"/>
-              </a:ext>
-            </a:extLst>
-          </p:cNvPr>
-          <p:cNvSpPr/>
-          <p:nvPr/>
-        </p:nvSpPr>
-        <p:spPr>
-          <a:xfrm rot="-4500000">
-            <a:off x="5719270" y="355881"/>
-            <a:ext cx="714103" cy="6120000"/>
-          </a:xfrm>
-          <a:prstGeom prst="flowChartCollate">
-            <a:avLst/>
-          </a:prstGeom>
-          <a:solidFill>
-            <a:srgbClr val="FFC66E"/>
-          </a:solidFill>
-          <a:ln>
-            <a:noFill/>
-          </a:ln>
-        </p:spPr>
-        <p:style>
-          <a:lnRef idx="2">
-            <a:schemeClr val="accent1">
-              <a:shade val="15000"/>
-            </a:schemeClr>
-          </a:lnRef>
-          <a:fillRef idx="1">
-            <a:schemeClr val="accent1"/>
-          </a:fillRef>
-          <a:effectRef idx="0">
-            <a:schemeClr val="accent1"/>
-          </a:effectRef>
-          <a:fontRef idx="minor">
-            <a:schemeClr val="lt1"/>
-          </a:fontRef>
-        </p:style>
-        <p:txBody>
-          <a:bodyPr rtlCol="0" anchor="ctr"/>
-          <a:lstStyle/>
-          <a:p>
-            <a:pPr algn="ctr"/>
-            <a:endParaRPr kumimoji="1" lang="ja-JP" altLang="en-US">
-              <a:solidFill>
-                <a:schemeClr val="tx1"/>
-              </a:solidFill>
-            </a:endParaRPr>
-          </a:p>
-        </p:txBody>
-      </p:sp>
-    </p:spTree>
-    <p:extLst>
-      <p:ext uri="{BB962C8B-B14F-4D97-AF65-F5344CB8AC3E}">
-        <p14:creationId xmlns:p14="http://schemas.microsoft.com/office/powerpoint/2010/main" val="4179820668"/>
       </p:ext>
     </p:extLst>
   </p:cSld>
@@ -5969,111 +5781,32 @@
           <a:chExt cx="0" cy="0"/>
         </a:xfrm>
       </p:grpSpPr>
-      <p:pic>
-        <p:nvPicPr>
-          <p:cNvPr id="17" name="図 16" descr="シーン, 傘 が含まれている画像&#10;&#10;自動的に生成された説明">
-            <a:extLst>
-              <a:ext uri="{FF2B5EF4-FFF2-40B4-BE49-F238E27FC236}">
-                <a16:creationId xmlns:a16="http://schemas.microsoft.com/office/drawing/2014/main" id="{9C533349-275D-AB4B-373A-1F4470C0EF0C}"/>
-              </a:ext>
-            </a:extLst>
-          </p:cNvPr>
-          <p:cNvPicPr>
-            <a:picLocks noChangeAspect="1"/>
-          </p:cNvPicPr>
-          <p:nvPr/>
-        </p:nvPicPr>
-        <p:blipFill>
-          <a:blip r:embed="rId2">
-            <a:extLst>
-              <a:ext uri="{28A0092B-C50C-407E-A947-70E740481C1C}">
-                <a14:useLocalDpi xmlns:a14="http://schemas.microsoft.com/office/drawing/2010/main" val="0"/>
-              </a:ext>
-            </a:extLst>
-          </a:blip>
-          <a:stretch>
-            <a:fillRect/>
-          </a:stretch>
-        </p:blipFill>
-        <p:spPr>
-          <a:xfrm>
-            <a:off x="3396000" y="715624"/>
+      <p:sp>
+        <p:nvSpPr>
+          <p:cNvPr id="2" name="正方形/長方形 1">
+            <a:extLst>
+              <a:ext uri="{FF2B5EF4-FFF2-40B4-BE49-F238E27FC236}">
+                <a16:creationId xmlns:a16="http://schemas.microsoft.com/office/drawing/2014/main" id="{14E540FD-7E6D-F7C9-ED73-4259DC4EB027}"/>
+              </a:ext>
+            </a:extLst>
+          </p:cNvPr>
+          <p:cNvSpPr/>
+          <p:nvPr/>
+        </p:nvSpPr>
+        <p:spPr>
+          <a:xfrm>
+            <a:off x="3396000" y="729000"/>
             <a:ext cx="5400000" cy="5400000"/>
           </a:xfrm>
           <a:prstGeom prst="rect">
             <a:avLst/>
           </a:prstGeom>
-        </p:spPr>
-      </p:pic>
-      <p:pic>
-        <p:nvPicPr>
-          <p:cNvPr id="3" name="図 2" descr="ロゴ&#10;&#10;自動的に生成された説明">
-            <a:extLst>
-              <a:ext uri="{FF2B5EF4-FFF2-40B4-BE49-F238E27FC236}">
-                <a16:creationId xmlns:a16="http://schemas.microsoft.com/office/drawing/2014/main" id="{DA0CD337-EA46-3C4A-8527-45EC712436DD}"/>
-              </a:ext>
-            </a:extLst>
-          </p:cNvPr>
-          <p:cNvPicPr>
-            <a:picLocks noChangeAspect="1"/>
-          </p:cNvPicPr>
-          <p:nvPr/>
-        </p:nvPicPr>
-        <p:blipFill>
-          <a:blip r:embed="rId3">
-            <a:extLst>
-              <a:ext uri="{28A0092B-C50C-407E-A947-70E740481C1C}">
-                <a14:useLocalDpi xmlns:a14="http://schemas.microsoft.com/office/drawing/2010/main" val="0"/>
-              </a:ext>
-            </a:extLst>
-          </a:blip>
-          <a:stretch>
-            <a:fillRect/>
-          </a:stretch>
-        </p:blipFill>
-        <p:spPr>
-          <a:xfrm>
-            <a:off x="3524247" y="904874"/>
-            <a:ext cx="5143503" cy="1543051"/>
-          </a:xfrm>
-          <a:prstGeom prst="rect">
-            <a:avLst/>
-          </a:prstGeom>
-        </p:spPr>
-      </p:pic>
-      <p:sp>
-        <p:nvSpPr>
-          <p:cNvPr id="22" name="楕円 21">
-            <a:extLst>
-              <a:ext uri="{FF2B5EF4-FFF2-40B4-BE49-F238E27FC236}">
-                <a16:creationId xmlns:a16="http://schemas.microsoft.com/office/drawing/2014/main" id="{95D2596C-33BD-97C1-094F-993F624DD4F2}"/>
-              </a:ext>
-            </a:extLst>
-          </p:cNvPr>
-          <p:cNvSpPr/>
-          <p:nvPr/>
-        </p:nvSpPr>
-        <p:spPr>
-          <a:xfrm>
-            <a:off x="4745719" y="2222678"/>
-            <a:ext cx="2700000" cy="2700000"/>
-          </a:xfrm>
-          <a:prstGeom prst="ellipse">
-            <a:avLst/>
-          </a:prstGeom>
           <a:solidFill>
-            <a:schemeClr val="bg1"/>
+            <a:srgbClr val="FDD978"/>
           </a:solidFill>
           <a:ln>
             <a:noFill/>
           </a:ln>
-          <a:effectLst>
-            <a:outerShdw blurRad="63500" sx="110000" sy="110000" algn="ctr" rotWithShape="0">
-              <a:schemeClr val="bg1">
-                <a:alpha val="80000"/>
-              </a:schemeClr>
-            </a:outerShdw>
-          </a:effectLst>
         </p:spPr>
         <p:style>
           <a:lnRef idx="2">
@@ -6100,438 +5833,346 @@
           </a:p>
         </p:txBody>
       </p:sp>
-      <p:pic>
-        <p:nvPicPr>
-          <p:cNvPr id="7" name="図 6" descr="アイコン&#10;&#10;自動的に生成された説明">
-            <a:extLst>
-              <a:ext uri="{FF2B5EF4-FFF2-40B4-BE49-F238E27FC236}">
-                <a16:creationId xmlns:a16="http://schemas.microsoft.com/office/drawing/2014/main" id="{27A9A2A0-4FA2-7E48-47F9-0B19D9623BC0}"/>
-              </a:ext>
-            </a:extLst>
-          </p:cNvPr>
-          <p:cNvPicPr>
-            <a:picLocks noChangeAspect="1"/>
-          </p:cNvPicPr>
-          <p:nvPr/>
-        </p:nvPicPr>
-        <p:blipFill>
-          <a:blip r:embed="rId4">
-            <a:extLst>
-              <a:ext uri="{28A0092B-C50C-407E-A947-70E740481C1C}">
-                <a14:useLocalDpi xmlns:a14="http://schemas.microsoft.com/office/drawing/2010/main" val="0"/>
-              </a:ext>
-            </a:extLst>
-          </a:blip>
-          <a:stretch>
-            <a:fillRect/>
-          </a:stretch>
-        </p:blipFill>
-        <p:spPr>
-          <a:xfrm rot="20600713">
-            <a:off x="7742074" y="2630207"/>
-            <a:ext cx="900000" cy="900000"/>
-          </a:xfrm>
-          <a:prstGeom prst="rect">
-            <a:avLst/>
-          </a:prstGeom>
-        </p:spPr>
-      </p:pic>
-      <p:pic>
-        <p:nvPicPr>
-          <p:cNvPr id="9" name="図 8" descr="アイコン&#10;&#10;自動的に生成された説明">
-            <a:extLst>
-              <a:ext uri="{FF2B5EF4-FFF2-40B4-BE49-F238E27FC236}">
-                <a16:creationId xmlns:a16="http://schemas.microsoft.com/office/drawing/2014/main" id="{981C66B5-A167-9194-0DE6-688818E79018}"/>
-              </a:ext>
-            </a:extLst>
-          </p:cNvPr>
-          <p:cNvPicPr>
-            <a:picLocks noChangeAspect="1"/>
-          </p:cNvPicPr>
-          <p:nvPr/>
-        </p:nvPicPr>
-        <p:blipFill>
-          <a:blip r:embed="rId5">
-            <a:extLst>
-              <a:ext uri="{28A0092B-C50C-407E-A947-70E740481C1C}">
-                <a14:useLocalDpi xmlns:a14="http://schemas.microsoft.com/office/drawing/2010/main" val="0"/>
-              </a:ext>
-            </a:extLst>
-          </a:blip>
-          <a:stretch>
-            <a:fillRect/>
-          </a:stretch>
-        </p:blipFill>
-        <p:spPr>
-          <a:xfrm>
-            <a:off x="3524246" y="4439366"/>
-            <a:ext cx="1260000" cy="1260000"/>
-          </a:xfrm>
-          <a:prstGeom prst="rect">
-            <a:avLst/>
-          </a:prstGeom>
-        </p:spPr>
-      </p:pic>
-      <p:pic>
-        <p:nvPicPr>
-          <p:cNvPr id="11" name="図 10" descr="黒い背景に白い文字がある&#10;&#10;低い精度で自動的に生成された説明">
-            <a:extLst>
-              <a:ext uri="{FF2B5EF4-FFF2-40B4-BE49-F238E27FC236}">
-                <a16:creationId xmlns:a16="http://schemas.microsoft.com/office/drawing/2014/main" id="{37AF86B6-3295-9E00-D291-C39E350EDEA6}"/>
-              </a:ext>
-            </a:extLst>
-          </p:cNvPr>
-          <p:cNvPicPr>
-            <a:picLocks noChangeAspect="1"/>
-          </p:cNvPicPr>
-          <p:nvPr/>
-        </p:nvPicPr>
-        <p:blipFill>
-          <a:blip r:embed="rId6">
-            <a:extLst>
-              <a:ext uri="{28A0092B-C50C-407E-A947-70E740481C1C}">
-                <a14:useLocalDpi xmlns:a14="http://schemas.microsoft.com/office/drawing/2010/main" val="0"/>
-              </a:ext>
-            </a:extLst>
-          </a:blip>
-          <a:stretch>
-            <a:fillRect/>
-          </a:stretch>
-        </p:blipFill>
-        <p:spPr>
-          <a:xfrm rot="1575856">
-            <a:off x="3642710" y="2602581"/>
-            <a:ext cx="720000" cy="720000"/>
-          </a:xfrm>
-          <a:prstGeom prst="rect">
-            <a:avLst/>
-          </a:prstGeom>
-        </p:spPr>
-      </p:pic>
-      <p:pic>
-        <p:nvPicPr>
-          <p:cNvPr id="13" name="図 12" descr="アイコン&#10;&#10;自動的に生成された説明">
-            <a:extLst>
-              <a:ext uri="{FF2B5EF4-FFF2-40B4-BE49-F238E27FC236}">
-                <a16:creationId xmlns:a16="http://schemas.microsoft.com/office/drawing/2014/main" id="{BD239880-2E09-2C37-A64D-DE0780574B26}"/>
-              </a:ext>
-            </a:extLst>
-          </p:cNvPr>
-          <p:cNvPicPr>
-            <a:picLocks noChangeAspect="1"/>
-          </p:cNvPicPr>
-          <p:nvPr/>
-        </p:nvPicPr>
-        <p:blipFill>
-          <a:blip r:embed="rId7">
-            <a:extLst>
-              <a:ext uri="{28A0092B-C50C-407E-A947-70E740481C1C}">
-                <a14:useLocalDpi xmlns:a14="http://schemas.microsoft.com/office/drawing/2010/main" val="0"/>
-              </a:ext>
-            </a:extLst>
-          </a:blip>
-          <a:stretch>
-            <a:fillRect/>
-          </a:stretch>
-        </p:blipFill>
-        <p:spPr>
-          <a:xfrm rot="19339526">
-            <a:off x="7337642" y="4621947"/>
-            <a:ext cx="1080000" cy="1080000"/>
-          </a:xfrm>
-          <a:prstGeom prst="rect">
-            <a:avLst/>
-          </a:prstGeom>
-        </p:spPr>
-      </p:pic>
-      <p:pic>
-        <p:nvPicPr>
-          <p:cNvPr id="30" name="図 29" descr="光 が含まれている画像&#10;&#10;自動的に生成された説明">
-            <a:extLst>
-              <a:ext uri="{FF2B5EF4-FFF2-40B4-BE49-F238E27FC236}">
-                <a16:creationId xmlns:a16="http://schemas.microsoft.com/office/drawing/2014/main" id="{517AFA1D-5859-A176-0C7B-70DE4E98468D}"/>
-              </a:ext>
-            </a:extLst>
-          </p:cNvPr>
-          <p:cNvPicPr>
-            <a:picLocks noChangeAspect="1"/>
-          </p:cNvPicPr>
-          <p:nvPr/>
-        </p:nvPicPr>
-        <p:blipFill rotWithShape="1">
-          <a:blip r:embed="rId8">
-            <a:extLst>
-              <a:ext uri="{28A0092B-C50C-407E-A947-70E740481C1C}">
-                <a14:useLocalDpi xmlns:a14="http://schemas.microsoft.com/office/drawing/2010/main" val="0"/>
-              </a:ext>
-            </a:extLst>
-          </a:blip>
-          <a:srcRect t="36950"/>
-          <a:stretch/>
-        </p:blipFill>
-        <p:spPr>
-          <a:xfrm>
-            <a:off x="3665360" y="715624"/>
-            <a:ext cx="756466" cy="681365"/>
-          </a:xfrm>
-          <a:prstGeom prst="rect">
-            <a:avLst/>
-          </a:prstGeom>
-        </p:spPr>
-      </p:pic>
-      <p:pic>
-        <p:nvPicPr>
-          <p:cNvPr id="31" name="図 30" descr="光 が含まれている画像&#10;&#10;自動的に生成された説明">
-            <a:extLst>
-              <a:ext uri="{FF2B5EF4-FFF2-40B4-BE49-F238E27FC236}">
-                <a16:creationId xmlns:a16="http://schemas.microsoft.com/office/drawing/2014/main" id="{C3201E0D-26F2-30A5-67E8-59E699062A7F}"/>
-              </a:ext>
-            </a:extLst>
-          </p:cNvPr>
-          <p:cNvPicPr>
-            <a:picLocks noChangeAspect="1"/>
-          </p:cNvPicPr>
-          <p:nvPr/>
-        </p:nvPicPr>
-        <p:blipFill rotWithShape="1">
-          <a:blip r:embed="rId8">
-            <a:extLst>
-              <a:ext uri="{28A0092B-C50C-407E-A947-70E740481C1C}">
-                <a14:useLocalDpi xmlns:a14="http://schemas.microsoft.com/office/drawing/2010/main" val="0"/>
-              </a:ext>
-            </a:extLst>
-          </a:blip>
-          <a:srcRect t="19541" b="-1"/>
-          <a:stretch/>
-        </p:blipFill>
-        <p:spPr>
-          <a:xfrm>
-            <a:off x="8025123" y="715624"/>
-            <a:ext cx="756466" cy="869486"/>
-          </a:xfrm>
-          <a:prstGeom prst="rect">
-            <a:avLst/>
-          </a:prstGeom>
-        </p:spPr>
-      </p:pic>
-      <p:pic>
-        <p:nvPicPr>
-          <p:cNvPr id="32" name="図 31" descr="光 が含まれている画像&#10;&#10;自動的に生成された説明">
-            <a:extLst>
-              <a:ext uri="{FF2B5EF4-FFF2-40B4-BE49-F238E27FC236}">
-                <a16:creationId xmlns:a16="http://schemas.microsoft.com/office/drawing/2014/main" id="{97318450-B7C2-1DDD-29FB-0E93C30B1B88}"/>
-              </a:ext>
-            </a:extLst>
-          </p:cNvPr>
-          <p:cNvPicPr>
-            <a:picLocks noChangeAspect="1"/>
-          </p:cNvPicPr>
-          <p:nvPr/>
-        </p:nvPicPr>
-        <p:blipFill>
-          <a:blip r:embed="rId8">
-            <a:extLst>
-              <a:ext uri="{28A0092B-C50C-407E-A947-70E740481C1C}">
-                <a14:useLocalDpi xmlns:a14="http://schemas.microsoft.com/office/drawing/2010/main" val="0"/>
-              </a:ext>
-            </a:extLst>
-          </a:blip>
-          <a:stretch>
-            <a:fillRect/>
-          </a:stretch>
-        </p:blipFill>
-        <p:spPr>
-          <a:xfrm>
-            <a:off x="3416963" y="3870829"/>
-            <a:ext cx="478680" cy="683828"/>
-          </a:xfrm>
-          <a:prstGeom prst="rect">
-            <a:avLst/>
-          </a:prstGeom>
-        </p:spPr>
-      </p:pic>
-      <p:pic>
-        <p:nvPicPr>
-          <p:cNvPr id="33" name="図 32" descr="光 が含まれている画像&#10;&#10;自動的に生成された説明">
-            <a:extLst>
-              <a:ext uri="{FF2B5EF4-FFF2-40B4-BE49-F238E27FC236}">
-                <a16:creationId xmlns:a16="http://schemas.microsoft.com/office/drawing/2014/main" id="{6E08AF0D-783F-288D-56D1-C819C9A12BD8}"/>
-              </a:ext>
-            </a:extLst>
-          </p:cNvPr>
-          <p:cNvPicPr>
-            <a:picLocks noChangeAspect="1"/>
-          </p:cNvPicPr>
-          <p:nvPr/>
-        </p:nvPicPr>
-        <p:blipFill rotWithShape="1">
-          <a:blip r:embed="rId8">
-            <a:extLst>
-              <a:ext uri="{28A0092B-C50C-407E-A947-70E740481C1C}">
-                <a14:useLocalDpi xmlns:a14="http://schemas.microsoft.com/office/drawing/2010/main" val="0"/>
-              </a:ext>
-            </a:extLst>
-          </a:blip>
-          <a:srcRect b="25716"/>
-          <a:stretch/>
-        </p:blipFill>
-        <p:spPr>
-          <a:xfrm>
-            <a:off x="4604435" y="5401215"/>
-            <a:ext cx="673209" cy="714409"/>
-          </a:xfrm>
-          <a:prstGeom prst="rect">
-            <a:avLst/>
-          </a:prstGeom>
-        </p:spPr>
-      </p:pic>
-      <p:pic>
-        <p:nvPicPr>
-          <p:cNvPr id="34" name="図 33" descr="光 が含まれている画像&#10;&#10;自動的に生成された説明">
-            <a:extLst>
-              <a:ext uri="{FF2B5EF4-FFF2-40B4-BE49-F238E27FC236}">
-                <a16:creationId xmlns:a16="http://schemas.microsoft.com/office/drawing/2014/main" id="{C627784C-2721-7C15-104C-1E1997C0C207}"/>
-              </a:ext>
-            </a:extLst>
-          </p:cNvPr>
-          <p:cNvPicPr>
-            <a:picLocks noChangeAspect="1"/>
-          </p:cNvPicPr>
-          <p:nvPr/>
-        </p:nvPicPr>
-        <p:blipFill rotWithShape="1">
-          <a:blip r:embed="rId8">
-            <a:extLst>
-              <a:ext uri="{28A0092B-C50C-407E-A947-70E740481C1C}">
-                <a14:useLocalDpi xmlns:a14="http://schemas.microsoft.com/office/drawing/2010/main" val="0"/>
-              </a:ext>
-            </a:extLst>
-          </a:blip>
-          <a:srcRect b="26468"/>
-          <a:stretch/>
-        </p:blipFill>
-        <p:spPr>
-          <a:xfrm>
-            <a:off x="6947008" y="5629870"/>
-            <a:ext cx="462423" cy="485754"/>
-          </a:xfrm>
-          <a:prstGeom prst="rect">
-            <a:avLst/>
-          </a:prstGeom>
-        </p:spPr>
-      </p:pic>
-      <p:pic>
-        <p:nvPicPr>
-          <p:cNvPr id="35" name="図 34" descr="光 が含まれている画像&#10;&#10;自動的に生成された説明">
-            <a:extLst>
-              <a:ext uri="{FF2B5EF4-FFF2-40B4-BE49-F238E27FC236}">
-                <a16:creationId xmlns:a16="http://schemas.microsoft.com/office/drawing/2014/main" id="{9533D3F0-E380-14DA-14D6-F7CFB629F3C4}"/>
-              </a:ext>
-            </a:extLst>
-          </p:cNvPr>
-          <p:cNvPicPr>
-            <a:picLocks noChangeAspect="1"/>
-          </p:cNvPicPr>
-          <p:nvPr/>
-        </p:nvPicPr>
-        <p:blipFill>
-          <a:blip r:embed="rId8">
-            <a:extLst>
-              <a:ext uri="{28A0092B-C50C-407E-A947-70E740481C1C}">
-                <a14:useLocalDpi xmlns:a14="http://schemas.microsoft.com/office/drawing/2010/main" val="0"/>
-              </a:ext>
-            </a:extLst>
-          </a:blip>
-          <a:stretch>
-            <a:fillRect/>
-          </a:stretch>
-        </p:blipFill>
-        <p:spPr>
-          <a:xfrm>
-            <a:off x="7300518" y="2219310"/>
-            <a:ext cx="342824" cy="489748"/>
-          </a:xfrm>
-          <a:prstGeom prst="rect">
-            <a:avLst/>
-          </a:prstGeom>
-        </p:spPr>
-      </p:pic>
-      <p:pic>
-        <p:nvPicPr>
-          <p:cNvPr id="52" name="図 51" descr="アイコン&#10;&#10;自動的に生成された説明">
-            <a:extLst>
-              <a:ext uri="{FF2B5EF4-FFF2-40B4-BE49-F238E27FC236}">
-                <a16:creationId xmlns:a16="http://schemas.microsoft.com/office/drawing/2014/main" id="{D156C2B5-5CB7-C98A-A2E4-7525C5312290}"/>
-              </a:ext>
-            </a:extLst>
-          </p:cNvPr>
-          <p:cNvPicPr>
-            <a:picLocks noChangeAspect="1"/>
-          </p:cNvPicPr>
-          <p:nvPr/>
-        </p:nvPicPr>
-        <p:blipFill>
-          <a:blip r:embed="rId9">
-            <a:extLst>
-              <a:ext uri="{28A0092B-C50C-407E-A947-70E740481C1C}">
-                <a14:useLocalDpi xmlns:a14="http://schemas.microsoft.com/office/drawing/2010/main" val="0"/>
-              </a:ext>
-            </a:extLst>
-          </a:blip>
-          <a:stretch>
-            <a:fillRect/>
-          </a:stretch>
-        </p:blipFill>
-        <p:spPr>
-          <a:xfrm>
-            <a:off x="4835719" y="2312678"/>
-            <a:ext cx="2520000" cy="2520000"/>
-          </a:xfrm>
-          <a:prstGeom prst="rect">
-            <a:avLst/>
-          </a:prstGeom>
-        </p:spPr>
-      </p:pic>
-      <p:pic>
-        <p:nvPicPr>
-          <p:cNvPr id="54" name="図 53" descr="アイコン&#10;&#10;自動的に生成された説明">
-            <a:extLst>
-              <a:ext uri="{FF2B5EF4-FFF2-40B4-BE49-F238E27FC236}">
-                <a16:creationId xmlns:a16="http://schemas.microsoft.com/office/drawing/2014/main" id="{EF484482-5791-A2CA-4CEB-AFFA19E7C70C}"/>
-              </a:ext>
-            </a:extLst>
-          </p:cNvPr>
-          <p:cNvPicPr>
-            <a:picLocks noChangeAspect="1"/>
-          </p:cNvPicPr>
-          <p:nvPr/>
-        </p:nvPicPr>
-        <p:blipFill>
-          <a:blip r:embed="rId10">
-            <a:extLst>
-              <a:ext uri="{28A0092B-C50C-407E-A947-70E740481C1C}">
-                <a14:useLocalDpi xmlns:a14="http://schemas.microsoft.com/office/drawing/2010/main" val="0"/>
-              </a:ext>
-            </a:extLst>
-          </a:blip>
-          <a:stretch>
-            <a:fillRect/>
-          </a:stretch>
-        </p:blipFill>
-        <p:spPr>
-          <a:xfrm>
-            <a:off x="5825719" y="5249151"/>
-            <a:ext cx="540000" cy="540000"/>
-          </a:xfrm>
-          <a:prstGeom prst="rect">
-            <a:avLst/>
-          </a:prstGeom>
-        </p:spPr>
-      </p:pic>
+      <p:sp>
+        <p:nvSpPr>
+          <p:cNvPr id="105" name="フローチャート: 照合 104">
+            <a:extLst>
+              <a:ext uri="{FF2B5EF4-FFF2-40B4-BE49-F238E27FC236}">
+                <a16:creationId xmlns:a16="http://schemas.microsoft.com/office/drawing/2014/main" id="{549586E8-65F8-7BAE-BEE5-EDAC9F6BE087}"/>
+              </a:ext>
+            </a:extLst>
+          </p:cNvPr>
+          <p:cNvSpPr/>
+          <p:nvPr/>
+        </p:nvSpPr>
+        <p:spPr>
+          <a:xfrm rot="900000">
+            <a:off x="5738945" y="375555"/>
+            <a:ext cx="714103" cy="6120000"/>
+          </a:xfrm>
+          <a:prstGeom prst="flowChartCollate">
+            <a:avLst/>
+          </a:prstGeom>
+          <a:solidFill>
+            <a:srgbClr val="FFC66E"/>
+          </a:solidFill>
+          <a:ln>
+            <a:noFill/>
+          </a:ln>
+        </p:spPr>
+        <p:style>
+          <a:lnRef idx="2">
+            <a:schemeClr val="accent1">
+              <a:shade val="15000"/>
+            </a:schemeClr>
+          </a:lnRef>
+          <a:fillRef idx="1">
+            <a:schemeClr val="accent1"/>
+          </a:fillRef>
+          <a:effectRef idx="0">
+            <a:schemeClr val="accent1"/>
+          </a:effectRef>
+          <a:fontRef idx="minor">
+            <a:schemeClr val="lt1"/>
+          </a:fontRef>
+        </p:style>
+        <p:txBody>
+          <a:bodyPr rtlCol="0" anchor="ctr"/>
+          <a:lstStyle/>
+          <a:p>
+            <a:pPr algn="ctr"/>
+            <a:endParaRPr kumimoji="1" lang="ja-JP" altLang="en-US">
+              <a:solidFill>
+                <a:schemeClr val="tx1"/>
+              </a:solidFill>
+            </a:endParaRPr>
+          </a:p>
+        </p:txBody>
+      </p:sp>
+      <p:sp>
+        <p:nvSpPr>
+          <p:cNvPr id="107" name="フローチャート: 照合 106">
+            <a:extLst>
+              <a:ext uri="{FF2B5EF4-FFF2-40B4-BE49-F238E27FC236}">
+                <a16:creationId xmlns:a16="http://schemas.microsoft.com/office/drawing/2014/main" id="{71637BDB-7F7E-F537-ED64-9C2E3155DD47}"/>
+              </a:ext>
+            </a:extLst>
+          </p:cNvPr>
+          <p:cNvSpPr/>
+          <p:nvPr/>
+        </p:nvSpPr>
+        <p:spPr>
+          <a:xfrm rot="2700000">
+            <a:off x="5555998" y="-351001"/>
+            <a:ext cx="1080000" cy="7560000"/>
+          </a:xfrm>
+          <a:prstGeom prst="flowChartCollate">
+            <a:avLst/>
+          </a:prstGeom>
+          <a:solidFill>
+            <a:srgbClr val="FFC66E"/>
+          </a:solidFill>
+          <a:ln>
+            <a:noFill/>
+          </a:ln>
+        </p:spPr>
+        <p:style>
+          <a:lnRef idx="2">
+            <a:schemeClr val="accent1">
+              <a:shade val="15000"/>
+            </a:schemeClr>
+          </a:lnRef>
+          <a:fillRef idx="1">
+            <a:schemeClr val="accent1"/>
+          </a:fillRef>
+          <a:effectRef idx="0">
+            <a:schemeClr val="accent1"/>
+          </a:effectRef>
+          <a:fontRef idx="minor">
+            <a:schemeClr val="lt1"/>
+          </a:fontRef>
+        </p:style>
+        <p:txBody>
+          <a:bodyPr rtlCol="0" anchor="ctr"/>
+          <a:lstStyle/>
+          <a:p>
+            <a:pPr algn="ctr"/>
+            <a:endParaRPr kumimoji="1" lang="ja-JP" altLang="en-US">
+              <a:solidFill>
+                <a:schemeClr val="tx1"/>
+              </a:solidFill>
+            </a:endParaRPr>
+          </a:p>
+        </p:txBody>
+      </p:sp>
+      <p:sp>
+        <p:nvSpPr>
+          <p:cNvPr id="108" name="フローチャート: 照合 107">
+            <a:extLst>
+              <a:ext uri="{FF2B5EF4-FFF2-40B4-BE49-F238E27FC236}">
+                <a16:creationId xmlns:a16="http://schemas.microsoft.com/office/drawing/2014/main" id="{1970EF8C-DB9A-90AC-730D-1D32F2B55B76}"/>
+              </a:ext>
+            </a:extLst>
+          </p:cNvPr>
+          <p:cNvSpPr/>
+          <p:nvPr/>
+        </p:nvSpPr>
+        <p:spPr>
+          <a:xfrm rot="8100000">
+            <a:off x="5555997" y="-351002"/>
+            <a:ext cx="1080000" cy="7560000"/>
+          </a:xfrm>
+          <a:prstGeom prst="flowChartCollate">
+            <a:avLst/>
+          </a:prstGeom>
+          <a:solidFill>
+            <a:srgbClr val="FFC66E"/>
+          </a:solidFill>
+          <a:ln>
+            <a:noFill/>
+          </a:ln>
+        </p:spPr>
+        <p:style>
+          <a:lnRef idx="2">
+            <a:schemeClr val="accent1">
+              <a:shade val="15000"/>
+            </a:schemeClr>
+          </a:lnRef>
+          <a:fillRef idx="1">
+            <a:schemeClr val="accent1"/>
+          </a:fillRef>
+          <a:effectRef idx="0">
+            <a:schemeClr val="accent1"/>
+          </a:effectRef>
+          <a:fontRef idx="minor">
+            <a:schemeClr val="lt1"/>
+          </a:fontRef>
+        </p:style>
+        <p:txBody>
+          <a:bodyPr rtlCol="0" anchor="ctr"/>
+          <a:lstStyle/>
+          <a:p>
+            <a:pPr algn="ctr"/>
+            <a:endParaRPr kumimoji="1" lang="ja-JP" altLang="en-US">
+              <a:solidFill>
+                <a:schemeClr val="tx1"/>
+              </a:solidFill>
+            </a:endParaRPr>
+          </a:p>
+        </p:txBody>
+      </p:sp>
+      <p:sp>
+        <p:nvSpPr>
+          <p:cNvPr id="109" name="フローチャート: 照合 108">
+            <a:extLst>
+              <a:ext uri="{FF2B5EF4-FFF2-40B4-BE49-F238E27FC236}">
+                <a16:creationId xmlns:a16="http://schemas.microsoft.com/office/drawing/2014/main" id="{ACF063C7-3AA4-A74C-6F1B-62C840DE3FB8}"/>
+              </a:ext>
+            </a:extLst>
+          </p:cNvPr>
+          <p:cNvSpPr/>
+          <p:nvPr/>
+        </p:nvSpPr>
+        <p:spPr>
+          <a:xfrm rot="-900000">
+            <a:off x="5738943" y="362441"/>
+            <a:ext cx="714103" cy="6120000"/>
+          </a:xfrm>
+          <a:prstGeom prst="flowChartCollate">
+            <a:avLst/>
+          </a:prstGeom>
+          <a:solidFill>
+            <a:srgbClr val="FFC66E"/>
+          </a:solidFill>
+          <a:ln>
+            <a:noFill/>
+          </a:ln>
+        </p:spPr>
+        <p:style>
+          <a:lnRef idx="2">
+            <a:schemeClr val="accent1">
+              <a:shade val="15000"/>
+            </a:schemeClr>
+          </a:lnRef>
+          <a:fillRef idx="1">
+            <a:schemeClr val="accent1"/>
+          </a:fillRef>
+          <a:effectRef idx="0">
+            <a:schemeClr val="accent1"/>
+          </a:effectRef>
+          <a:fontRef idx="minor">
+            <a:schemeClr val="lt1"/>
+          </a:fontRef>
+        </p:style>
+        <p:txBody>
+          <a:bodyPr rtlCol="0" anchor="ctr"/>
+          <a:lstStyle/>
+          <a:p>
+            <a:pPr algn="ctr"/>
+            <a:endParaRPr kumimoji="1" lang="ja-JP" altLang="en-US">
+              <a:solidFill>
+                <a:schemeClr val="tx1"/>
+              </a:solidFill>
+            </a:endParaRPr>
+          </a:p>
+        </p:txBody>
+      </p:sp>
+      <p:sp>
+        <p:nvSpPr>
+          <p:cNvPr id="110" name="フローチャート: 照合 109">
+            <a:extLst>
+              <a:ext uri="{FF2B5EF4-FFF2-40B4-BE49-F238E27FC236}">
+                <a16:creationId xmlns:a16="http://schemas.microsoft.com/office/drawing/2014/main" id="{0D27700F-3D2F-C864-E1CC-5832B957309D}"/>
+              </a:ext>
+            </a:extLst>
+          </p:cNvPr>
+          <p:cNvSpPr/>
+          <p:nvPr/>
+        </p:nvSpPr>
+        <p:spPr>
+          <a:xfrm rot="4500000">
+            <a:off x="5732387" y="368997"/>
+            <a:ext cx="714103" cy="6120000"/>
+          </a:xfrm>
+          <a:prstGeom prst="flowChartCollate">
+            <a:avLst/>
+          </a:prstGeom>
+          <a:solidFill>
+            <a:srgbClr val="FFC66E"/>
+          </a:solidFill>
+          <a:ln>
+            <a:noFill/>
+          </a:ln>
+        </p:spPr>
+        <p:style>
+          <a:lnRef idx="2">
+            <a:schemeClr val="accent1">
+              <a:shade val="15000"/>
+            </a:schemeClr>
+          </a:lnRef>
+          <a:fillRef idx="1">
+            <a:schemeClr val="accent1"/>
+          </a:fillRef>
+          <a:effectRef idx="0">
+            <a:schemeClr val="accent1"/>
+          </a:effectRef>
+          <a:fontRef idx="minor">
+            <a:schemeClr val="lt1"/>
+          </a:fontRef>
+        </p:style>
+        <p:txBody>
+          <a:bodyPr rtlCol="0" anchor="ctr"/>
+          <a:lstStyle/>
+          <a:p>
+            <a:pPr algn="ctr"/>
+            <a:endParaRPr kumimoji="1" lang="ja-JP" altLang="en-US">
+              <a:solidFill>
+                <a:schemeClr val="tx1"/>
+              </a:solidFill>
+            </a:endParaRPr>
+          </a:p>
+        </p:txBody>
+      </p:sp>
+      <p:sp>
+        <p:nvSpPr>
+          <p:cNvPr id="111" name="フローチャート: 照合 110">
+            <a:extLst>
+              <a:ext uri="{FF2B5EF4-FFF2-40B4-BE49-F238E27FC236}">
+                <a16:creationId xmlns:a16="http://schemas.microsoft.com/office/drawing/2014/main" id="{1057B580-C105-6402-1D41-23A13A4E05E1}"/>
+              </a:ext>
+            </a:extLst>
+          </p:cNvPr>
+          <p:cNvSpPr/>
+          <p:nvPr/>
+        </p:nvSpPr>
+        <p:spPr>
+          <a:xfrm rot="-4500000">
+            <a:off x="5719270" y="355881"/>
+            <a:ext cx="714103" cy="6120000"/>
+          </a:xfrm>
+          <a:prstGeom prst="flowChartCollate">
+            <a:avLst/>
+          </a:prstGeom>
+          <a:solidFill>
+            <a:srgbClr val="FFC66E"/>
+          </a:solidFill>
+          <a:ln>
+            <a:noFill/>
+          </a:ln>
+        </p:spPr>
+        <p:style>
+          <a:lnRef idx="2">
+            <a:schemeClr val="accent1">
+              <a:shade val="15000"/>
+            </a:schemeClr>
+          </a:lnRef>
+          <a:fillRef idx="1">
+            <a:schemeClr val="accent1"/>
+          </a:fillRef>
+          <a:effectRef idx="0">
+            <a:schemeClr val="accent1"/>
+          </a:effectRef>
+          <a:fontRef idx="minor">
+            <a:schemeClr val="lt1"/>
+          </a:fontRef>
+        </p:style>
+        <p:txBody>
+          <a:bodyPr rtlCol="0" anchor="ctr"/>
+          <a:lstStyle/>
+          <a:p>
+            <a:pPr algn="ctr"/>
+            <a:endParaRPr kumimoji="1" lang="ja-JP" altLang="en-US">
+              <a:solidFill>
+                <a:schemeClr val="tx1"/>
+              </a:solidFill>
+            </a:endParaRPr>
+          </a:p>
+        </p:txBody>
+      </p:sp>
     </p:spTree>
     <p:extLst>
       <p:ext uri="{BB962C8B-B14F-4D97-AF65-F5344CB8AC3E}">
-        <p14:creationId xmlns:p14="http://schemas.microsoft.com/office/powerpoint/2010/main" val="3164144356"/>
+        <p14:creationId xmlns:p14="http://schemas.microsoft.com/office/powerpoint/2010/main" val="4179820668"/>
       </p:ext>
     </p:extLst>
   </p:cSld>
@@ -6558,12 +6199,84 @@
           <a:chExt cx="0" cy="0"/>
         </a:xfrm>
       </p:grpSpPr>
-      <p:sp>
-        <p:nvSpPr>
-          <p:cNvPr id="2" name="正方形/長方形 1">
-            <a:extLst>
-              <a:ext uri="{FF2B5EF4-FFF2-40B4-BE49-F238E27FC236}">
-                <a16:creationId xmlns:a16="http://schemas.microsoft.com/office/drawing/2014/main" id="{92E2B715-3D46-EE2B-F2A2-6BDCA4C0E274}"/>
+      <p:pic>
+        <p:nvPicPr>
+          <p:cNvPr id="17" name="図 16" descr="シーン, 傘 が含まれている画像&#10;&#10;自動的に生成された説明">
+            <a:extLst>
+              <a:ext uri="{FF2B5EF4-FFF2-40B4-BE49-F238E27FC236}">
+                <a16:creationId xmlns:a16="http://schemas.microsoft.com/office/drawing/2014/main" id="{9C533349-275D-AB4B-373A-1F4470C0EF0C}"/>
+              </a:ext>
+            </a:extLst>
+          </p:cNvPr>
+          <p:cNvPicPr>
+            <a:picLocks noChangeAspect="1"/>
+          </p:cNvPicPr>
+          <p:nvPr/>
+        </p:nvPicPr>
+        <p:blipFill>
+          <a:blip r:embed="rId2">
+            <a:extLst>
+              <a:ext uri="{28A0092B-C50C-407E-A947-70E740481C1C}">
+                <a14:useLocalDpi xmlns:a14="http://schemas.microsoft.com/office/drawing/2010/main" val="0"/>
+              </a:ext>
+            </a:extLst>
+          </a:blip>
+          <a:stretch>
+            <a:fillRect/>
+          </a:stretch>
+        </p:blipFill>
+        <p:spPr>
+          <a:xfrm>
+            <a:off x="3396000" y="715624"/>
+            <a:ext cx="5400000" cy="5400000"/>
+          </a:xfrm>
+          <a:prstGeom prst="rect">
+            <a:avLst/>
+          </a:prstGeom>
+        </p:spPr>
+      </p:pic>
+      <p:pic>
+        <p:nvPicPr>
+          <p:cNvPr id="3" name="図 2" descr="ロゴ&#10;&#10;自動的に生成された説明">
+            <a:extLst>
+              <a:ext uri="{FF2B5EF4-FFF2-40B4-BE49-F238E27FC236}">
+                <a16:creationId xmlns:a16="http://schemas.microsoft.com/office/drawing/2014/main" id="{DA0CD337-EA46-3C4A-8527-45EC712436DD}"/>
+              </a:ext>
+            </a:extLst>
+          </p:cNvPr>
+          <p:cNvPicPr>
+            <a:picLocks noChangeAspect="1"/>
+          </p:cNvPicPr>
+          <p:nvPr/>
+        </p:nvPicPr>
+        <p:blipFill>
+          <a:blip r:embed="rId3">
+            <a:extLst>
+              <a:ext uri="{28A0092B-C50C-407E-A947-70E740481C1C}">
+                <a14:useLocalDpi xmlns:a14="http://schemas.microsoft.com/office/drawing/2010/main" val="0"/>
+              </a:ext>
+            </a:extLst>
+          </a:blip>
+          <a:stretch>
+            <a:fillRect/>
+          </a:stretch>
+        </p:blipFill>
+        <p:spPr>
+          <a:xfrm>
+            <a:off x="3524247" y="904874"/>
+            <a:ext cx="5143503" cy="1543051"/>
+          </a:xfrm>
+          <a:prstGeom prst="rect">
+            <a:avLst/>
+          </a:prstGeom>
+        </p:spPr>
+      </p:pic>
+      <p:sp>
+        <p:nvSpPr>
+          <p:cNvPr id="22" name="楕円 21">
+            <a:extLst>
+              <a:ext uri="{FF2B5EF4-FFF2-40B4-BE49-F238E27FC236}">
+                <a16:creationId xmlns:a16="http://schemas.microsoft.com/office/drawing/2014/main" id="{95D2596C-33BD-97C1-094F-993F624DD4F2}"/>
               </a:ext>
             </a:extLst>
           </p:cNvPr>
@@ -6572,22 +6285,22 @@
         </p:nvSpPr>
         <p:spPr>
           <a:xfrm>
-            <a:off x="3396000" y="729000"/>
-            <a:ext cx="5400000" cy="5400000"/>
-          </a:xfrm>
-          <a:prstGeom prst="rect">
+            <a:off x="4745719" y="2222678"/>
+            <a:ext cx="2700000" cy="2700000"/>
+          </a:xfrm>
+          <a:prstGeom prst="ellipse">
             <a:avLst/>
           </a:prstGeom>
           <a:solidFill>
-            <a:schemeClr val="accent2"/>
+            <a:schemeClr val="bg1"/>
           </a:solidFill>
           <a:ln>
             <a:noFill/>
           </a:ln>
           <a:effectLst>
-            <a:outerShdw blurRad="63500" sx="120000" sy="120000" algn="ctr" rotWithShape="0">
+            <a:outerShdw blurRad="63500" sx="110000" sy="110000" algn="ctr" rotWithShape="0">
               <a:schemeClr val="bg1">
-                <a:alpha val="50000"/>
+                <a:alpha val="80000"/>
               </a:schemeClr>
             </a:outerShdw>
           </a:effectLst>
@@ -6613,69 +6326,16 @@
           <a:lstStyle/>
           <a:p>
             <a:pPr algn="ctr"/>
-            <a:endParaRPr kumimoji="1" lang="ja-JP" altLang="en-US" dirty="0"/>
-          </a:p>
-        </p:txBody>
-      </p:sp>
-      <p:sp>
-        <p:nvSpPr>
-          <p:cNvPr id="3" name="正方形/長方形 2">
-            <a:extLst>
-              <a:ext uri="{FF2B5EF4-FFF2-40B4-BE49-F238E27FC236}">
-                <a16:creationId xmlns:a16="http://schemas.microsoft.com/office/drawing/2014/main" id="{AECEFFA6-49D3-D1CA-E3A8-E1C238CDCF62}"/>
-              </a:ext>
-            </a:extLst>
-          </p:cNvPr>
-          <p:cNvSpPr/>
-          <p:nvPr/>
-        </p:nvSpPr>
-        <p:spPr>
-          <a:xfrm>
-            <a:off x="3936000" y="1269000"/>
-            <a:ext cx="4320000" cy="4320000"/>
-          </a:xfrm>
-          <a:prstGeom prst="rect">
-            <a:avLst/>
-          </a:prstGeom>
-          <a:solidFill>
-            <a:schemeClr val="bg1"/>
-          </a:solidFill>
-          <a:ln>
-            <a:noFill/>
-          </a:ln>
-          <a:effectLst/>
-        </p:spPr>
-        <p:style>
-          <a:lnRef idx="2">
-            <a:schemeClr val="accent1">
-              <a:shade val="15000"/>
-            </a:schemeClr>
-          </a:lnRef>
-          <a:fillRef idx="1">
-            <a:schemeClr val="accent1"/>
-          </a:fillRef>
-          <a:effectRef idx="0">
-            <a:schemeClr val="accent1"/>
-          </a:effectRef>
-          <a:fontRef idx="minor">
-            <a:schemeClr val="lt1"/>
-          </a:fontRef>
-        </p:style>
-        <p:txBody>
-          <a:bodyPr rtlCol="0" anchor="ctr"/>
-          <a:lstStyle/>
-          <a:p>
-            <a:pPr algn="ctr"/>
-            <a:endParaRPr kumimoji="1" lang="ja-JP" altLang="en-US" dirty="0"/>
+            <a:endParaRPr kumimoji="1" lang="ja-JP" altLang="en-US"/>
           </a:p>
         </p:txBody>
       </p:sp>
       <p:pic>
         <p:nvPicPr>
-          <p:cNvPr id="4" name="図 3" descr="アイコン&#10;&#10;自動的に生成された説明">
-            <a:extLst>
-              <a:ext uri="{FF2B5EF4-FFF2-40B4-BE49-F238E27FC236}">
-                <a16:creationId xmlns:a16="http://schemas.microsoft.com/office/drawing/2014/main" id="{C0EF826C-9BF6-C96D-DAF1-6CAB211E8877}"/>
+          <p:cNvPr id="7" name="図 6" descr="アイコン&#10;&#10;自動的に生成された説明">
+            <a:extLst>
+              <a:ext uri="{FF2B5EF4-FFF2-40B4-BE49-F238E27FC236}">
+                <a16:creationId xmlns:a16="http://schemas.microsoft.com/office/drawing/2014/main" id="{27A9A2A0-4FA2-7E48-47F9-0B19D9623BC0}"/>
               </a:ext>
             </a:extLst>
           </p:cNvPr>
@@ -6685,7 +6345,7 @@
           <p:nvPr/>
         </p:nvPicPr>
         <p:blipFill>
-          <a:blip r:embed="rId2">
+          <a:blip r:embed="rId4">
             <a:extLst>
               <a:ext uri="{28A0092B-C50C-407E-A947-70E740481C1C}">
                 <a14:useLocalDpi xmlns:a14="http://schemas.microsoft.com/office/drawing/2010/main" val="0"/>
@@ -6697,9 +6357,401 @@
           </a:stretch>
         </p:blipFill>
         <p:spPr>
-          <a:xfrm>
-            <a:off x="4296000" y="1629000"/>
-            <a:ext cx="3600000" cy="3600000"/>
+          <a:xfrm rot="20600713">
+            <a:off x="7742074" y="2630207"/>
+            <a:ext cx="900000" cy="900000"/>
+          </a:xfrm>
+          <a:prstGeom prst="rect">
+            <a:avLst/>
+          </a:prstGeom>
+        </p:spPr>
+      </p:pic>
+      <p:pic>
+        <p:nvPicPr>
+          <p:cNvPr id="9" name="図 8" descr="アイコン&#10;&#10;自動的に生成された説明">
+            <a:extLst>
+              <a:ext uri="{FF2B5EF4-FFF2-40B4-BE49-F238E27FC236}">
+                <a16:creationId xmlns:a16="http://schemas.microsoft.com/office/drawing/2014/main" id="{981C66B5-A167-9194-0DE6-688818E79018}"/>
+              </a:ext>
+            </a:extLst>
+          </p:cNvPr>
+          <p:cNvPicPr>
+            <a:picLocks noChangeAspect="1"/>
+          </p:cNvPicPr>
+          <p:nvPr/>
+        </p:nvPicPr>
+        <p:blipFill>
+          <a:blip r:embed="rId5">
+            <a:extLst>
+              <a:ext uri="{28A0092B-C50C-407E-A947-70E740481C1C}">
+                <a14:useLocalDpi xmlns:a14="http://schemas.microsoft.com/office/drawing/2010/main" val="0"/>
+              </a:ext>
+            </a:extLst>
+          </a:blip>
+          <a:stretch>
+            <a:fillRect/>
+          </a:stretch>
+        </p:blipFill>
+        <p:spPr>
+          <a:xfrm>
+            <a:off x="3524246" y="4439366"/>
+            <a:ext cx="1260000" cy="1260000"/>
+          </a:xfrm>
+          <a:prstGeom prst="rect">
+            <a:avLst/>
+          </a:prstGeom>
+        </p:spPr>
+      </p:pic>
+      <p:pic>
+        <p:nvPicPr>
+          <p:cNvPr id="11" name="図 10" descr="黒い背景に白い文字がある&#10;&#10;低い精度で自動的に生成された説明">
+            <a:extLst>
+              <a:ext uri="{FF2B5EF4-FFF2-40B4-BE49-F238E27FC236}">
+                <a16:creationId xmlns:a16="http://schemas.microsoft.com/office/drawing/2014/main" id="{37AF86B6-3295-9E00-D291-C39E350EDEA6}"/>
+              </a:ext>
+            </a:extLst>
+          </p:cNvPr>
+          <p:cNvPicPr>
+            <a:picLocks noChangeAspect="1"/>
+          </p:cNvPicPr>
+          <p:nvPr/>
+        </p:nvPicPr>
+        <p:blipFill>
+          <a:blip r:embed="rId6">
+            <a:extLst>
+              <a:ext uri="{28A0092B-C50C-407E-A947-70E740481C1C}">
+                <a14:useLocalDpi xmlns:a14="http://schemas.microsoft.com/office/drawing/2010/main" val="0"/>
+              </a:ext>
+            </a:extLst>
+          </a:blip>
+          <a:stretch>
+            <a:fillRect/>
+          </a:stretch>
+        </p:blipFill>
+        <p:spPr>
+          <a:xfrm rot="1575856">
+            <a:off x="3642710" y="2602581"/>
+            <a:ext cx="720000" cy="720000"/>
+          </a:xfrm>
+          <a:prstGeom prst="rect">
+            <a:avLst/>
+          </a:prstGeom>
+        </p:spPr>
+      </p:pic>
+      <p:pic>
+        <p:nvPicPr>
+          <p:cNvPr id="13" name="図 12" descr="アイコン&#10;&#10;自動的に生成された説明">
+            <a:extLst>
+              <a:ext uri="{FF2B5EF4-FFF2-40B4-BE49-F238E27FC236}">
+                <a16:creationId xmlns:a16="http://schemas.microsoft.com/office/drawing/2014/main" id="{BD239880-2E09-2C37-A64D-DE0780574B26}"/>
+              </a:ext>
+            </a:extLst>
+          </p:cNvPr>
+          <p:cNvPicPr>
+            <a:picLocks noChangeAspect="1"/>
+          </p:cNvPicPr>
+          <p:nvPr/>
+        </p:nvPicPr>
+        <p:blipFill>
+          <a:blip r:embed="rId7">
+            <a:extLst>
+              <a:ext uri="{28A0092B-C50C-407E-A947-70E740481C1C}">
+                <a14:useLocalDpi xmlns:a14="http://schemas.microsoft.com/office/drawing/2010/main" val="0"/>
+              </a:ext>
+            </a:extLst>
+          </a:blip>
+          <a:stretch>
+            <a:fillRect/>
+          </a:stretch>
+        </p:blipFill>
+        <p:spPr>
+          <a:xfrm rot="19339526">
+            <a:off x="7337642" y="4621947"/>
+            <a:ext cx="1080000" cy="1080000"/>
+          </a:xfrm>
+          <a:prstGeom prst="rect">
+            <a:avLst/>
+          </a:prstGeom>
+        </p:spPr>
+      </p:pic>
+      <p:pic>
+        <p:nvPicPr>
+          <p:cNvPr id="30" name="図 29" descr="光 が含まれている画像&#10;&#10;自動的に生成された説明">
+            <a:extLst>
+              <a:ext uri="{FF2B5EF4-FFF2-40B4-BE49-F238E27FC236}">
+                <a16:creationId xmlns:a16="http://schemas.microsoft.com/office/drawing/2014/main" id="{517AFA1D-5859-A176-0C7B-70DE4E98468D}"/>
+              </a:ext>
+            </a:extLst>
+          </p:cNvPr>
+          <p:cNvPicPr>
+            <a:picLocks noChangeAspect="1"/>
+          </p:cNvPicPr>
+          <p:nvPr/>
+        </p:nvPicPr>
+        <p:blipFill rotWithShape="1">
+          <a:blip r:embed="rId8">
+            <a:extLst>
+              <a:ext uri="{28A0092B-C50C-407E-A947-70E740481C1C}">
+                <a14:useLocalDpi xmlns:a14="http://schemas.microsoft.com/office/drawing/2010/main" val="0"/>
+              </a:ext>
+            </a:extLst>
+          </a:blip>
+          <a:srcRect t="36950"/>
+          <a:stretch/>
+        </p:blipFill>
+        <p:spPr>
+          <a:xfrm>
+            <a:off x="3665360" y="715624"/>
+            <a:ext cx="756466" cy="681365"/>
+          </a:xfrm>
+          <a:prstGeom prst="rect">
+            <a:avLst/>
+          </a:prstGeom>
+        </p:spPr>
+      </p:pic>
+      <p:pic>
+        <p:nvPicPr>
+          <p:cNvPr id="31" name="図 30" descr="光 が含まれている画像&#10;&#10;自動的に生成された説明">
+            <a:extLst>
+              <a:ext uri="{FF2B5EF4-FFF2-40B4-BE49-F238E27FC236}">
+                <a16:creationId xmlns:a16="http://schemas.microsoft.com/office/drawing/2014/main" id="{C3201E0D-26F2-30A5-67E8-59E699062A7F}"/>
+              </a:ext>
+            </a:extLst>
+          </p:cNvPr>
+          <p:cNvPicPr>
+            <a:picLocks noChangeAspect="1"/>
+          </p:cNvPicPr>
+          <p:nvPr/>
+        </p:nvPicPr>
+        <p:blipFill rotWithShape="1">
+          <a:blip r:embed="rId8">
+            <a:extLst>
+              <a:ext uri="{28A0092B-C50C-407E-A947-70E740481C1C}">
+                <a14:useLocalDpi xmlns:a14="http://schemas.microsoft.com/office/drawing/2010/main" val="0"/>
+              </a:ext>
+            </a:extLst>
+          </a:blip>
+          <a:srcRect t="19541" b="-1"/>
+          <a:stretch/>
+        </p:blipFill>
+        <p:spPr>
+          <a:xfrm>
+            <a:off x="8025123" y="715624"/>
+            <a:ext cx="756466" cy="869486"/>
+          </a:xfrm>
+          <a:prstGeom prst="rect">
+            <a:avLst/>
+          </a:prstGeom>
+        </p:spPr>
+      </p:pic>
+      <p:pic>
+        <p:nvPicPr>
+          <p:cNvPr id="32" name="図 31" descr="光 が含まれている画像&#10;&#10;自動的に生成された説明">
+            <a:extLst>
+              <a:ext uri="{FF2B5EF4-FFF2-40B4-BE49-F238E27FC236}">
+                <a16:creationId xmlns:a16="http://schemas.microsoft.com/office/drawing/2014/main" id="{97318450-B7C2-1DDD-29FB-0E93C30B1B88}"/>
+              </a:ext>
+            </a:extLst>
+          </p:cNvPr>
+          <p:cNvPicPr>
+            <a:picLocks noChangeAspect="1"/>
+          </p:cNvPicPr>
+          <p:nvPr/>
+        </p:nvPicPr>
+        <p:blipFill>
+          <a:blip r:embed="rId8">
+            <a:extLst>
+              <a:ext uri="{28A0092B-C50C-407E-A947-70E740481C1C}">
+                <a14:useLocalDpi xmlns:a14="http://schemas.microsoft.com/office/drawing/2010/main" val="0"/>
+              </a:ext>
+            </a:extLst>
+          </a:blip>
+          <a:stretch>
+            <a:fillRect/>
+          </a:stretch>
+        </p:blipFill>
+        <p:spPr>
+          <a:xfrm>
+            <a:off x="3416963" y="3870829"/>
+            <a:ext cx="478680" cy="683828"/>
+          </a:xfrm>
+          <a:prstGeom prst="rect">
+            <a:avLst/>
+          </a:prstGeom>
+        </p:spPr>
+      </p:pic>
+      <p:pic>
+        <p:nvPicPr>
+          <p:cNvPr id="33" name="図 32" descr="光 が含まれている画像&#10;&#10;自動的に生成された説明">
+            <a:extLst>
+              <a:ext uri="{FF2B5EF4-FFF2-40B4-BE49-F238E27FC236}">
+                <a16:creationId xmlns:a16="http://schemas.microsoft.com/office/drawing/2014/main" id="{6E08AF0D-783F-288D-56D1-C819C9A12BD8}"/>
+              </a:ext>
+            </a:extLst>
+          </p:cNvPr>
+          <p:cNvPicPr>
+            <a:picLocks noChangeAspect="1"/>
+          </p:cNvPicPr>
+          <p:nvPr/>
+        </p:nvPicPr>
+        <p:blipFill rotWithShape="1">
+          <a:blip r:embed="rId8">
+            <a:extLst>
+              <a:ext uri="{28A0092B-C50C-407E-A947-70E740481C1C}">
+                <a14:useLocalDpi xmlns:a14="http://schemas.microsoft.com/office/drawing/2010/main" val="0"/>
+              </a:ext>
+            </a:extLst>
+          </a:blip>
+          <a:srcRect b="25716"/>
+          <a:stretch/>
+        </p:blipFill>
+        <p:spPr>
+          <a:xfrm>
+            <a:off x="4604435" y="5401215"/>
+            <a:ext cx="673209" cy="714409"/>
+          </a:xfrm>
+          <a:prstGeom prst="rect">
+            <a:avLst/>
+          </a:prstGeom>
+        </p:spPr>
+      </p:pic>
+      <p:pic>
+        <p:nvPicPr>
+          <p:cNvPr id="34" name="図 33" descr="光 が含まれている画像&#10;&#10;自動的に生成された説明">
+            <a:extLst>
+              <a:ext uri="{FF2B5EF4-FFF2-40B4-BE49-F238E27FC236}">
+                <a16:creationId xmlns:a16="http://schemas.microsoft.com/office/drawing/2014/main" id="{C627784C-2721-7C15-104C-1E1997C0C207}"/>
+              </a:ext>
+            </a:extLst>
+          </p:cNvPr>
+          <p:cNvPicPr>
+            <a:picLocks noChangeAspect="1"/>
+          </p:cNvPicPr>
+          <p:nvPr/>
+        </p:nvPicPr>
+        <p:blipFill rotWithShape="1">
+          <a:blip r:embed="rId8">
+            <a:extLst>
+              <a:ext uri="{28A0092B-C50C-407E-A947-70E740481C1C}">
+                <a14:useLocalDpi xmlns:a14="http://schemas.microsoft.com/office/drawing/2010/main" val="0"/>
+              </a:ext>
+            </a:extLst>
+          </a:blip>
+          <a:srcRect b="26468"/>
+          <a:stretch/>
+        </p:blipFill>
+        <p:spPr>
+          <a:xfrm>
+            <a:off x="6947008" y="5629870"/>
+            <a:ext cx="462423" cy="485754"/>
+          </a:xfrm>
+          <a:prstGeom prst="rect">
+            <a:avLst/>
+          </a:prstGeom>
+        </p:spPr>
+      </p:pic>
+      <p:pic>
+        <p:nvPicPr>
+          <p:cNvPr id="35" name="図 34" descr="光 が含まれている画像&#10;&#10;自動的に生成された説明">
+            <a:extLst>
+              <a:ext uri="{FF2B5EF4-FFF2-40B4-BE49-F238E27FC236}">
+                <a16:creationId xmlns:a16="http://schemas.microsoft.com/office/drawing/2014/main" id="{9533D3F0-E380-14DA-14D6-F7CFB629F3C4}"/>
+              </a:ext>
+            </a:extLst>
+          </p:cNvPr>
+          <p:cNvPicPr>
+            <a:picLocks noChangeAspect="1"/>
+          </p:cNvPicPr>
+          <p:nvPr/>
+        </p:nvPicPr>
+        <p:blipFill>
+          <a:blip r:embed="rId8">
+            <a:extLst>
+              <a:ext uri="{28A0092B-C50C-407E-A947-70E740481C1C}">
+                <a14:useLocalDpi xmlns:a14="http://schemas.microsoft.com/office/drawing/2010/main" val="0"/>
+              </a:ext>
+            </a:extLst>
+          </a:blip>
+          <a:stretch>
+            <a:fillRect/>
+          </a:stretch>
+        </p:blipFill>
+        <p:spPr>
+          <a:xfrm>
+            <a:off x="7300518" y="2219310"/>
+            <a:ext cx="342824" cy="489748"/>
+          </a:xfrm>
+          <a:prstGeom prst="rect">
+            <a:avLst/>
+          </a:prstGeom>
+        </p:spPr>
+      </p:pic>
+      <p:pic>
+        <p:nvPicPr>
+          <p:cNvPr id="52" name="図 51" descr="アイコン&#10;&#10;自動的に生成された説明">
+            <a:extLst>
+              <a:ext uri="{FF2B5EF4-FFF2-40B4-BE49-F238E27FC236}">
+                <a16:creationId xmlns:a16="http://schemas.microsoft.com/office/drawing/2014/main" id="{D156C2B5-5CB7-C98A-A2E4-7525C5312290}"/>
+              </a:ext>
+            </a:extLst>
+          </p:cNvPr>
+          <p:cNvPicPr>
+            <a:picLocks noChangeAspect="1"/>
+          </p:cNvPicPr>
+          <p:nvPr/>
+        </p:nvPicPr>
+        <p:blipFill>
+          <a:blip r:embed="rId9">
+            <a:extLst>
+              <a:ext uri="{28A0092B-C50C-407E-A947-70E740481C1C}">
+                <a14:useLocalDpi xmlns:a14="http://schemas.microsoft.com/office/drawing/2010/main" val="0"/>
+              </a:ext>
+            </a:extLst>
+          </a:blip>
+          <a:stretch>
+            <a:fillRect/>
+          </a:stretch>
+        </p:blipFill>
+        <p:spPr>
+          <a:xfrm>
+            <a:off x="4835719" y="2312678"/>
+            <a:ext cx="2520000" cy="2520000"/>
+          </a:xfrm>
+          <a:prstGeom prst="rect">
+            <a:avLst/>
+          </a:prstGeom>
+        </p:spPr>
+      </p:pic>
+      <p:pic>
+        <p:nvPicPr>
+          <p:cNvPr id="54" name="図 53" descr="アイコン&#10;&#10;自動的に生成された説明">
+            <a:extLst>
+              <a:ext uri="{FF2B5EF4-FFF2-40B4-BE49-F238E27FC236}">
+                <a16:creationId xmlns:a16="http://schemas.microsoft.com/office/drawing/2014/main" id="{EF484482-5791-A2CA-4CEB-AFFA19E7C70C}"/>
+              </a:ext>
+            </a:extLst>
+          </p:cNvPr>
+          <p:cNvPicPr>
+            <a:picLocks noChangeAspect="1"/>
+          </p:cNvPicPr>
+          <p:nvPr/>
+        </p:nvPicPr>
+        <p:blipFill>
+          <a:blip r:embed="rId10">
+            <a:extLst>
+              <a:ext uri="{28A0092B-C50C-407E-A947-70E740481C1C}">
+                <a14:useLocalDpi xmlns:a14="http://schemas.microsoft.com/office/drawing/2010/main" val="0"/>
+              </a:ext>
+            </a:extLst>
+          </a:blip>
+          <a:stretch>
+            <a:fillRect/>
+          </a:stretch>
+        </p:blipFill>
+        <p:spPr>
+          <a:xfrm>
+            <a:off x="5825719" y="5249151"/>
+            <a:ext cx="540000" cy="540000"/>
           </a:xfrm>
           <a:prstGeom prst="rect">
             <a:avLst/>
@@ -6709,7 +6761,7 @@
     </p:spTree>
     <p:extLst>
       <p:ext uri="{BB962C8B-B14F-4D97-AF65-F5344CB8AC3E}">
-        <p14:creationId xmlns:p14="http://schemas.microsoft.com/office/powerpoint/2010/main" val="1161493249"/>
+        <p14:creationId xmlns:p14="http://schemas.microsoft.com/office/powerpoint/2010/main" val="3164144356"/>
       </p:ext>
     </p:extLst>
   </p:cSld>
@@ -6736,72 +6788,36 @@
           <a:chExt cx="0" cy="0"/>
         </a:xfrm>
       </p:grpSpPr>
-      <p:pic>
-        <p:nvPicPr>
-          <p:cNvPr id="17" name="図 16" descr="シーン, 傘 が含まれている画像&#10;&#10;自動的に生成された説明">
-            <a:extLst>
-              <a:ext uri="{FF2B5EF4-FFF2-40B4-BE49-F238E27FC236}">
-                <a16:creationId xmlns:a16="http://schemas.microsoft.com/office/drawing/2014/main" id="{9C533349-275D-AB4B-373A-1F4470C0EF0C}"/>
-              </a:ext>
-            </a:extLst>
-          </p:cNvPr>
-          <p:cNvPicPr>
-            <a:picLocks noChangeAspect="1"/>
-          </p:cNvPicPr>
-          <p:nvPr/>
-        </p:nvPicPr>
-        <p:blipFill>
-          <a:blip r:embed="rId2">
-            <a:extLst>
-              <a:ext uri="{28A0092B-C50C-407E-A947-70E740481C1C}">
-                <a14:useLocalDpi xmlns:a14="http://schemas.microsoft.com/office/drawing/2010/main" val="0"/>
-              </a:ext>
-            </a:extLst>
-          </a:blip>
-          <a:stretch>
-            <a:fillRect/>
-          </a:stretch>
-        </p:blipFill>
-        <p:spPr>
-          <a:xfrm>
-            <a:off x="3396000" y="715624"/>
+      <p:sp>
+        <p:nvSpPr>
+          <p:cNvPr id="2" name="正方形/長方形 1">
+            <a:extLst>
+              <a:ext uri="{FF2B5EF4-FFF2-40B4-BE49-F238E27FC236}">
+                <a16:creationId xmlns:a16="http://schemas.microsoft.com/office/drawing/2014/main" id="{92E2B715-3D46-EE2B-F2A2-6BDCA4C0E274}"/>
+              </a:ext>
+            </a:extLst>
+          </p:cNvPr>
+          <p:cNvSpPr/>
+          <p:nvPr/>
+        </p:nvSpPr>
+        <p:spPr>
+          <a:xfrm>
+            <a:off x="3396000" y="729000"/>
             <a:ext cx="5400000" cy="5400000"/>
           </a:xfrm>
           <a:prstGeom prst="rect">
             <a:avLst/>
           </a:prstGeom>
-        </p:spPr>
-      </p:pic>
-      <p:sp>
-        <p:nvSpPr>
-          <p:cNvPr id="22" name="楕円 21">
-            <a:extLst>
-              <a:ext uri="{FF2B5EF4-FFF2-40B4-BE49-F238E27FC236}">
-                <a16:creationId xmlns:a16="http://schemas.microsoft.com/office/drawing/2014/main" id="{95D2596C-33BD-97C1-094F-993F624DD4F2}"/>
-              </a:ext>
-            </a:extLst>
-          </p:cNvPr>
-          <p:cNvSpPr/>
-          <p:nvPr/>
-        </p:nvSpPr>
-        <p:spPr>
-          <a:xfrm>
-            <a:off x="4116000" y="1432656"/>
-            <a:ext cx="3960000" cy="3960000"/>
-          </a:xfrm>
-          <a:prstGeom prst="ellipse">
-            <a:avLst/>
-          </a:prstGeom>
           <a:solidFill>
-            <a:schemeClr val="bg1"/>
+            <a:schemeClr val="accent2"/>
           </a:solidFill>
           <a:ln>
             <a:noFill/>
           </a:ln>
           <a:effectLst>
-            <a:outerShdw blurRad="63500" sx="110000" sy="110000" algn="ctr" rotWithShape="0">
+            <a:outerShdw blurRad="63500" sx="120000" sy="120000" algn="ctr" rotWithShape="0">
               <a:schemeClr val="bg1">
-                <a:alpha val="80000"/>
+                <a:alpha val="50000"/>
               </a:schemeClr>
             </a:outerShdw>
           </a:effectLst>
@@ -6827,16 +6843,69 @@
           <a:lstStyle/>
           <a:p>
             <a:pPr algn="ctr"/>
-            <a:endParaRPr kumimoji="1" lang="ja-JP" altLang="en-US"/>
+            <a:endParaRPr kumimoji="1" lang="ja-JP" altLang="en-US" dirty="0"/>
+          </a:p>
+        </p:txBody>
+      </p:sp>
+      <p:sp>
+        <p:nvSpPr>
+          <p:cNvPr id="3" name="正方形/長方形 2">
+            <a:extLst>
+              <a:ext uri="{FF2B5EF4-FFF2-40B4-BE49-F238E27FC236}">
+                <a16:creationId xmlns:a16="http://schemas.microsoft.com/office/drawing/2014/main" id="{AECEFFA6-49D3-D1CA-E3A8-E1C238CDCF62}"/>
+              </a:ext>
+            </a:extLst>
+          </p:cNvPr>
+          <p:cNvSpPr/>
+          <p:nvPr/>
+        </p:nvSpPr>
+        <p:spPr>
+          <a:xfrm>
+            <a:off x="3936000" y="1269000"/>
+            <a:ext cx="4320000" cy="4320000"/>
+          </a:xfrm>
+          <a:prstGeom prst="rect">
+            <a:avLst/>
+          </a:prstGeom>
+          <a:solidFill>
+            <a:schemeClr val="bg1"/>
+          </a:solidFill>
+          <a:ln>
+            <a:noFill/>
+          </a:ln>
+          <a:effectLst/>
+        </p:spPr>
+        <p:style>
+          <a:lnRef idx="2">
+            <a:schemeClr val="accent1">
+              <a:shade val="15000"/>
+            </a:schemeClr>
+          </a:lnRef>
+          <a:fillRef idx="1">
+            <a:schemeClr val="accent1"/>
+          </a:fillRef>
+          <a:effectRef idx="0">
+            <a:schemeClr val="accent1"/>
+          </a:effectRef>
+          <a:fontRef idx="minor">
+            <a:schemeClr val="lt1"/>
+          </a:fontRef>
+        </p:style>
+        <p:txBody>
+          <a:bodyPr rtlCol="0" anchor="ctr"/>
+          <a:lstStyle/>
+          <a:p>
+            <a:pPr algn="ctr"/>
+            <a:endParaRPr kumimoji="1" lang="ja-JP" altLang="en-US" dirty="0"/>
           </a:p>
         </p:txBody>
       </p:sp>
       <p:pic>
         <p:nvPicPr>
-          <p:cNvPr id="30" name="図 29" descr="光 が含まれている画像&#10;&#10;自動的に生成された説明">
-            <a:extLst>
-              <a:ext uri="{FF2B5EF4-FFF2-40B4-BE49-F238E27FC236}">
-                <a16:creationId xmlns:a16="http://schemas.microsoft.com/office/drawing/2014/main" id="{517AFA1D-5859-A176-0C7B-70DE4E98468D}"/>
+          <p:cNvPr id="4" name="図 3" descr="アイコン&#10;&#10;自動的に生成された説明">
+            <a:extLst>
+              <a:ext uri="{FF2B5EF4-FFF2-40B4-BE49-F238E27FC236}">
+                <a16:creationId xmlns:a16="http://schemas.microsoft.com/office/drawing/2014/main" id="{C0EF826C-9BF6-C96D-DAF1-6CAB211E8877}"/>
               </a:ext>
             </a:extLst>
           </p:cNvPr>
@@ -6845,78 +6914,8 @@
           </p:cNvPicPr>
           <p:nvPr/>
         </p:nvPicPr>
-        <p:blipFill rotWithShape="1">
-          <a:blip r:embed="rId3">
-            <a:extLst>
-              <a:ext uri="{28A0092B-C50C-407E-A947-70E740481C1C}">
-                <a14:useLocalDpi xmlns:a14="http://schemas.microsoft.com/office/drawing/2010/main" val="0"/>
-              </a:ext>
-            </a:extLst>
-          </a:blip>
-          <a:srcRect t="36950"/>
-          <a:stretch/>
-        </p:blipFill>
-        <p:spPr>
-          <a:xfrm>
-            <a:off x="3665360" y="715624"/>
-            <a:ext cx="756466" cy="681365"/>
-          </a:xfrm>
-          <a:prstGeom prst="rect">
-            <a:avLst/>
-          </a:prstGeom>
-        </p:spPr>
-      </p:pic>
-      <p:pic>
-        <p:nvPicPr>
-          <p:cNvPr id="31" name="図 30" descr="光 が含まれている画像&#10;&#10;自動的に生成された説明">
-            <a:extLst>
-              <a:ext uri="{FF2B5EF4-FFF2-40B4-BE49-F238E27FC236}">
-                <a16:creationId xmlns:a16="http://schemas.microsoft.com/office/drawing/2014/main" id="{C3201E0D-26F2-30A5-67E8-59E699062A7F}"/>
-              </a:ext>
-            </a:extLst>
-          </p:cNvPr>
-          <p:cNvPicPr>
-            <a:picLocks noChangeAspect="1"/>
-          </p:cNvPicPr>
-          <p:nvPr/>
-        </p:nvPicPr>
-        <p:blipFill rotWithShape="1">
-          <a:blip r:embed="rId3">
-            <a:extLst>
-              <a:ext uri="{28A0092B-C50C-407E-A947-70E740481C1C}">
-                <a14:useLocalDpi xmlns:a14="http://schemas.microsoft.com/office/drawing/2010/main" val="0"/>
-              </a:ext>
-            </a:extLst>
-          </a:blip>
-          <a:srcRect t="19541" b="-1"/>
-          <a:stretch/>
-        </p:blipFill>
-        <p:spPr>
-          <a:xfrm>
-            <a:off x="8025123" y="715624"/>
-            <a:ext cx="756466" cy="869486"/>
-          </a:xfrm>
-          <a:prstGeom prst="rect">
-            <a:avLst/>
-          </a:prstGeom>
-        </p:spPr>
-      </p:pic>
-      <p:pic>
-        <p:nvPicPr>
-          <p:cNvPr id="32" name="図 31" descr="光 が含まれている画像&#10;&#10;自動的に生成された説明">
-            <a:extLst>
-              <a:ext uri="{FF2B5EF4-FFF2-40B4-BE49-F238E27FC236}">
-                <a16:creationId xmlns:a16="http://schemas.microsoft.com/office/drawing/2014/main" id="{97318450-B7C2-1DDD-29FB-0E93C30B1B88}"/>
-              </a:ext>
-            </a:extLst>
-          </p:cNvPr>
-          <p:cNvPicPr>
-            <a:picLocks noChangeAspect="1"/>
-          </p:cNvPicPr>
-          <p:nvPr/>
-        </p:nvPicPr>
         <p:blipFill>
-          <a:blip r:embed="rId3">
+          <a:blip r:embed="rId2">
             <a:extLst>
               <a:ext uri="{28A0092B-C50C-407E-A947-70E740481C1C}">
                 <a14:useLocalDpi xmlns:a14="http://schemas.microsoft.com/office/drawing/2010/main" val="0"/>
@@ -6929,114 +6928,8 @@
         </p:blipFill>
         <p:spPr>
           <a:xfrm>
-            <a:off x="3416963" y="3870829"/>
-            <a:ext cx="478680" cy="683828"/>
-          </a:xfrm>
-          <a:prstGeom prst="rect">
-            <a:avLst/>
-          </a:prstGeom>
-        </p:spPr>
-      </p:pic>
-      <p:pic>
-        <p:nvPicPr>
-          <p:cNvPr id="33" name="図 32" descr="光 が含まれている画像&#10;&#10;自動的に生成された説明">
-            <a:extLst>
-              <a:ext uri="{FF2B5EF4-FFF2-40B4-BE49-F238E27FC236}">
-                <a16:creationId xmlns:a16="http://schemas.microsoft.com/office/drawing/2014/main" id="{6E08AF0D-783F-288D-56D1-C819C9A12BD8}"/>
-              </a:ext>
-            </a:extLst>
-          </p:cNvPr>
-          <p:cNvPicPr>
-            <a:picLocks noChangeAspect="1"/>
-          </p:cNvPicPr>
-          <p:nvPr/>
-        </p:nvPicPr>
-        <p:blipFill rotWithShape="1">
-          <a:blip r:embed="rId3">
-            <a:extLst>
-              <a:ext uri="{28A0092B-C50C-407E-A947-70E740481C1C}">
-                <a14:useLocalDpi xmlns:a14="http://schemas.microsoft.com/office/drawing/2010/main" val="0"/>
-              </a:ext>
-            </a:extLst>
-          </a:blip>
-          <a:srcRect b="25716"/>
-          <a:stretch/>
-        </p:blipFill>
-        <p:spPr>
-          <a:xfrm>
-            <a:off x="4604435" y="5401215"/>
-            <a:ext cx="673209" cy="714409"/>
-          </a:xfrm>
-          <a:prstGeom prst="rect">
-            <a:avLst/>
-          </a:prstGeom>
-        </p:spPr>
-      </p:pic>
-      <p:pic>
-        <p:nvPicPr>
-          <p:cNvPr id="34" name="図 33" descr="光 が含まれている画像&#10;&#10;自動的に生成された説明">
-            <a:extLst>
-              <a:ext uri="{FF2B5EF4-FFF2-40B4-BE49-F238E27FC236}">
-                <a16:creationId xmlns:a16="http://schemas.microsoft.com/office/drawing/2014/main" id="{C627784C-2721-7C15-104C-1E1997C0C207}"/>
-              </a:ext>
-            </a:extLst>
-          </p:cNvPr>
-          <p:cNvPicPr>
-            <a:picLocks noChangeAspect="1"/>
-          </p:cNvPicPr>
-          <p:nvPr/>
-        </p:nvPicPr>
-        <p:blipFill rotWithShape="1">
-          <a:blip r:embed="rId3">
-            <a:extLst>
-              <a:ext uri="{28A0092B-C50C-407E-A947-70E740481C1C}">
-                <a14:useLocalDpi xmlns:a14="http://schemas.microsoft.com/office/drawing/2010/main" val="0"/>
-              </a:ext>
-            </a:extLst>
-          </a:blip>
-          <a:srcRect b="26468"/>
-          <a:stretch/>
-        </p:blipFill>
-        <p:spPr>
-          <a:xfrm>
-            <a:off x="6947008" y="5629870"/>
-            <a:ext cx="462423" cy="485754"/>
-          </a:xfrm>
-          <a:prstGeom prst="rect">
-            <a:avLst/>
-          </a:prstGeom>
-        </p:spPr>
-      </p:pic>
-      <p:pic>
-        <p:nvPicPr>
-          <p:cNvPr id="52" name="図 51" descr="アイコン&#10;&#10;自動的に生成された説明">
-            <a:extLst>
-              <a:ext uri="{FF2B5EF4-FFF2-40B4-BE49-F238E27FC236}">
-                <a16:creationId xmlns:a16="http://schemas.microsoft.com/office/drawing/2014/main" id="{D156C2B5-5CB7-C98A-A2E4-7525C5312290}"/>
-              </a:ext>
-            </a:extLst>
-          </p:cNvPr>
-          <p:cNvPicPr>
-            <a:picLocks noChangeAspect="1"/>
-          </p:cNvPicPr>
-          <p:nvPr/>
-        </p:nvPicPr>
-        <p:blipFill>
-          <a:blip r:embed="rId4">
-            <a:extLst>
-              <a:ext uri="{28A0092B-C50C-407E-A947-70E740481C1C}">
-                <a14:useLocalDpi xmlns:a14="http://schemas.microsoft.com/office/drawing/2010/main" val="0"/>
-              </a:ext>
-            </a:extLst>
-          </a:blip>
-          <a:stretch>
-            <a:fillRect/>
-          </a:stretch>
-        </p:blipFill>
-        <p:spPr>
-          <a:xfrm>
-            <a:off x="4206000" y="1539000"/>
-            <a:ext cx="3780000" cy="3780000"/>
+            <a:off x="4296000" y="1629000"/>
+            <a:ext cx="3600000" cy="3600000"/>
           </a:xfrm>
           <a:prstGeom prst="rect">
             <a:avLst/>
@@ -7046,7 +6939,7 @@
     </p:spTree>
     <p:extLst>
       <p:ext uri="{BB962C8B-B14F-4D97-AF65-F5344CB8AC3E}">
-        <p14:creationId xmlns:p14="http://schemas.microsoft.com/office/powerpoint/2010/main" val="122234598"/>
+        <p14:creationId xmlns:p14="http://schemas.microsoft.com/office/powerpoint/2010/main" val="1161493249"/>
       </p:ext>
     </p:extLst>
   </p:cSld>
@@ -7075,10 +6968,10 @@
       </p:grpSpPr>
       <p:pic>
         <p:nvPicPr>
-          <p:cNvPr id="4" name="図 3" descr="アイコン&#10;&#10;自動的に生成された説明">
-            <a:extLst>
-              <a:ext uri="{FF2B5EF4-FFF2-40B4-BE49-F238E27FC236}">
-                <a16:creationId xmlns:a16="http://schemas.microsoft.com/office/drawing/2014/main" id="{41C5D21F-3B23-5878-44B8-C8F0845F0E4D}"/>
+          <p:cNvPr id="17" name="図 16" descr="シーン, 傘 が含まれている画像&#10;&#10;自動的に生成された説明">
+            <a:extLst>
+              <a:ext uri="{FF2B5EF4-FFF2-40B4-BE49-F238E27FC236}">
+                <a16:creationId xmlns:a16="http://schemas.microsoft.com/office/drawing/2014/main" id="{9C533349-275D-AB4B-373A-1F4470C0EF0C}"/>
               </a:ext>
             </a:extLst>
           </p:cNvPr>
@@ -7101,8 +6994,279 @@
         </p:blipFill>
         <p:spPr>
           <a:xfrm>
-            <a:off x="4296000" y="1629000"/>
-            <a:ext cx="3600000" cy="3600000"/>
+            <a:off x="3396000" y="715624"/>
+            <a:ext cx="5400000" cy="5400000"/>
+          </a:xfrm>
+          <a:prstGeom prst="rect">
+            <a:avLst/>
+          </a:prstGeom>
+        </p:spPr>
+      </p:pic>
+      <p:sp>
+        <p:nvSpPr>
+          <p:cNvPr id="22" name="楕円 21">
+            <a:extLst>
+              <a:ext uri="{FF2B5EF4-FFF2-40B4-BE49-F238E27FC236}">
+                <a16:creationId xmlns:a16="http://schemas.microsoft.com/office/drawing/2014/main" id="{95D2596C-33BD-97C1-094F-993F624DD4F2}"/>
+              </a:ext>
+            </a:extLst>
+          </p:cNvPr>
+          <p:cNvSpPr/>
+          <p:nvPr/>
+        </p:nvSpPr>
+        <p:spPr>
+          <a:xfrm>
+            <a:off x="4116000" y="1432656"/>
+            <a:ext cx="3960000" cy="3960000"/>
+          </a:xfrm>
+          <a:prstGeom prst="ellipse">
+            <a:avLst/>
+          </a:prstGeom>
+          <a:solidFill>
+            <a:schemeClr val="bg1"/>
+          </a:solidFill>
+          <a:ln>
+            <a:noFill/>
+          </a:ln>
+          <a:effectLst>
+            <a:outerShdw blurRad="63500" sx="110000" sy="110000" algn="ctr" rotWithShape="0">
+              <a:schemeClr val="bg1">
+                <a:alpha val="80000"/>
+              </a:schemeClr>
+            </a:outerShdw>
+          </a:effectLst>
+        </p:spPr>
+        <p:style>
+          <a:lnRef idx="2">
+            <a:schemeClr val="accent1">
+              <a:shade val="15000"/>
+            </a:schemeClr>
+          </a:lnRef>
+          <a:fillRef idx="1">
+            <a:schemeClr val="accent1"/>
+          </a:fillRef>
+          <a:effectRef idx="0">
+            <a:schemeClr val="accent1"/>
+          </a:effectRef>
+          <a:fontRef idx="minor">
+            <a:schemeClr val="lt1"/>
+          </a:fontRef>
+        </p:style>
+        <p:txBody>
+          <a:bodyPr rtlCol="0" anchor="ctr"/>
+          <a:lstStyle/>
+          <a:p>
+            <a:pPr algn="ctr"/>
+            <a:endParaRPr kumimoji="1" lang="ja-JP" altLang="en-US"/>
+          </a:p>
+        </p:txBody>
+      </p:sp>
+      <p:pic>
+        <p:nvPicPr>
+          <p:cNvPr id="30" name="図 29" descr="光 が含まれている画像&#10;&#10;自動的に生成された説明">
+            <a:extLst>
+              <a:ext uri="{FF2B5EF4-FFF2-40B4-BE49-F238E27FC236}">
+                <a16:creationId xmlns:a16="http://schemas.microsoft.com/office/drawing/2014/main" id="{517AFA1D-5859-A176-0C7B-70DE4E98468D}"/>
+              </a:ext>
+            </a:extLst>
+          </p:cNvPr>
+          <p:cNvPicPr>
+            <a:picLocks noChangeAspect="1"/>
+          </p:cNvPicPr>
+          <p:nvPr/>
+        </p:nvPicPr>
+        <p:blipFill rotWithShape="1">
+          <a:blip r:embed="rId3">
+            <a:extLst>
+              <a:ext uri="{28A0092B-C50C-407E-A947-70E740481C1C}">
+                <a14:useLocalDpi xmlns:a14="http://schemas.microsoft.com/office/drawing/2010/main" val="0"/>
+              </a:ext>
+            </a:extLst>
+          </a:blip>
+          <a:srcRect t="36950"/>
+          <a:stretch/>
+        </p:blipFill>
+        <p:spPr>
+          <a:xfrm>
+            <a:off x="3665360" y="715624"/>
+            <a:ext cx="756466" cy="681365"/>
+          </a:xfrm>
+          <a:prstGeom prst="rect">
+            <a:avLst/>
+          </a:prstGeom>
+        </p:spPr>
+      </p:pic>
+      <p:pic>
+        <p:nvPicPr>
+          <p:cNvPr id="31" name="図 30" descr="光 が含まれている画像&#10;&#10;自動的に生成された説明">
+            <a:extLst>
+              <a:ext uri="{FF2B5EF4-FFF2-40B4-BE49-F238E27FC236}">
+                <a16:creationId xmlns:a16="http://schemas.microsoft.com/office/drawing/2014/main" id="{C3201E0D-26F2-30A5-67E8-59E699062A7F}"/>
+              </a:ext>
+            </a:extLst>
+          </p:cNvPr>
+          <p:cNvPicPr>
+            <a:picLocks noChangeAspect="1"/>
+          </p:cNvPicPr>
+          <p:nvPr/>
+        </p:nvPicPr>
+        <p:blipFill rotWithShape="1">
+          <a:blip r:embed="rId3">
+            <a:extLst>
+              <a:ext uri="{28A0092B-C50C-407E-A947-70E740481C1C}">
+                <a14:useLocalDpi xmlns:a14="http://schemas.microsoft.com/office/drawing/2010/main" val="0"/>
+              </a:ext>
+            </a:extLst>
+          </a:blip>
+          <a:srcRect t="19541" b="-1"/>
+          <a:stretch/>
+        </p:blipFill>
+        <p:spPr>
+          <a:xfrm>
+            <a:off x="8025123" y="715624"/>
+            <a:ext cx="756466" cy="869486"/>
+          </a:xfrm>
+          <a:prstGeom prst="rect">
+            <a:avLst/>
+          </a:prstGeom>
+        </p:spPr>
+      </p:pic>
+      <p:pic>
+        <p:nvPicPr>
+          <p:cNvPr id="32" name="図 31" descr="光 が含まれている画像&#10;&#10;自動的に生成された説明">
+            <a:extLst>
+              <a:ext uri="{FF2B5EF4-FFF2-40B4-BE49-F238E27FC236}">
+                <a16:creationId xmlns:a16="http://schemas.microsoft.com/office/drawing/2014/main" id="{97318450-B7C2-1DDD-29FB-0E93C30B1B88}"/>
+              </a:ext>
+            </a:extLst>
+          </p:cNvPr>
+          <p:cNvPicPr>
+            <a:picLocks noChangeAspect="1"/>
+          </p:cNvPicPr>
+          <p:nvPr/>
+        </p:nvPicPr>
+        <p:blipFill>
+          <a:blip r:embed="rId3">
+            <a:extLst>
+              <a:ext uri="{28A0092B-C50C-407E-A947-70E740481C1C}">
+                <a14:useLocalDpi xmlns:a14="http://schemas.microsoft.com/office/drawing/2010/main" val="0"/>
+              </a:ext>
+            </a:extLst>
+          </a:blip>
+          <a:stretch>
+            <a:fillRect/>
+          </a:stretch>
+        </p:blipFill>
+        <p:spPr>
+          <a:xfrm>
+            <a:off x="3416963" y="3870829"/>
+            <a:ext cx="478680" cy="683828"/>
+          </a:xfrm>
+          <a:prstGeom prst="rect">
+            <a:avLst/>
+          </a:prstGeom>
+        </p:spPr>
+      </p:pic>
+      <p:pic>
+        <p:nvPicPr>
+          <p:cNvPr id="33" name="図 32" descr="光 が含まれている画像&#10;&#10;自動的に生成された説明">
+            <a:extLst>
+              <a:ext uri="{FF2B5EF4-FFF2-40B4-BE49-F238E27FC236}">
+                <a16:creationId xmlns:a16="http://schemas.microsoft.com/office/drawing/2014/main" id="{6E08AF0D-783F-288D-56D1-C819C9A12BD8}"/>
+              </a:ext>
+            </a:extLst>
+          </p:cNvPr>
+          <p:cNvPicPr>
+            <a:picLocks noChangeAspect="1"/>
+          </p:cNvPicPr>
+          <p:nvPr/>
+        </p:nvPicPr>
+        <p:blipFill rotWithShape="1">
+          <a:blip r:embed="rId3">
+            <a:extLst>
+              <a:ext uri="{28A0092B-C50C-407E-A947-70E740481C1C}">
+                <a14:useLocalDpi xmlns:a14="http://schemas.microsoft.com/office/drawing/2010/main" val="0"/>
+              </a:ext>
+            </a:extLst>
+          </a:blip>
+          <a:srcRect b="25716"/>
+          <a:stretch/>
+        </p:blipFill>
+        <p:spPr>
+          <a:xfrm>
+            <a:off x="4604435" y="5401215"/>
+            <a:ext cx="673209" cy="714409"/>
+          </a:xfrm>
+          <a:prstGeom prst="rect">
+            <a:avLst/>
+          </a:prstGeom>
+        </p:spPr>
+      </p:pic>
+      <p:pic>
+        <p:nvPicPr>
+          <p:cNvPr id="34" name="図 33" descr="光 が含まれている画像&#10;&#10;自動的に生成された説明">
+            <a:extLst>
+              <a:ext uri="{FF2B5EF4-FFF2-40B4-BE49-F238E27FC236}">
+                <a16:creationId xmlns:a16="http://schemas.microsoft.com/office/drawing/2014/main" id="{C627784C-2721-7C15-104C-1E1997C0C207}"/>
+              </a:ext>
+            </a:extLst>
+          </p:cNvPr>
+          <p:cNvPicPr>
+            <a:picLocks noChangeAspect="1"/>
+          </p:cNvPicPr>
+          <p:nvPr/>
+        </p:nvPicPr>
+        <p:blipFill rotWithShape="1">
+          <a:blip r:embed="rId3">
+            <a:extLst>
+              <a:ext uri="{28A0092B-C50C-407E-A947-70E740481C1C}">
+                <a14:useLocalDpi xmlns:a14="http://schemas.microsoft.com/office/drawing/2010/main" val="0"/>
+              </a:ext>
+            </a:extLst>
+          </a:blip>
+          <a:srcRect b="26468"/>
+          <a:stretch/>
+        </p:blipFill>
+        <p:spPr>
+          <a:xfrm>
+            <a:off x="6947008" y="5629870"/>
+            <a:ext cx="462423" cy="485754"/>
+          </a:xfrm>
+          <a:prstGeom prst="rect">
+            <a:avLst/>
+          </a:prstGeom>
+        </p:spPr>
+      </p:pic>
+      <p:pic>
+        <p:nvPicPr>
+          <p:cNvPr id="52" name="図 51" descr="アイコン&#10;&#10;自動的に生成された説明">
+            <a:extLst>
+              <a:ext uri="{FF2B5EF4-FFF2-40B4-BE49-F238E27FC236}">
+                <a16:creationId xmlns:a16="http://schemas.microsoft.com/office/drawing/2014/main" id="{D156C2B5-5CB7-C98A-A2E4-7525C5312290}"/>
+              </a:ext>
+            </a:extLst>
+          </p:cNvPr>
+          <p:cNvPicPr>
+            <a:picLocks noChangeAspect="1"/>
+          </p:cNvPicPr>
+          <p:nvPr/>
+        </p:nvPicPr>
+        <p:blipFill>
+          <a:blip r:embed="rId4">
+            <a:extLst>
+              <a:ext uri="{28A0092B-C50C-407E-A947-70E740481C1C}">
+                <a14:useLocalDpi xmlns:a14="http://schemas.microsoft.com/office/drawing/2010/main" val="0"/>
+              </a:ext>
+            </a:extLst>
+          </a:blip>
+          <a:stretch>
+            <a:fillRect/>
+          </a:stretch>
+        </p:blipFill>
+        <p:spPr>
+          <a:xfrm>
+            <a:off x="4206000" y="1539000"/>
+            <a:ext cx="3780000" cy="3780000"/>
           </a:xfrm>
           <a:prstGeom prst="rect">
             <a:avLst/>
@@ -7112,7 +7276,7 @@
     </p:spTree>
     <p:extLst>
       <p:ext uri="{BB962C8B-B14F-4D97-AF65-F5344CB8AC3E}">
-        <p14:creationId xmlns:p14="http://schemas.microsoft.com/office/powerpoint/2010/main" val="583962365"/>
+        <p14:creationId xmlns:p14="http://schemas.microsoft.com/office/powerpoint/2010/main" val="122234598"/>
       </p:ext>
     </p:extLst>
   </p:cSld>
@@ -7141,10 +7305,10 @@
       </p:grpSpPr>
       <p:pic>
         <p:nvPicPr>
-          <p:cNvPr id="5" name="図 4" descr="アイコン&#10;&#10;自動的に生成された説明">
-            <a:extLst>
-              <a:ext uri="{FF2B5EF4-FFF2-40B4-BE49-F238E27FC236}">
-                <a16:creationId xmlns:a16="http://schemas.microsoft.com/office/drawing/2014/main" id="{D6677401-E24C-722D-D943-CC26434EE77C}"/>
+          <p:cNvPr id="4" name="図 3" descr="アイコン&#10;&#10;自動的に生成された説明">
+            <a:extLst>
+              <a:ext uri="{FF2B5EF4-FFF2-40B4-BE49-F238E27FC236}">
+                <a16:creationId xmlns:a16="http://schemas.microsoft.com/office/drawing/2014/main" id="{41C5D21F-3B23-5878-44B8-C8F0845F0E4D}"/>
               </a:ext>
             </a:extLst>
           </p:cNvPr>
@@ -7167,73 +7331,18 @@
         </p:blipFill>
         <p:spPr>
           <a:xfrm>
-            <a:off x="3715047" y="1048047"/>
-            <a:ext cx="4761905" cy="4761905"/>
+            <a:off x="4296000" y="1629000"/>
+            <a:ext cx="3600000" cy="3600000"/>
           </a:xfrm>
           <a:prstGeom prst="rect">
             <a:avLst/>
           </a:prstGeom>
         </p:spPr>
       </p:pic>
-      <p:sp>
-        <p:nvSpPr>
-          <p:cNvPr id="4" name="十字形 3">
-            <a:extLst>
-              <a:ext uri="{FF2B5EF4-FFF2-40B4-BE49-F238E27FC236}">
-                <a16:creationId xmlns:a16="http://schemas.microsoft.com/office/drawing/2014/main" id="{FB101097-82E8-7A30-933C-90EDFC0D9423}"/>
-              </a:ext>
-            </a:extLst>
-          </p:cNvPr>
-          <p:cNvSpPr/>
-          <p:nvPr/>
-        </p:nvSpPr>
-        <p:spPr>
-          <a:xfrm rot="2700000">
-            <a:off x="6413371" y="2528999"/>
-            <a:ext cx="1800000" cy="1800000"/>
-          </a:xfrm>
-          <a:prstGeom prst="plus">
-            <a:avLst>
-              <a:gd name="adj" fmla="val 43743"/>
-            </a:avLst>
-          </a:prstGeom>
-          <a:solidFill>
-            <a:srgbClr val="FF0000"/>
-          </a:solidFill>
-          <a:ln>
-            <a:noFill/>
-          </a:ln>
-          <a:effectLst/>
-        </p:spPr>
-        <p:style>
-          <a:lnRef idx="2">
-            <a:schemeClr val="accent1">
-              <a:shade val="15000"/>
-            </a:schemeClr>
-          </a:lnRef>
-          <a:fillRef idx="1">
-            <a:schemeClr val="accent1"/>
-          </a:fillRef>
-          <a:effectRef idx="0">
-            <a:schemeClr val="accent1"/>
-          </a:effectRef>
-          <a:fontRef idx="minor">
-            <a:schemeClr val="lt1"/>
-          </a:fontRef>
-        </p:style>
-        <p:txBody>
-          <a:bodyPr rtlCol="0" anchor="ctr"/>
-          <a:lstStyle/>
-          <a:p>
-            <a:pPr algn="ctr"/>
-            <a:endParaRPr kumimoji="1" lang="ja-JP" altLang="en-US" dirty="0"/>
-          </a:p>
-        </p:txBody>
-      </p:sp>
     </p:spTree>
     <p:extLst>
       <p:ext uri="{BB962C8B-B14F-4D97-AF65-F5344CB8AC3E}">
-        <p14:creationId xmlns:p14="http://schemas.microsoft.com/office/powerpoint/2010/main" val="2800484977"/>
+        <p14:creationId xmlns:p14="http://schemas.microsoft.com/office/powerpoint/2010/main" val="583962365"/>
       </p:ext>
     </p:extLst>
   </p:cSld>
@@ -7353,6 +7462,127 @@
 </p:sld>
 </file>
 
+<file path=ppt/slides/slide20.xml><?xml version="1.0" encoding="utf-8"?>
+<p:sld xmlns:a="http://schemas.openxmlformats.org/drawingml/2006/main" xmlns:r="http://schemas.openxmlformats.org/officeDocument/2006/relationships" xmlns:p="http://schemas.openxmlformats.org/presentationml/2006/main">
+  <p:cSld>
+    <p:spTree>
+      <p:nvGrpSpPr>
+        <p:cNvPr id="1" name=""/>
+        <p:cNvGrpSpPr/>
+        <p:nvPr/>
+      </p:nvGrpSpPr>
+      <p:grpSpPr>
+        <a:xfrm>
+          <a:off x="0" y="0"/>
+          <a:ext cx="0" cy="0"/>
+          <a:chOff x="0" y="0"/>
+          <a:chExt cx="0" cy="0"/>
+        </a:xfrm>
+      </p:grpSpPr>
+      <p:pic>
+        <p:nvPicPr>
+          <p:cNvPr id="5" name="図 4" descr="アイコン&#10;&#10;自動的に生成された説明">
+            <a:extLst>
+              <a:ext uri="{FF2B5EF4-FFF2-40B4-BE49-F238E27FC236}">
+                <a16:creationId xmlns:a16="http://schemas.microsoft.com/office/drawing/2014/main" id="{D6677401-E24C-722D-D943-CC26434EE77C}"/>
+              </a:ext>
+            </a:extLst>
+          </p:cNvPr>
+          <p:cNvPicPr>
+            <a:picLocks noChangeAspect="1"/>
+          </p:cNvPicPr>
+          <p:nvPr/>
+        </p:nvPicPr>
+        <p:blipFill>
+          <a:blip r:embed="rId2">
+            <a:extLst>
+              <a:ext uri="{28A0092B-C50C-407E-A947-70E740481C1C}">
+                <a14:useLocalDpi xmlns:a14="http://schemas.microsoft.com/office/drawing/2010/main" val="0"/>
+              </a:ext>
+            </a:extLst>
+          </a:blip>
+          <a:stretch>
+            <a:fillRect/>
+          </a:stretch>
+        </p:blipFill>
+        <p:spPr>
+          <a:xfrm>
+            <a:off x="3715047" y="1048047"/>
+            <a:ext cx="4761905" cy="4761905"/>
+          </a:xfrm>
+          <a:prstGeom prst="rect">
+            <a:avLst/>
+          </a:prstGeom>
+        </p:spPr>
+      </p:pic>
+      <p:sp>
+        <p:nvSpPr>
+          <p:cNvPr id="4" name="十字形 3">
+            <a:extLst>
+              <a:ext uri="{FF2B5EF4-FFF2-40B4-BE49-F238E27FC236}">
+                <a16:creationId xmlns:a16="http://schemas.microsoft.com/office/drawing/2014/main" id="{FB101097-82E8-7A30-933C-90EDFC0D9423}"/>
+              </a:ext>
+            </a:extLst>
+          </p:cNvPr>
+          <p:cNvSpPr/>
+          <p:nvPr/>
+        </p:nvSpPr>
+        <p:spPr>
+          <a:xfrm rot="2700000">
+            <a:off x="6413371" y="2528999"/>
+            <a:ext cx="1800000" cy="1800000"/>
+          </a:xfrm>
+          <a:prstGeom prst="plus">
+            <a:avLst>
+              <a:gd name="adj" fmla="val 43743"/>
+            </a:avLst>
+          </a:prstGeom>
+          <a:solidFill>
+            <a:srgbClr val="FF0000"/>
+          </a:solidFill>
+          <a:ln>
+            <a:noFill/>
+          </a:ln>
+          <a:effectLst/>
+        </p:spPr>
+        <p:style>
+          <a:lnRef idx="2">
+            <a:schemeClr val="accent1">
+              <a:shade val="15000"/>
+            </a:schemeClr>
+          </a:lnRef>
+          <a:fillRef idx="1">
+            <a:schemeClr val="accent1"/>
+          </a:fillRef>
+          <a:effectRef idx="0">
+            <a:schemeClr val="accent1"/>
+          </a:effectRef>
+          <a:fontRef idx="minor">
+            <a:schemeClr val="lt1"/>
+          </a:fontRef>
+        </p:style>
+        <p:txBody>
+          <a:bodyPr rtlCol="0" anchor="ctr"/>
+          <a:lstStyle/>
+          <a:p>
+            <a:pPr algn="ctr"/>
+            <a:endParaRPr kumimoji="1" lang="ja-JP" altLang="en-US" dirty="0"/>
+          </a:p>
+        </p:txBody>
+      </p:sp>
+    </p:spTree>
+    <p:extLst>
+      <p:ext uri="{BB962C8B-B14F-4D97-AF65-F5344CB8AC3E}">
+        <p14:creationId xmlns:p14="http://schemas.microsoft.com/office/powerpoint/2010/main" val="2800484977"/>
+      </p:ext>
+    </p:extLst>
+  </p:cSld>
+  <p:clrMapOvr>
+    <a:masterClrMapping/>
+  </p:clrMapOvr>
+</p:sld>
+</file>
+
 <file path=ppt/slides/slide3.xml><?xml version="1.0" encoding="utf-8"?>
 <p:sld xmlns:a="http://schemas.openxmlformats.org/drawingml/2006/main" xmlns:r="http://schemas.openxmlformats.org/officeDocument/2006/relationships" xmlns:p="http://schemas.openxmlformats.org/presentationml/2006/main">
   <p:cSld>
@@ -7372,6 +7602,159 @@
       </p:grpSpPr>
       <p:sp>
         <p:nvSpPr>
+          <p:cNvPr id="4" name="テキスト ボックス 3">
+            <a:extLst>
+              <a:ext uri="{FF2B5EF4-FFF2-40B4-BE49-F238E27FC236}">
+                <a16:creationId xmlns:a16="http://schemas.microsoft.com/office/drawing/2014/main" id="{99DC2B73-F005-BA58-DE8A-8204A1C3FB43}"/>
+              </a:ext>
+            </a:extLst>
+          </p:cNvPr>
+          <p:cNvSpPr txBox="1"/>
+          <p:nvPr/>
+        </p:nvSpPr>
+        <p:spPr>
+          <a:xfrm>
+            <a:off x="0" y="3429000"/>
+            <a:ext cx="12192000" cy="5400000"/>
+          </a:xfrm>
+          <a:prstGeom prst="rect">
+            <a:avLst/>
+          </a:prstGeom>
+          <a:noFill/>
+          <a:ln>
+            <a:noFill/>
+          </a:ln>
+        </p:spPr>
+        <p:txBody>
+          <a:bodyPr wrap="square" rtlCol="0">
+            <a:prstTxWarp prst="textArchUp">
+              <a:avLst/>
+            </a:prstTxWarp>
+            <a:spAutoFit/>
+          </a:bodyPr>
+          <a:lstStyle/>
+          <a:p>
+            <a:pPr algn="ctr"/>
+            <a:r>
+              <a:rPr kumimoji="1" lang="ja-JP" altLang="en-US" sz="11500" spc="-2500" dirty="0">
+                <a:ln w="76200">
+                  <a:solidFill>
+                    <a:srgbClr val="5A1E16"/>
+                  </a:solidFill>
+                </a:ln>
+                <a:solidFill>
+                  <a:srgbClr val="F7B923"/>
+                </a:solidFill>
+                <a:latin typeface="mini-わくわく" panose="02000600000000000000" pitchFamily="50" charset="-128"/>
+                <a:ea typeface="mini-わくわく" panose="02000600000000000000" pitchFamily="50" charset="-128"/>
+              </a:rPr>
+              <a:t>ボール</a:t>
+            </a:r>
+            <a:r>
+              <a:rPr lang="ja-JP" altLang="en-US" sz="11500" spc="-2500" dirty="0">
+                <a:ln w="76200">
+                  <a:solidFill>
+                    <a:srgbClr val="5A1E16"/>
+                  </a:solidFill>
+                </a:ln>
+                <a:solidFill>
+                  <a:srgbClr val="F7B923"/>
+                </a:solidFill>
+                <a:latin typeface="mini-わくわく" panose="02000600000000000000" pitchFamily="50" charset="-128"/>
+                <a:ea typeface="mini-わくわく" panose="02000600000000000000" pitchFamily="50" charset="-128"/>
+              </a:rPr>
+              <a:t>ゲーム</a:t>
+            </a:r>
+            <a:endParaRPr kumimoji="1" lang="ja-JP" altLang="en-US" sz="11500" spc="-2500" dirty="0">
+              <a:ln w="76200">
+                <a:solidFill>
+                  <a:srgbClr val="5A1E16"/>
+                </a:solidFill>
+              </a:ln>
+              <a:solidFill>
+                <a:srgbClr val="F7B923"/>
+              </a:solidFill>
+              <a:latin typeface="mini-わくわく" panose="02000600000000000000" pitchFamily="50" charset="-128"/>
+              <a:ea typeface="mini-わくわく" panose="02000600000000000000" pitchFamily="50" charset="-128"/>
+            </a:endParaRPr>
+          </a:p>
+        </p:txBody>
+      </p:sp>
+      <p:sp>
+        <p:nvSpPr>
+          <p:cNvPr id="2" name="テキスト ボックス 1">
+            <a:extLst>
+              <a:ext uri="{FF2B5EF4-FFF2-40B4-BE49-F238E27FC236}">
+                <a16:creationId xmlns:a16="http://schemas.microsoft.com/office/drawing/2014/main" id="{C76214F5-467F-97C1-393E-E50D86D0284C}"/>
+              </a:ext>
+            </a:extLst>
+          </p:cNvPr>
+          <p:cNvSpPr txBox="1"/>
+          <p:nvPr/>
+        </p:nvSpPr>
+        <p:spPr>
+          <a:xfrm>
+            <a:off x="6145279" y="3832681"/>
+            <a:ext cx="4288353" cy="707886"/>
+          </a:xfrm>
+          <a:prstGeom prst="rect">
+            <a:avLst/>
+          </a:prstGeom>
+          <a:noFill/>
+        </p:spPr>
+        <p:txBody>
+          <a:bodyPr wrap="none" rtlCol="0">
+            <a:spAutoFit/>
+          </a:bodyPr>
+          <a:lstStyle/>
+          <a:p>
+            <a:r>
+              <a:rPr kumimoji="1" lang="ja-JP" altLang="en-US" sz="4000" dirty="0">
+                <a:ln w="38100">
+                  <a:solidFill>
+                    <a:schemeClr val="bg1"/>
+                  </a:solidFill>
+                </a:ln>
+                <a:latin typeface="mini-わくわく" panose="02000600000000000000" pitchFamily="50" charset="-128"/>
+                <a:ea typeface="mini-わくわく" panose="02000600000000000000" pitchFamily="50" charset="-128"/>
+              </a:rPr>
+              <a:t>サマーバージョン</a:t>
+            </a:r>
+          </a:p>
+        </p:txBody>
+      </p:sp>
+    </p:spTree>
+    <p:extLst>
+      <p:ext uri="{BB962C8B-B14F-4D97-AF65-F5344CB8AC3E}">
+        <p14:creationId xmlns:p14="http://schemas.microsoft.com/office/powerpoint/2010/main" val="2329945257"/>
+      </p:ext>
+    </p:extLst>
+  </p:cSld>
+  <p:clrMapOvr>
+    <a:masterClrMapping/>
+  </p:clrMapOvr>
+</p:sld>
+</file>
+
+<file path=ppt/slides/slide4.xml><?xml version="1.0" encoding="utf-8"?>
+<p:sld xmlns:a="http://schemas.openxmlformats.org/drawingml/2006/main" xmlns:r="http://schemas.openxmlformats.org/officeDocument/2006/relationships" xmlns:p="http://schemas.openxmlformats.org/presentationml/2006/main">
+  <p:cSld>
+    <p:spTree>
+      <p:nvGrpSpPr>
+        <p:cNvPr id="1" name=""/>
+        <p:cNvGrpSpPr/>
+        <p:nvPr/>
+      </p:nvGrpSpPr>
+      <p:grpSpPr>
+        <a:xfrm>
+          <a:off x="0" y="0"/>
+          <a:ext cx="0" cy="0"/>
+          <a:chOff x="0" y="0"/>
+          <a:chExt cx="0" cy="0"/>
+        </a:xfrm>
+      </p:grpSpPr>
+      <p:sp>
+        <p:nvSpPr>
           <p:cNvPr id="2" name="正方形/長方形 1">
             <a:extLst>
               <a:ext uri="{FF2B5EF4-FFF2-40B4-BE49-F238E27FC236}">
@@ -7465,7 +7848,7 @@
 </p:sld>
 </file>
 
-<file path=ppt/slides/slide4.xml><?xml version="1.0" encoding="utf-8"?>
+<file path=ppt/slides/slide5.xml><?xml version="1.0" encoding="utf-8"?>
 <p:sld xmlns:a="http://schemas.openxmlformats.org/drawingml/2006/main" xmlns:r="http://schemas.openxmlformats.org/officeDocument/2006/relationships" xmlns:p="http://schemas.openxmlformats.org/presentationml/2006/main">
   <p:cSld>
     <p:spTree>
@@ -7841,90 +8224,6 @@
 </p:sld>
 </file>
 
-<file path=ppt/slides/slide5.xml><?xml version="1.0" encoding="utf-8"?>
-<p:sld xmlns:a="http://schemas.openxmlformats.org/drawingml/2006/main" xmlns:r="http://schemas.openxmlformats.org/officeDocument/2006/relationships" xmlns:p="http://schemas.openxmlformats.org/presentationml/2006/main">
-  <p:cSld>
-    <p:spTree>
-      <p:nvGrpSpPr>
-        <p:cNvPr id="1" name=""/>
-        <p:cNvGrpSpPr/>
-        <p:nvPr/>
-      </p:nvGrpSpPr>
-      <p:grpSpPr>
-        <a:xfrm>
-          <a:off x="0" y="0"/>
-          <a:ext cx="0" cy="0"/>
-          <a:chOff x="0" y="0"/>
-          <a:chExt cx="0" cy="0"/>
-        </a:xfrm>
-      </p:grpSpPr>
-      <p:sp>
-        <p:nvSpPr>
-          <p:cNvPr id="4" name="円弧 3">
-            <a:extLst>
-              <a:ext uri="{FF2B5EF4-FFF2-40B4-BE49-F238E27FC236}">
-                <a16:creationId xmlns:a16="http://schemas.microsoft.com/office/drawing/2014/main" id="{3E06C386-E852-2B17-236D-A2C7875718E4}"/>
-              </a:ext>
-            </a:extLst>
-          </p:cNvPr>
-          <p:cNvSpPr/>
-          <p:nvPr/>
-        </p:nvSpPr>
-        <p:spPr>
-          <a:xfrm>
-            <a:off x="3815113" y="1535348"/>
-            <a:ext cx="3960000" cy="3960000"/>
-          </a:xfrm>
-          <a:prstGeom prst="arc">
-            <a:avLst>
-              <a:gd name="adj1" fmla="val 16200000"/>
-              <a:gd name="adj2" fmla="val 16181080"/>
-            </a:avLst>
-          </a:prstGeom>
-          <a:ln w="1270000">
-            <a:solidFill>
-              <a:schemeClr val="accent1">
-                <a:alpha val="39000"/>
-              </a:schemeClr>
-            </a:solidFill>
-          </a:ln>
-        </p:spPr>
-        <p:style>
-          <a:lnRef idx="1">
-            <a:schemeClr val="accent1"/>
-          </a:lnRef>
-          <a:fillRef idx="0">
-            <a:schemeClr val="accent1"/>
-          </a:fillRef>
-          <a:effectRef idx="0">
-            <a:schemeClr val="accent1"/>
-          </a:effectRef>
-          <a:fontRef idx="minor">
-            <a:schemeClr val="tx1"/>
-          </a:fontRef>
-        </p:style>
-        <p:txBody>
-          <a:bodyPr rtlCol="0" anchor="ctr"/>
-          <a:lstStyle/>
-          <a:p>
-            <a:pPr algn="ctr"/>
-            <a:endParaRPr kumimoji="1" lang="ja-JP" altLang="en-US"/>
-          </a:p>
-        </p:txBody>
-      </p:sp>
-    </p:spTree>
-    <p:extLst>
-      <p:ext uri="{BB962C8B-B14F-4D97-AF65-F5344CB8AC3E}">
-        <p14:creationId xmlns:p14="http://schemas.microsoft.com/office/powerpoint/2010/main" val="2324257381"/>
-      </p:ext>
-    </p:extLst>
-  </p:cSld>
-  <p:clrMapOvr>
-    <a:masterClrMapping/>
-  </p:clrMapOvr>
-</p:sld>
-</file>
-
 <file path=ppt/slides/slide6.xml><?xml version="1.0" encoding="utf-8"?>
 <p:sld xmlns:a="http://schemas.openxmlformats.org/drawingml/2006/main" xmlns:r="http://schemas.openxmlformats.org/officeDocument/2006/relationships" xmlns:p="http://schemas.openxmlformats.org/presentationml/2006/main">
   <p:cSld>
@@ -7944,10 +8243,10 @@
       </p:grpSpPr>
       <p:sp>
         <p:nvSpPr>
-          <p:cNvPr id="4" name="正方形/長方形 3">
-            <a:extLst>
-              <a:ext uri="{FF2B5EF4-FFF2-40B4-BE49-F238E27FC236}">
-                <a16:creationId xmlns:a16="http://schemas.microsoft.com/office/drawing/2014/main" id="{8C11F4A2-8D2F-FB59-06C0-65FE7C0485FA}"/>
+          <p:cNvPr id="4" name="円弧 3">
+            <a:extLst>
+              <a:ext uri="{FF2B5EF4-FFF2-40B4-BE49-F238E27FC236}">
+                <a16:creationId xmlns:a16="http://schemas.microsoft.com/office/drawing/2014/main" id="{3E06C386-E852-2B17-236D-A2C7875718E4}"/>
               </a:ext>
             </a:extLst>
           </p:cNvPr>
@@ -7956,341 +8255,35 @@
         </p:nvSpPr>
         <p:spPr>
           <a:xfrm>
-            <a:off x="0" y="0"/>
-            <a:ext cx="12192000" cy="6858000"/>
-          </a:xfrm>
-          <a:prstGeom prst="rect">
-            <a:avLst/>
-          </a:prstGeom>
-          <a:solidFill>
-            <a:srgbClr val="FEE356"/>
-          </a:solidFill>
-          <a:ln>
+            <a:off x="3815113" y="1535348"/>
+            <a:ext cx="3960000" cy="3960000"/>
+          </a:xfrm>
+          <a:prstGeom prst="arc">
+            <a:avLst>
+              <a:gd name="adj1" fmla="val 16200000"/>
+              <a:gd name="adj2" fmla="val 16181080"/>
+            </a:avLst>
+          </a:prstGeom>
+          <a:ln w="1270000">
             <a:solidFill>
-              <a:srgbClr val="EDE6EC"/>
+              <a:schemeClr val="accent1">
+                <a:alpha val="39000"/>
+              </a:schemeClr>
             </a:solidFill>
           </a:ln>
         </p:spPr>
         <p:style>
-          <a:lnRef idx="2">
-            <a:schemeClr val="accent1">
-              <a:shade val="15000"/>
-            </a:schemeClr>
+          <a:lnRef idx="1">
+            <a:schemeClr val="accent1"/>
           </a:lnRef>
-          <a:fillRef idx="1">
+          <a:fillRef idx="0">
             <a:schemeClr val="accent1"/>
           </a:fillRef>
           <a:effectRef idx="0">
             <a:schemeClr val="accent1"/>
           </a:effectRef>
           <a:fontRef idx="minor">
-            <a:schemeClr val="lt1"/>
-          </a:fontRef>
-        </p:style>
-        <p:txBody>
-          <a:bodyPr rtlCol="0" anchor="ctr"/>
-          <a:lstStyle/>
-          <a:p>
-            <a:pPr algn="ctr"/>
-            <a:endParaRPr kumimoji="1" lang="ja-JP" altLang="en-US"/>
-          </a:p>
-        </p:txBody>
-      </p:sp>
-      <p:pic>
-        <p:nvPicPr>
-          <p:cNvPr id="3" name="図 2" descr="ロゴ, アイコン&#10;&#10;自動的に生成された説明">
-            <a:extLst>
-              <a:ext uri="{FF2B5EF4-FFF2-40B4-BE49-F238E27FC236}">
-                <a16:creationId xmlns:a16="http://schemas.microsoft.com/office/drawing/2014/main" id="{D7A3933A-2E2D-DCB1-AC7F-F31FD8AE8F8C}"/>
-              </a:ext>
-            </a:extLst>
-          </p:cNvPr>
-          <p:cNvPicPr>
-            <a:picLocks noChangeAspect="1"/>
-          </p:cNvPicPr>
-          <p:nvPr/>
-        </p:nvPicPr>
-        <p:blipFill>
-          <a:blip r:embed="rId2">
-            <a:extLst>
-              <a:ext uri="{28A0092B-C50C-407E-A947-70E740481C1C}">
-                <a14:useLocalDpi xmlns:a14="http://schemas.microsoft.com/office/drawing/2010/main" val="0"/>
-              </a:ext>
-            </a:extLst>
-          </a:blip>
-          <a:stretch>
-            <a:fillRect/>
-          </a:stretch>
-        </p:blipFill>
-        <p:spPr>
-          <a:xfrm>
-            <a:off x="2667000" y="0"/>
-            <a:ext cx="6858000" cy="6858000"/>
-          </a:xfrm>
-          <a:prstGeom prst="rect">
-            <a:avLst/>
-          </a:prstGeom>
-        </p:spPr>
-      </p:pic>
-      <p:sp>
-        <p:nvSpPr>
-          <p:cNvPr id="5" name="楕円 4">
-            <a:extLst>
-              <a:ext uri="{FF2B5EF4-FFF2-40B4-BE49-F238E27FC236}">
-                <a16:creationId xmlns:a16="http://schemas.microsoft.com/office/drawing/2014/main" id="{3CC834B5-2CD5-FC28-1B0B-17DB72627E55}"/>
-              </a:ext>
-            </a:extLst>
-          </p:cNvPr>
-          <p:cNvSpPr/>
-          <p:nvPr/>
-        </p:nvSpPr>
-        <p:spPr>
-          <a:xfrm rot="20910173">
-            <a:off x="4015248" y="468073"/>
-            <a:ext cx="445583" cy="177718"/>
-          </a:xfrm>
-          <a:prstGeom prst="ellipse">
-            <a:avLst/>
-          </a:prstGeom>
-          <a:solidFill>
-            <a:schemeClr val="bg1">
-              <a:alpha val="80000"/>
-            </a:schemeClr>
-          </a:solidFill>
-          <a:ln>
-            <a:noFill/>
-          </a:ln>
-        </p:spPr>
-        <p:style>
-          <a:lnRef idx="2">
-            <a:schemeClr val="accent1">
-              <a:shade val="15000"/>
-            </a:schemeClr>
-          </a:lnRef>
-          <a:fillRef idx="1">
-            <a:schemeClr val="accent1"/>
-          </a:fillRef>
-          <a:effectRef idx="0">
-            <a:schemeClr val="accent1"/>
-          </a:effectRef>
-          <a:fontRef idx="minor">
-            <a:schemeClr val="lt1"/>
-          </a:fontRef>
-        </p:style>
-        <p:txBody>
-          <a:bodyPr rtlCol="0" anchor="ctr"/>
-          <a:lstStyle/>
-          <a:p>
-            <a:pPr algn="ctr"/>
-            <a:endParaRPr kumimoji="1" lang="ja-JP" altLang="en-US"/>
-          </a:p>
-        </p:txBody>
-      </p:sp>
-      <p:sp>
-        <p:nvSpPr>
-          <p:cNvPr id="6" name="楕円 5">
-            <a:extLst>
-              <a:ext uri="{FF2B5EF4-FFF2-40B4-BE49-F238E27FC236}">
-                <a16:creationId xmlns:a16="http://schemas.microsoft.com/office/drawing/2014/main" id="{588DE876-BDB7-6DF4-AD3F-B6C35FA46B2A}"/>
-              </a:ext>
-            </a:extLst>
-          </p:cNvPr>
-          <p:cNvSpPr/>
-          <p:nvPr/>
-        </p:nvSpPr>
-        <p:spPr>
-          <a:xfrm rot="5006545">
-            <a:off x="5403430" y="833004"/>
-            <a:ext cx="255597" cy="163136"/>
-          </a:xfrm>
-          <a:prstGeom prst="ellipse">
-            <a:avLst/>
-          </a:prstGeom>
-          <a:solidFill>
-            <a:schemeClr val="bg1">
-              <a:alpha val="80000"/>
-            </a:schemeClr>
-          </a:solidFill>
-          <a:ln>
-            <a:noFill/>
-          </a:ln>
-        </p:spPr>
-        <p:style>
-          <a:lnRef idx="2">
-            <a:schemeClr val="accent1">
-              <a:shade val="15000"/>
-            </a:schemeClr>
-          </a:lnRef>
-          <a:fillRef idx="1">
-            <a:schemeClr val="accent1"/>
-          </a:fillRef>
-          <a:effectRef idx="0">
-            <a:schemeClr val="accent1"/>
-          </a:effectRef>
-          <a:fontRef idx="minor">
-            <a:schemeClr val="lt1"/>
-          </a:fontRef>
-        </p:style>
-        <p:txBody>
-          <a:bodyPr rtlCol="0" anchor="ctr"/>
-          <a:lstStyle/>
-          <a:p>
-            <a:pPr algn="ctr"/>
-            <a:endParaRPr kumimoji="1" lang="ja-JP" altLang="en-US"/>
-          </a:p>
-        </p:txBody>
-      </p:sp>
-      <p:sp>
-        <p:nvSpPr>
-          <p:cNvPr id="7" name="楕円 6">
-            <a:extLst>
-              <a:ext uri="{FF2B5EF4-FFF2-40B4-BE49-F238E27FC236}">
-                <a16:creationId xmlns:a16="http://schemas.microsoft.com/office/drawing/2014/main" id="{EB800B0C-0F85-CE1B-4886-27226E6AC109}"/>
-              </a:ext>
-            </a:extLst>
-          </p:cNvPr>
-          <p:cNvSpPr/>
-          <p:nvPr/>
-        </p:nvSpPr>
-        <p:spPr>
-          <a:xfrm rot="6109647">
-            <a:off x="5163641" y="1339622"/>
-            <a:ext cx="573325" cy="127089"/>
-          </a:xfrm>
-          <a:prstGeom prst="ellipse">
-            <a:avLst/>
-          </a:prstGeom>
-          <a:solidFill>
-            <a:schemeClr val="bg1">
-              <a:alpha val="80000"/>
-            </a:schemeClr>
-          </a:solidFill>
-          <a:ln>
-            <a:noFill/>
-          </a:ln>
-        </p:spPr>
-        <p:style>
-          <a:lnRef idx="2">
-            <a:schemeClr val="accent1">
-              <a:shade val="15000"/>
-            </a:schemeClr>
-          </a:lnRef>
-          <a:fillRef idx="1">
-            <a:schemeClr val="accent1"/>
-          </a:fillRef>
-          <a:effectRef idx="0">
-            <a:schemeClr val="accent1"/>
-          </a:effectRef>
-          <a:fontRef idx="minor">
-            <a:schemeClr val="lt1"/>
-          </a:fontRef>
-        </p:style>
-        <p:txBody>
-          <a:bodyPr rtlCol="0" anchor="ctr"/>
-          <a:lstStyle/>
-          <a:p>
-            <a:pPr algn="ctr"/>
-            <a:endParaRPr kumimoji="1" lang="ja-JP" altLang="en-US"/>
-          </a:p>
-        </p:txBody>
-      </p:sp>
-      <p:sp>
-        <p:nvSpPr>
-          <p:cNvPr id="8" name="楕円 7">
-            <a:extLst>
-              <a:ext uri="{FF2B5EF4-FFF2-40B4-BE49-F238E27FC236}">
-                <a16:creationId xmlns:a16="http://schemas.microsoft.com/office/drawing/2014/main" id="{FD612A28-D202-AE34-CC52-60FB018DBC2F}"/>
-              </a:ext>
-            </a:extLst>
-          </p:cNvPr>
-          <p:cNvSpPr/>
-          <p:nvPr/>
-        </p:nvSpPr>
-        <p:spPr>
-          <a:xfrm rot="19331957">
-            <a:off x="7931260" y="5847014"/>
-            <a:ext cx="555407" cy="182456"/>
-          </a:xfrm>
-          <a:prstGeom prst="ellipse">
-            <a:avLst/>
-          </a:prstGeom>
-          <a:solidFill>
-            <a:schemeClr val="bg1">
-              <a:alpha val="80000"/>
-            </a:schemeClr>
-          </a:solidFill>
-          <a:ln>
-            <a:noFill/>
-          </a:ln>
-        </p:spPr>
-        <p:style>
-          <a:lnRef idx="2">
-            <a:schemeClr val="accent1">
-              <a:shade val="15000"/>
-            </a:schemeClr>
-          </a:lnRef>
-          <a:fillRef idx="1">
-            <a:schemeClr val="accent1"/>
-          </a:fillRef>
-          <a:effectRef idx="0">
-            <a:schemeClr val="accent1"/>
-          </a:effectRef>
-          <a:fontRef idx="minor">
-            <a:schemeClr val="lt1"/>
-          </a:fontRef>
-        </p:style>
-        <p:txBody>
-          <a:bodyPr rtlCol="0" anchor="ctr"/>
-          <a:lstStyle/>
-          <a:p>
-            <a:pPr algn="ctr"/>
-            <a:endParaRPr kumimoji="1" lang="ja-JP" altLang="en-US"/>
-          </a:p>
-        </p:txBody>
-      </p:sp>
-      <p:sp>
-        <p:nvSpPr>
-          <p:cNvPr id="9" name="楕円 8">
-            <a:extLst>
-              <a:ext uri="{FF2B5EF4-FFF2-40B4-BE49-F238E27FC236}">
-                <a16:creationId xmlns:a16="http://schemas.microsoft.com/office/drawing/2014/main" id="{6FB1E6FA-51CB-E55C-0859-A4A3F712E979}"/>
-              </a:ext>
-            </a:extLst>
-          </p:cNvPr>
-          <p:cNvSpPr/>
-          <p:nvPr/>
-        </p:nvSpPr>
-        <p:spPr>
-          <a:xfrm rot="21101030">
-            <a:off x="5271332" y="139174"/>
-            <a:ext cx="373572" cy="94866"/>
-          </a:xfrm>
-          <a:prstGeom prst="ellipse">
-            <a:avLst/>
-          </a:prstGeom>
-          <a:solidFill>
-            <a:schemeClr val="bg1">
-              <a:alpha val="80000"/>
-            </a:schemeClr>
-          </a:solidFill>
-          <a:ln>
-            <a:noFill/>
-          </a:ln>
-        </p:spPr>
-        <p:style>
-          <a:lnRef idx="2">
-            <a:schemeClr val="accent1">
-              <a:shade val="15000"/>
-            </a:schemeClr>
-          </a:lnRef>
-          <a:fillRef idx="1">
-            <a:schemeClr val="accent1"/>
-          </a:fillRef>
-          <a:effectRef idx="0">
-            <a:schemeClr val="accent1"/>
-          </a:effectRef>
-          <a:fontRef idx="minor">
-            <a:schemeClr val="lt1"/>
+            <a:schemeClr val="tx1"/>
           </a:fontRef>
         </p:style>
         <p:txBody>
@@ -8305,7 +8298,7 @@
     </p:spTree>
     <p:extLst>
       <p:ext uri="{BB962C8B-B14F-4D97-AF65-F5344CB8AC3E}">
-        <p14:creationId xmlns:p14="http://schemas.microsoft.com/office/powerpoint/2010/main" val="4255822741"/>
+        <p14:creationId xmlns:p14="http://schemas.microsoft.com/office/powerpoint/2010/main" val="2324257381"/>
       </p:ext>
     </p:extLst>
   </p:cSld>
@@ -8332,75 +8325,34 @@
           <a:chExt cx="0" cy="0"/>
         </a:xfrm>
       </p:grpSpPr>
-      <p:pic>
-        <p:nvPicPr>
-          <p:cNvPr id="6" name="図 5" descr="アイコン&#10;&#10;自動的に生成された説明">
-            <a:extLst>
-              <a:ext uri="{FF2B5EF4-FFF2-40B4-BE49-F238E27FC236}">
-                <a16:creationId xmlns:a16="http://schemas.microsoft.com/office/drawing/2014/main" id="{3469ED80-2249-5AAE-4B40-004A15BD3F9E}"/>
-              </a:ext>
-            </a:extLst>
-          </p:cNvPr>
-          <p:cNvPicPr>
-            <a:picLocks noChangeAspect="1"/>
-          </p:cNvPicPr>
-          <p:nvPr/>
-        </p:nvPicPr>
-        <p:blipFill>
-          <a:blip r:embed="rId2">
-            <a:extLst>
-              <a:ext uri="{28A0092B-C50C-407E-A947-70E740481C1C}">
-                <a14:useLocalDpi xmlns:a14="http://schemas.microsoft.com/office/drawing/2010/main" val="0"/>
-              </a:ext>
-            </a:extLst>
-          </a:blip>
-          <a:stretch>
-            <a:fillRect/>
-          </a:stretch>
-        </p:blipFill>
-        <p:spPr>
-          <a:xfrm>
-            <a:off x="2667000" y="0"/>
-            <a:ext cx="6858000" cy="6858000"/>
+      <p:sp>
+        <p:nvSpPr>
+          <p:cNvPr id="4" name="正方形/長方形 3">
+            <a:extLst>
+              <a:ext uri="{FF2B5EF4-FFF2-40B4-BE49-F238E27FC236}">
+                <a16:creationId xmlns:a16="http://schemas.microsoft.com/office/drawing/2014/main" id="{8C11F4A2-8D2F-FB59-06C0-65FE7C0485FA}"/>
+              </a:ext>
+            </a:extLst>
+          </p:cNvPr>
+          <p:cNvSpPr/>
+          <p:nvPr/>
+        </p:nvSpPr>
+        <p:spPr>
+          <a:xfrm>
+            <a:off x="0" y="0"/>
+            <a:ext cx="12192000" cy="6858000"/>
           </a:xfrm>
           <a:prstGeom prst="rect">
             <a:avLst/>
           </a:prstGeom>
-        </p:spPr>
-      </p:pic>
-      <p:sp>
-        <p:nvSpPr>
-          <p:cNvPr id="10" name="楕円 9">
-            <a:extLst>
-              <a:ext uri="{FF2B5EF4-FFF2-40B4-BE49-F238E27FC236}">
-                <a16:creationId xmlns:a16="http://schemas.microsoft.com/office/drawing/2014/main" id="{7321D79D-9FC0-193F-2F31-343DAF968FB1}"/>
-              </a:ext>
-            </a:extLst>
-          </p:cNvPr>
-          <p:cNvSpPr/>
-          <p:nvPr/>
-        </p:nvSpPr>
-        <p:spPr>
-          <a:xfrm>
-            <a:off x="7133828" y="1101009"/>
-            <a:ext cx="360000" cy="360000"/>
-          </a:xfrm>
-          <a:prstGeom prst="ellipse">
-            <a:avLst/>
-          </a:prstGeom>
           <a:solidFill>
-            <a:schemeClr val="accent2"/>
+            <a:srgbClr val="FEE356"/>
           </a:solidFill>
           <a:ln>
-            <a:noFill/>
+            <a:solidFill>
+              <a:srgbClr val="EDE6EC"/>
+            </a:solidFill>
           </a:ln>
-          <a:effectLst>
-            <a:outerShdw blurRad="63500" sx="120000" sy="120000" algn="ctr" rotWithShape="0">
-              <a:schemeClr val="bg1">
-                <a:alpha val="50000"/>
-              </a:schemeClr>
-            </a:outerShdw>
-          </a:effectLst>
         </p:spPr>
         <p:style>
           <a:lnRef idx="2">
@@ -8423,16 +8375,52 @@
           <a:lstStyle/>
           <a:p>
             <a:pPr algn="ctr"/>
-            <a:endParaRPr kumimoji="1" lang="ja-JP" altLang="en-US" dirty="0"/>
-          </a:p>
-        </p:txBody>
-      </p:sp>
-      <p:sp>
-        <p:nvSpPr>
-          <p:cNvPr id="13" name="楕円 12">
-            <a:extLst>
-              <a:ext uri="{FF2B5EF4-FFF2-40B4-BE49-F238E27FC236}">
-                <a16:creationId xmlns:a16="http://schemas.microsoft.com/office/drawing/2014/main" id="{5547860F-971C-43AF-1A58-86443DC1817B}"/>
+            <a:endParaRPr kumimoji="1" lang="ja-JP" altLang="en-US"/>
+          </a:p>
+        </p:txBody>
+      </p:sp>
+      <p:pic>
+        <p:nvPicPr>
+          <p:cNvPr id="3" name="図 2" descr="ロゴ, アイコン&#10;&#10;自動的に生成された説明">
+            <a:extLst>
+              <a:ext uri="{FF2B5EF4-FFF2-40B4-BE49-F238E27FC236}">
+                <a16:creationId xmlns:a16="http://schemas.microsoft.com/office/drawing/2014/main" id="{D7A3933A-2E2D-DCB1-AC7F-F31FD8AE8F8C}"/>
+              </a:ext>
+            </a:extLst>
+          </p:cNvPr>
+          <p:cNvPicPr>
+            <a:picLocks noChangeAspect="1"/>
+          </p:cNvPicPr>
+          <p:nvPr/>
+        </p:nvPicPr>
+        <p:blipFill>
+          <a:blip r:embed="rId2">
+            <a:extLst>
+              <a:ext uri="{28A0092B-C50C-407E-A947-70E740481C1C}">
+                <a14:useLocalDpi xmlns:a14="http://schemas.microsoft.com/office/drawing/2010/main" val="0"/>
+              </a:ext>
+            </a:extLst>
+          </a:blip>
+          <a:stretch>
+            <a:fillRect/>
+          </a:stretch>
+        </p:blipFill>
+        <p:spPr>
+          <a:xfrm>
+            <a:off x="2667000" y="0"/>
+            <a:ext cx="6858000" cy="6858000"/>
+          </a:xfrm>
+          <a:prstGeom prst="rect">
+            <a:avLst/>
+          </a:prstGeom>
+        </p:spPr>
+      </p:pic>
+      <p:sp>
+        <p:nvSpPr>
+          <p:cNvPr id="5" name="楕円 4">
+            <a:extLst>
+              <a:ext uri="{FF2B5EF4-FFF2-40B4-BE49-F238E27FC236}">
+                <a16:creationId xmlns:a16="http://schemas.microsoft.com/office/drawing/2014/main" id="{3CC834B5-2CD5-FC28-1B0B-17DB72627E55}"/>
               </a:ext>
             </a:extLst>
           </p:cNvPr>
@@ -8440,26 +8428,21 @@
           <p:nvPr/>
         </p:nvSpPr>
         <p:spPr>
-          <a:xfrm>
-            <a:off x="8033828" y="2013749"/>
-            <a:ext cx="360000" cy="360000"/>
+          <a:xfrm rot="20910173">
+            <a:off x="4015248" y="468073"/>
+            <a:ext cx="445583" cy="177718"/>
           </a:xfrm>
           <a:prstGeom prst="ellipse">
             <a:avLst/>
           </a:prstGeom>
           <a:solidFill>
-            <a:schemeClr val="accent2"/>
+            <a:schemeClr val="bg1">
+              <a:alpha val="80000"/>
+            </a:schemeClr>
           </a:solidFill>
           <a:ln>
             <a:noFill/>
           </a:ln>
-          <a:effectLst>
-            <a:outerShdw blurRad="63500" sx="120000" sy="120000" algn="ctr" rotWithShape="0">
-              <a:schemeClr val="bg1">
-                <a:alpha val="50000"/>
-              </a:schemeClr>
-            </a:outerShdw>
-          </a:effectLst>
         </p:spPr>
         <p:style>
           <a:lnRef idx="2">
@@ -8482,16 +8465,16 @@
           <a:lstStyle/>
           <a:p>
             <a:pPr algn="ctr"/>
-            <a:endParaRPr kumimoji="1" lang="ja-JP" altLang="en-US" dirty="0"/>
-          </a:p>
-        </p:txBody>
-      </p:sp>
-      <p:sp>
-        <p:nvSpPr>
-          <p:cNvPr id="16" name="楕円 15">
-            <a:extLst>
-              <a:ext uri="{FF2B5EF4-FFF2-40B4-BE49-F238E27FC236}">
-                <a16:creationId xmlns:a16="http://schemas.microsoft.com/office/drawing/2014/main" id="{ACF6C23D-96C0-0B2F-BA6D-F69C4CFA224A}"/>
+            <a:endParaRPr kumimoji="1" lang="ja-JP" altLang="en-US"/>
+          </a:p>
+        </p:txBody>
+      </p:sp>
+      <p:sp>
+        <p:nvSpPr>
+          <p:cNvPr id="6" name="楕円 5">
+            <a:extLst>
+              <a:ext uri="{FF2B5EF4-FFF2-40B4-BE49-F238E27FC236}">
+                <a16:creationId xmlns:a16="http://schemas.microsoft.com/office/drawing/2014/main" id="{588DE876-BDB7-6DF4-AD3F-B6C35FA46B2A}"/>
               </a:ext>
             </a:extLst>
           </p:cNvPr>
@@ -8499,26 +8482,21 @@
           <p:nvPr/>
         </p:nvSpPr>
         <p:spPr>
-          <a:xfrm>
-            <a:off x="8352470" y="3292258"/>
-            <a:ext cx="360000" cy="360000"/>
+          <a:xfrm rot="5006545">
+            <a:off x="5403430" y="833004"/>
+            <a:ext cx="255597" cy="163136"/>
           </a:xfrm>
           <a:prstGeom prst="ellipse">
             <a:avLst/>
           </a:prstGeom>
           <a:solidFill>
-            <a:schemeClr val="accent2"/>
+            <a:schemeClr val="bg1">
+              <a:alpha val="80000"/>
+            </a:schemeClr>
           </a:solidFill>
           <a:ln>
             <a:noFill/>
           </a:ln>
-          <a:effectLst>
-            <a:outerShdw blurRad="63500" sx="120000" sy="120000" algn="ctr" rotWithShape="0">
-              <a:schemeClr val="bg1">
-                <a:alpha val="50000"/>
-              </a:schemeClr>
-            </a:outerShdw>
-          </a:effectLst>
         </p:spPr>
         <p:style>
           <a:lnRef idx="2">
@@ -8541,16 +8519,16 @@
           <a:lstStyle/>
           <a:p>
             <a:pPr algn="ctr"/>
-            <a:endParaRPr kumimoji="1" lang="ja-JP" altLang="en-US" dirty="0"/>
-          </a:p>
-        </p:txBody>
-      </p:sp>
-      <p:sp>
-        <p:nvSpPr>
-          <p:cNvPr id="19" name="楕円 18">
-            <a:extLst>
-              <a:ext uri="{FF2B5EF4-FFF2-40B4-BE49-F238E27FC236}">
-                <a16:creationId xmlns:a16="http://schemas.microsoft.com/office/drawing/2014/main" id="{C896F11E-8CC8-0ACF-5A0F-5EC80E9E2C78}"/>
+            <a:endParaRPr kumimoji="1" lang="ja-JP" altLang="en-US"/>
+          </a:p>
+        </p:txBody>
+      </p:sp>
+      <p:sp>
+        <p:nvSpPr>
+          <p:cNvPr id="7" name="楕円 6">
+            <a:extLst>
+              <a:ext uri="{FF2B5EF4-FFF2-40B4-BE49-F238E27FC236}">
+                <a16:creationId xmlns:a16="http://schemas.microsoft.com/office/drawing/2014/main" id="{EB800B0C-0F85-CE1B-4886-27226E6AC109}"/>
               </a:ext>
             </a:extLst>
           </p:cNvPr>
@@ -8558,26 +8536,21 @@
           <p:nvPr/>
         </p:nvSpPr>
         <p:spPr>
-          <a:xfrm>
-            <a:off x="8033828" y="4550790"/>
-            <a:ext cx="360000" cy="360000"/>
+          <a:xfrm rot="6109647">
+            <a:off x="5163641" y="1339622"/>
+            <a:ext cx="573325" cy="127089"/>
           </a:xfrm>
           <a:prstGeom prst="ellipse">
             <a:avLst/>
           </a:prstGeom>
           <a:solidFill>
-            <a:schemeClr val="accent2"/>
+            <a:schemeClr val="bg1">
+              <a:alpha val="80000"/>
+            </a:schemeClr>
           </a:solidFill>
           <a:ln>
             <a:noFill/>
           </a:ln>
-          <a:effectLst>
-            <a:outerShdw blurRad="63500" sx="120000" sy="120000" algn="ctr" rotWithShape="0">
-              <a:schemeClr val="bg1">
-                <a:alpha val="50000"/>
-              </a:schemeClr>
-            </a:outerShdw>
-          </a:effectLst>
         </p:spPr>
         <p:style>
           <a:lnRef idx="2">
@@ -8600,52 +8573,16 @@
           <a:lstStyle/>
           <a:p>
             <a:pPr algn="ctr"/>
-            <a:endParaRPr kumimoji="1" lang="ja-JP" altLang="en-US" dirty="0"/>
-          </a:p>
-        </p:txBody>
-      </p:sp>
-      <p:pic>
-        <p:nvPicPr>
-          <p:cNvPr id="40" name="図 39" descr="アイコン&#10;&#10;自動的に生成された説明">
-            <a:extLst>
-              <a:ext uri="{FF2B5EF4-FFF2-40B4-BE49-F238E27FC236}">
-                <a16:creationId xmlns:a16="http://schemas.microsoft.com/office/drawing/2014/main" id="{58BA78F3-1268-ECD9-49FD-5B9E7ABCBDEA}"/>
-              </a:ext>
-            </a:extLst>
-          </p:cNvPr>
-          <p:cNvPicPr>
-            <a:picLocks noChangeAspect="1"/>
-          </p:cNvPicPr>
-          <p:nvPr/>
-        </p:nvPicPr>
-        <p:blipFill>
-          <a:blip r:embed="rId3">
-            <a:extLst>
-              <a:ext uri="{28A0092B-C50C-407E-A947-70E740481C1C}">
-                <a14:useLocalDpi xmlns:a14="http://schemas.microsoft.com/office/drawing/2010/main" val="0"/>
-              </a:ext>
-            </a:extLst>
-          </a:blip>
-          <a:stretch>
-            <a:fillRect/>
-          </a:stretch>
-        </p:blipFill>
-        <p:spPr>
-          <a:xfrm>
-            <a:off x="7763828" y="4280790"/>
-            <a:ext cx="900000" cy="900000"/>
-          </a:xfrm>
-          <a:prstGeom prst="rect">
-            <a:avLst/>
-          </a:prstGeom>
-        </p:spPr>
-      </p:pic>
-      <p:sp>
-        <p:nvSpPr>
-          <p:cNvPr id="21" name="楕円 20">
-            <a:extLst>
-              <a:ext uri="{FF2B5EF4-FFF2-40B4-BE49-F238E27FC236}">
-                <a16:creationId xmlns:a16="http://schemas.microsoft.com/office/drawing/2014/main" id="{6F48AEC4-4965-D602-F4DF-A058A555B3A4}"/>
+            <a:endParaRPr kumimoji="1" lang="ja-JP" altLang="en-US"/>
+          </a:p>
+        </p:txBody>
+      </p:sp>
+      <p:sp>
+        <p:nvSpPr>
+          <p:cNvPr id="8" name="楕円 7">
+            <a:extLst>
+              <a:ext uri="{FF2B5EF4-FFF2-40B4-BE49-F238E27FC236}">
+                <a16:creationId xmlns:a16="http://schemas.microsoft.com/office/drawing/2014/main" id="{FD612A28-D202-AE34-CC52-60FB018DBC2F}"/>
               </a:ext>
             </a:extLst>
           </p:cNvPr>
@@ -8653,26 +8590,21 @@
           <p:nvPr/>
         </p:nvSpPr>
         <p:spPr>
-          <a:xfrm>
-            <a:off x="7133828" y="5445082"/>
-            <a:ext cx="360000" cy="360000"/>
+          <a:xfrm rot="19331957">
+            <a:off x="7931260" y="5847014"/>
+            <a:ext cx="555407" cy="182456"/>
           </a:xfrm>
           <a:prstGeom prst="ellipse">
             <a:avLst/>
           </a:prstGeom>
           <a:solidFill>
-            <a:schemeClr val="accent2"/>
+            <a:schemeClr val="bg1">
+              <a:alpha val="80000"/>
+            </a:schemeClr>
           </a:solidFill>
           <a:ln>
             <a:noFill/>
           </a:ln>
-          <a:effectLst>
-            <a:outerShdw blurRad="63500" sx="120000" sy="120000" algn="ctr" rotWithShape="0">
-              <a:schemeClr val="bg1">
-                <a:alpha val="50000"/>
-              </a:schemeClr>
-            </a:outerShdw>
-          </a:effectLst>
         </p:spPr>
         <p:style>
           <a:lnRef idx="2">
@@ -8695,16 +8627,16 @@
           <a:lstStyle/>
           <a:p>
             <a:pPr algn="ctr"/>
-            <a:endParaRPr kumimoji="1" lang="ja-JP" altLang="en-US" dirty="0"/>
-          </a:p>
-        </p:txBody>
-      </p:sp>
-      <p:sp>
-        <p:nvSpPr>
-          <p:cNvPr id="24" name="楕円 23">
-            <a:extLst>
-              <a:ext uri="{FF2B5EF4-FFF2-40B4-BE49-F238E27FC236}">
-                <a16:creationId xmlns:a16="http://schemas.microsoft.com/office/drawing/2014/main" id="{EF28C68A-5368-452F-B094-E9933CB38E02}"/>
+            <a:endParaRPr kumimoji="1" lang="ja-JP" altLang="en-US"/>
+          </a:p>
+        </p:txBody>
+      </p:sp>
+      <p:sp>
+        <p:nvSpPr>
+          <p:cNvPr id="9" name="楕円 8">
+            <a:extLst>
+              <a:ext uri="{FF2B5EF4-FFF2-40B4-BE49-F238E27FC236}">
+                <a16:creationId xmlns:a16="http://schemas.microsoft.com/office/drawing/2014/main" id="{6FB1E6FA-51CB-E55C-0859-A4A3F712E979}"/>
               </a:ext>
             </a:extLst>
           </p:cNvPr>
@@ -8712,26 +8644,21 @@
           <p:nvPr/>
         </p:nvSpPr>
         <p:spPr>
-          <a:xfrm>
-            <a:off x="5919520" y="5768740"/>
-            <a:ext cx="360000" cy="360000"/>
+          <a:xfrm rot="21101030">
+            <a:off x="5271332" y="139174"/>
+            <a:ext cx="373572" cy="94866"/>
           </a:xfrm>
           <a:prstGeom prst="ellipse">
             <a:avLst/>
           </a:prstGeom>
           <a:solidFill>
-            <a:schemeClr val="accent2"/>
+            <a:schemeClr val="bg1">
+              <a:alpha val="80000"/>
+            </a:schemeClr>
           </a:solidFill>
           <a:ln>
             <a:noFill/>
           </a:ln>
-          <a:effectLst>
-            <a:outerShdw blurRad="63500" sx="120000" sy="120000" algn="ctr" rotWithShape="0">
-              <a:schemeClr val="bg1">
-                <a:alpha val="50000"/>
-              </a:schemeClr>
-            </a:outerShdw>
-          </a:effectLst>
         </p:spPr>
         <p:style>
           <a:lnRef idx="2">
@@ -8754,669 +8681,14 @@
           <a:lstStyle/>
           <a:p>
             <a:pPr algn="ctr"/>
-            <a:endParaRPr kumimoji="1" lang="ja-JP" altLang="en-US" dirty="0"/>
-          </a:p>
-        </p:txBody>
-      </p:sp>
-      <p:sp>
-        <p:nvSpPr>
-          <p:cNvPr id="27" name="楕円 26">
-            <a:extLst>
-              <a:ext uri="{FF2B5EF4-FFF2-40B4-BE49-F238E27FC236}">
-                <a16:creationId xmlns:a16="http://schemas.microsoft.com/office/drawing/2014/main" id="{7041F195-EC03-9EBB-7636-DE52A9912787}"/>
-              </a:ext>
-            </a:extLst>
-          </p:cNvPr>
-          <p:cNvSpPr/>
-          <p:nvPr/>
-        </p:nvSpPr>
-        <p:spPr>
-          <a:xfrm>
-            <a:off x="4686340" y="5445082"/>
-            <a:ext cx="360000" cy="360000"/>
-          </a:xfrm>
-          <a:prstGeom prst="ellipse">
-            <a:avLst/>
-          </a:prstGeom>
-          <a:solidFill>
-            <a:schemeClr val="accent2"/>
-          </a:solidFill>
-          <a:ln>
-            <a:noFill/>
-          </a:ln>
-          <a:effectLst>
-            <a:outerShdw blurRad="63500" sx="120000" sy="120000" algn="ctr" rotWithShape="0">
-              <a:schemeClr val="bg1">
-                <a:alpha val="50000"/>
-              </a:schemeClr>
-            </a:outerShdw>
-          </a:effectLst>
-        </p:spPr>
-        <p:style>
-          <a:lnRef idx="2">
-            <a:schemeClr val="accent1">
-              <a:shade val="15000"/>
-            </a:schemeClr>
-          </a:lnRef>
-          <a:fillRef idx="1">
-            <a:schemeClr val="accent1"/>
-          </a:fillRef>
-          <a:effectRef idx="0">
-            <a:schemeClr val="accent1"/>
-          </a:effectRef>
-          <a:fontRef idx="minor">
-            <a:schemeClr val="lt1"/>
-          </a:fontRef>
-        </p:style>
-        <p:txBody>
-          <a:bodyPr rtlCol="0" anchor="ctr"/>
-          <a:lstStyle/>
-          <a:p>
-            <a:pPr algn="ctr"/>
-            <a:endParaRPr kumimoji="1" lang="ja-JP" altLang="en-US" dirty="0"/>
-          </a:p>
-        </p:txBody>
-      </p:sp>
-      <p:sp>
-        <p:nvSpPr>
-          <p:cNvPr id="28" name="楕円 27">
-            <a:extLst>
-              <a:ext uri="{FF2B5EF4-FFF2-40B4-BE49-F238E27FC236}">
-                <a16:creationId xmlns:a16="http://schemas.microsoft.com/office/drawing/2014/main" id="{48906328-175E-D5E5-5A08-AC39FE62AE62}"/>
-              </a:ext>
-            </a:extLst>
-          </p:cNvPr>
-          <p:cNvSpPr/>
-          <p:nvPr/>
-        </p:nvSpPr>
-        <p:spPr>
-          <a:xfrm>
-            <a:off x="3805956" y="4550790"/>
-            <a:ext cx="360000" cy="360000"/>
-          </a:xfrm>
-          <a:prstGeom prst="ellipse">
-            <a:avLst/>
-          </a:prstGeom>
-          <a:solidFill>
-            <a:schemeClr val="accent2"/>
-          </a:solidFill>
-          <a:ln>
-            <a:noFill/>
-          </a:ln>
-          <a:effectLst>
-            <a:outerShdw blurRad="63500" sx="120000" sy="120000" algn="ctr" rotWithShape="0">
-              <a:schemeClr val="bg1">
-                <a:alpha val="50000"/>
-              </a:schemeClr>
-            </a:outerShdw>
-          </a:effectLst>
-        </p:spPr>
-        <p:style>
-          <a:lnRef idx="2">
-            <a:schemeClr val="accent1">
-              <a:shade val="15000"/>
-            </a:schemeClr>
-          </a:lnRef>
-          <a:fillRef idx="1">
-            <a:schemeClr val="accent1"/>
-          </a:fillRef>
-          <a:effectRef idx="0">
-            <a:schemeClr val="accent1"/>
-          </a:effectRef>
-          <a:fontRef idx="minor">
-            <a:schemeClr val="lt1"/>
-          </a:fontRef>
-        </p:style>
-        <p:txBody>
-          <a:bodyPr rtlCol="0" anchor="ctr"/>
-          <a:lstStyle/>
-          <a:p>
-            <a:pPr algn="ctr"/>
-            <a:endParaRPr kumimoji="1" lang="ja-JP" altLang="en-US" dirty="0"/>
-          </a:p>
-        </p:txBody>
-      </p:sp>
-      <p:sp>
-        <p:nvSpPr>
-          <p:cNvPr id="30" name="楕円 29">
-            <a:extLst>
-              <a:ext uri="{FF2B5EF4-FFF2-40B4-BE49-F238E27FC236}">
-                <a16:creationId xmlns:a16="http://schemas.microsoft.com/office/drawing/2014/main" id="{BCC39BA1-5E46-AB8A-415E-0E542AFC8EBE}"/>
-              </a:ext>
-            </a:extLst>
-          </p:cNvPr>
-          <p:cNvSpPr/>
-          <p:nvPr/>
-        </p:nvSpPr>
-        <p:spPr>
-          <a:xfrm>
-            <a:off x="3479531" y="3304646"/>
-            <a:ext cx="360000" cy="360000"/>
-          </a:xfrm>
-          <a:prstGeom prst="ellipse">
-            <a:avLst/>
-          </a:prstGeom>
-          <a:solidFill>
-            <a:schemeClr val="accent2"/>
-          </a:solidFill>
-          <a:ln>
-            <a:noFill/>
-          </a:ln>
-          <a:effectLst>
-            <a:outerShdw blurRad="63500" sx="120000" sy="120000" algn="ctr" rotWithShape="0">
-              <a:schemeClr val="bg1">
-                <a:alpha val="50000"/>
-              </a:schemeClr>
-            </a:outerShdw>
-          </a:effectLst>
-        </p:spPr>
-        <p:style>
-          <a:lnRef idx="2">
-            <a:schemeClr val="accent1">
-              <a:shade val="15000"/>
-            </a:schemeClr>
-          </a:lnRef>
-          <a:fillRef idx="1">
-            <a:schemeClr val="accent1"/>
-          </a:fillRef>
-          <a:effectRef idx="0">
-            <a:schemeClr val="accent1"/>
-          </a:effectRef>
-          <a:fontRef idx="minor">
-            <a:schemeClr val="lt1"/>
-          </a:fontRef>
-        </p:style>
-        <p:txBody>
-          <a:bodyPr rtlCol="0" anchor="ctr"/>
-          <a:lstStyle/>
-          <a:p>
-            <a:pPr algn="ctr"/>
-            <a:endParaRPr kumimoji="1" lang="ja-JP" altLang="en-US" dirty="0"/>
-          </a:p>
-        </p:txBody>
-      </p:sp>
-      <p:sp>
-        <p:nvSpPr>
-          <p:cNvPr id="31" name="楕円 30">
-            <a:extLst>
-              <a:ext uri="{FF2B5EF4-FFF2-40B4-BE49-F238E27FC236}">
-                <a16:creationId xmlns:a16="http://schemas.microsoft.com/office/drawing/2014/main" id="{3AFC865C-1DC8-AEB1-B71D-59C22E529CFD}"/>
-              </a:ext>
-            </a:extLst>
-          </p:cNvPr>
-          <p:cNvSpPr/>
-          <p:nvPr/>
-        </p:nvSpPr>
-        <p:spPr>
-          <a:xfrm>
-            <a:off x="3805956" y="2009977"/>
-            <a:ext cx="360000" cy="360000"/>
-          </a:xfrm>
-          <a:prstGeom prst="ellipse">
-            <a:avLst/>
-          </a:prstGeom>
-          <a:solidFill>
-            <a:schemeClr val="accent2"/>
-          </a:solidFill>
-          <a:ln>
-            <a:noFill/>
-          </a:ln>
-          <a:effectLst>
-            <a:outerShdw blurRad="63500" sx="120000" sy="120000" algn="ctr" rotWithShape="0">
-              <a:schemeClr val="bg1">
-                <a:alpha val="50000"/>
-              </a:schemeClr>
-            </a:outerShdw>
-          </a:effectLst>
-        </p:spPr>
-        <p:style>
-          <a:lnRef idx="2">
-            <a:schemeClr val="accent1">
-              <a:shade val="15000"/>
-            </a:schemeClr>
-          </a:lnRef>
-          <a:fillRef idx="1">
-            <a:schemeClr val="accent1"/>
-          </a:fillRef>
-          <a:effectRef idx="0">
-            <a:schemeClr val="accent1"/>
-          </a:effectRef>
-          <a:fontRef idx="minor">
-            <a:schemeClr val="lt1"/>
-          </a:fontRef>
-        </p:style>
-        <p:txBody>
-          <a:bodyPr rtlCol="0" anchor="ctr"/>
-          <a:lstStyle/>
-          <a:p>
-            <a:pPr algn="ctr"/>
-            <a:endParaRPr kumimoji="1" lang="ja-JP" altLang="en-US" dirty="0"/>
-          </a:p>
-        </p:txBody>
-      </p:sp>
-      <p:sp>
-        <p:nvSpPr>
-          <p:cNvPr id="32" name="楕円 31">
-            <a:extLst>
-              <a:ext uri="{FF2B5EF4-FFF2-40B4-BE49-F238E27FC236}">
-                <a16:creationId xmlns:a16="http://schemas.microsoft.com/office/drawing/2014/main" id="{8CE9DA3F-9CBD-8DF7-34D0-7DE29CD30E5A}"/>
-              </a:ext>
-            </a:extLst>
-          </p:cNvPr>
-          <p:cNvSpPr/>
-          <p:nvPr/>
-        </p:nvSpPr>
-        <p:spPr>
-          <a:xfrm>
-            <a:off x="4671922" y="1101009"/>
-            <a:ext cx="360000" cy="360000"/>
-          </a:xfrm>
-          <a:prstGeom prst="ellipse">
-            <a:avLst/>
-          </a:prstGeom>
-          <a:solidFill>
-            <a:schemeClr val="accent2"/>
-          </a:solidFill>
-          <a:ln>
-            <a:noFill/>
-          </a:ln>
-          <a:effectLst>
-            <a:outerShdw blurRad="63500" sx="120000" sy="120000" algn="ctr" rotWithShape="0">
-              <a:schemeClr val="bg1">
-                <a:alpha val="50000"/>
-              </a:schemeClr>
-            </a:outerShdw>
-          </a:effectLst>
-        </p:spPr>
-        <p:style>
-          <a:lnRef idx="2">
-            <a:schemeClr val="accent1">
-              <a:shade val="15000"/>
-            </a:schemeClr>
-          </a:lnRef>
-          <a:fillRef idx="1">
-            <a:schemeClr val="accent1"/>
-          </a:fillRef>
-          <a:effectRef idx="0">
-            <a:schemeClr val="accent1"/>
-          </a:effectRef>
-          <a:fontRef idx="minor">
-            <a:schemeClr val="lt1"/>
-          </a:fontRef>
-        </p:style>
-        <p:txBody>
-          <a:bodyPr rtlCol="0" anchor="ctr"/>
-          <a:lstStyle/>
-          <a:p>
-            <a:pPr algn="ctr"/>
-            <a:endParaRPr kumimoji="1" lang="ja-JP" altLang="en-US" dirty="0"/>
-          </a:p>
-        </p:txBody>
-      </p:sp>
-      <p:pic>
-        <p:nvPicPr>
-          <p:cNvPr id="34" name="図 33" descr="アイコン&#10;&#10;自動的に生成された説明">
-            <a:extLst>
-              <a:ext uri="{FF2B5EF4-FFF2-40B4-BE49-F238E27FC236}">
-                <a16:creationId xmlns:a16="http://schemas.microsoft.com/office/drawing/2014/main" id="{6290A8BA-1723-E73C-A5AE-DA79882AA700}"/>
-              </a:ext>
-            </a:extLst>
-          </p:cNvPr>
-          <p:cNvPicPr>
-            <a:picLocks noChangeAspect="1"/>
-          </p:cNvPicPr>
-          <p:nvPr/>
-        </p:nvPicPr>
-        <p:blipFill>
-          <a:blip r:embed="rId4">
-            <a:extLst>
-              <a:ext uri="{28A0092B-C50C-407E-A947-70E740481C1C}">
-                <a14:useLocalDpi xmlns:a14="http://schemas.microsoft.com/office/drawing/2010/main" val="0"/>
-              </a:ext>
-            </a:extLst>
-          </a:blip>
-          <a:stretch>
-            <a:fillRect/>
-          </a:stretch>
-        </p:blipFill>
-        <p:spPr>
-          <a:xfrm>
-            <a:off x="6863828" y="831009"/>
-            <a:ext cx="900000" cy="900000"/>
-          </a:xfrm>
-          <a:prstGeom prst="rect">
-            <a:avLst/>
-          </a:prstGeom>
-        </p:spPr>
-      </p:pic>
-      <p:pic>
-        <p:nvPicPr>
-          <p:cNvPr id="38" name="図 37" descr="アイコン&#10;&#10;自動的に生成された説明">
-            <a:extLst>
-              <a:ext uri="{FF2B5EF4-FFF2-40B4-BE49-F238E27FC236}">
-                <a16:creationId xmlns:a16="http://schemas.microsoft.com/office/drawing/2014/main" id="{B7C2D3CF-756E-77E4-143F-21203E38BA39}"/>
-              </a:ext>
-            </a:extLst>
-          </p:cNvPr>
-          <p:cNvPicPr>
-            <a:picLocks noChangeAspect="1"/>
-          </p:cNvPicPr>
-          <p:nvPr/>
-        </p:nvPicPr>
-        <p:blipFill>
-          <a:blip r:embed="rId5">
-            <a:extLst>
-              <a:ext uri="{28A0092B-C50C-407E-A947-70E740481C1C}">
-                <a14:useLocalDpi xmlns:a14="http://schemas.microsoft.com/office/drawing/2010/main" val="0"/>
-              </a:ext>
-            </a:extLst>
-          </a:blip>
-          <a:stretch>
-            <a:fillRect/>
-          </a:stretch>
-        </p:blipFill>
-        <p:spPr>
-          <a:xfrm>
-            <a:off x="8082470" y="3034646"/>
-            <a:ext cx="900000" cy="900000"/>
-          </a:xfrm>
-          <a:prstGeom prst="rect">
-            <a:avLst/>
-          </a:prstGeom>
-        </p:spPr>
-      </p:pic>
-      <p:pic>
-        <p:nvPicPr>
-          <p:cNvPr id="42" name="図 41" descr="アイコン&#10;&#10;自動的に生成された説明">
-            <a:extLst>
-              <a:ext uri="{FF2B5EF4-FFF2-40B4-BE49-F238E27FC236}">
-                <a16:creationId xmlns:a16="http://schemas.microsoft.com/office/drawing/2014/main" id="{0DFFD2A6-E994-3537-9841-8EA76FC49B84}"/>
-              </a:ext>
-            </a:extLst>
-          </p:cNvPr>
-          <p:cNvPicPr>
-            <a:picLocks noChangeAspect="1"/>
-          </p:cNvPicPr>
-          <p:nvPr/>
-        </p:nvPicPr>
-        <p:blipFill>
-          <a:blip r:embed="rId6">
-            <a:extLst>
-              <a:ext uri="{28A0092B-C50C-407E-A947-70E740481C1C}">
-                <a14:useLocalDpi xmlns:a14="http://schemas.microsoft.com/office/drawing/2010/main" val="0"/>
-              </a:ext>
-            </a:extLst>
-          </a:blip>
-          <a:stretch>
-            <a:fillRect/>
-          </a:stretch>
-        </p:blipFill>
-        <p:spPr>
-          <a:xfrm>
-            <a:off x="7763828" y="1739977"/>
-            <a:ext cx="900000" cy="900000"/>
-          </a:xfrm>
-          <a:prstGeom prst="rect">
-            <a:avLst/>
-          </a:prstGeom>
-        </p:spPr>
-      </p:pic>
-      <p:pic>
-        <p:nvPicPr>
-          <p:cNvPr id="44" name="図 43" descr="ボール, テーブル, 挿絵 が含まれている画像&#10;&#10;自動的に生成された説明">
-            <a:extLst>
-              <a:ext uri="{FF2B5EF4-FFF2-40B4-BE49-F238E27FC236}">
-                <a16:creationId xmlns:a16="http://schemas.microsoft.com/office/drawing/2014/main" id="{EDCD658B-7128-159C-C680-01EC132E95DD}"/>
-              </a:ext>
-            </a:extLst>
-          </p:cNvPr>
-          <p:cNvPicPr>
-            <a:picLocks noChangeAspect="1"/>
-          </p:cNvPicPr>
-          <p:nvPr/>
-        </p:nvPicPr>
-        <p:blipFill>
-          <a:blip r:embed="rId7">
-            <a:extLst>
-              <a:ext uri="{28A0092B-C50C-407E-A947-70E740481C1C}">
-                <a14:useLocalDpi xmlns:a14="http://schemas.microsoft.com/office/drawing/2010/main" val="0"/>
-              </a:ext>
-            </a:extLst>
-          </a:blip>
-          <a:stretch>
-            <a:fillRect/>
-          </a:stretch>
-        </p:blipFill>
-        <p:spPr>
-          <a:xfrm>
-            <a:off x="6863828" y="5173422"/>
-            <a:ext cx="900000" cy="900000"/>
-          </a:xfrm>
-          <a:prstGeom prst="rect">
-            <a:avLst/>
-          </a:prstGeom>
-        </p:spPr>
-      </p:pic>
-      <p:pic>
-        <p:nvPicPr>
-          <p:cNvPr id="46" name="図 45" descr="アイコン&#10;&#10;自動的に生成された説明">
-            <a:extLst>
-              <a:ext uri="{FF2B5EF4-FFF2-40B4-BE49-F238E27FC236}">
-                <a16:creationId xmlns:a16="http://schemas.microsoft.com/office/drawing/2014/main" id="{7FAF2A66-EF4F-FE5B-73F0-242A556E56EC}"/>
-              </a:ext>
-            </a:extLst>
-          </p:cNvPr>
-          <p:cNvPicPr>
-            <a:picLocks noChangeAspect="1"/>
-          </p:cNvPicPr>
-          <p:nvPr/>
-        </p:nvPicPr>
-        <p:blipFill>
-          <a:blip r:embed="rId8">
-            <a:extLst>
-              <a:ext uri="{28A0092B-C50C-407E-A947-70E740481C1C}">
-                <a14:useLocalDpi xmlns:a14="http://schemas.microsoft.com/office/drawing/2010/main" val="0"/>
-              </a:ext>
-            </a:extLst>
-          </a:blip>
-          <a:stretch>
-            <a:fillRect/>
-          </a:stretch>
-        </p:blipFill>
-        <p:spPr>
-          <a:xfrm>
-            <a:off x="5646000" y="5498740"/>
-            <a:ext cx="900000" cy="900000"/>
-          </a:xfrm>
-          <a:prstGeom prst="rect">
-            <a:avLst/>
-          </a:prstGeom>
-        </p:spPr>
-      </p:pic>
-      <p:pic>
-        <p:nvPicPr>
-          <p:cNvPr id="49" name="図 48" descr="アイコン&#10;&#10;自動的に生成された説明">
-            <a:extLst>
-              <a:ext uri="{FF2B5EF4-FFF2-40B4-BE49-F238E27FC236}">
-                <a16:creationId xmlns:a16="http://schemas.microsoft.com/office/drawing/2014/main" id="{F5B05EE8-7F82-95AD-95DD-D183EE3E0235}"/>
-              </a:ext>
-            </a:extLst>
-          </p:cNvPr>
-          <p:cNvPicPr>
-            <a:picLocks noChangeAspect="1"/>
-          </p:cNvPicPr>
-          <p:nvPr/>
-        </p:nvPicPr>
-        <p:blipFill>
-          <a:blip r:embed="rId9">
-            <a:extLst>
-              <a:ext uri="{28A0092B-C50C-407E-A947-70E740481C1C}">
-                <a14:useLocalDpi xmlns:a14="http://schemas.microsoft.com/office/drawing/2010/main" val="0"/>
-              </a:ext>
-            </a:extLst>
-          </a:blip>
-          <a:stretch>
-            <a:fillRect/>
-          </a:stretch>
-        </p:blipFill>
-        <p:spPr>
-          <a:xfrm>
-            <a:off x="4422142" y="5180790"/>
-            <a:ext cx="900000" cy="900000"/>
-          </a:xfrm>
-          <a:prstGeom prst="rect">
-            <a:avLst/>
-          </a:prstGeom>
-        </p:spPr>
-      </p:pic>
-      <p:pic>
-        <p:nvPicPr>
-          <p:cNvPr id="51" name="図 50" descr="アイコン&#10;&#10;自動的に生成された説明">
-            <a:extLst>
-              <a:ext uri="{FF2B5EF4-FFF2-40B4-BE49-F238E27FC236}">
-                <a16:creationId xmlns:a16="http://schemas.microsoft.com/office/drawing/2014/main" id="{CBE5F4B2-1F73-4E38-ED52-C91DED7960D7}"/>
-              </a:ext>
-            </a:extLst>
-          </p:cNvPr>
-          <p:cNvPicPr>
-            <a:picLocks noChangeAspect="1"/>
-          </p:cNvPicPr>
-          <p:nvPr/>
-        </p:nvPicPr>
-        <p:blipFill>
-          <a:blip r:embed="rId10">
-            <a:extLst>
-              <a:ext uri="{28A0092B-C50C-407E-A947-70E740481C1C}">
-                <a14:useLocalDpi xmlns:a14="http://schemas.microsoft.com/office/drawing/2010/main" val="0"/>
-              </a:ext>
-            </a:extLst>
-          </a:blip>
-          <a:stretch>
-            <a:fillRect/>
-          </a:stretch>
-        </p:blipFill>
-        <p:spPr>
-          <a:xfrm>
-            <a:off x="3535956" y="4280790"/>
-            <a:ext cx="900000" cy="900000"/>
-          </a:xfrm>
-          <a:prstGeom prst="rect">
-            <a:avLst/>
-          </a:prstGeom>
-        </p:spPr>
-      </p:pic>
-      <p:pic>
-        <p:nvPicPr>
-          <p:cNvPr id="53" name="図 52" descr="ロゴ, アイコン&#10;&#10;自動的に生成された説明">
-            <a:extLst>
-              <a:ext uri="{FF2B5EF4-FFF2-40B4-BE49-F238E27FC236}">
-                <a16:creationId xmlns:a16="http://schemas.microsoft.com/office/drawing/2014/main" id="{1D015321-8B1D-427D-C08F-D7D6F77A7BCC}"/>
-              </a:ext>
-            </a:extLst>
-          </p:cNvPr>
-          <p:cNvPicPr>
-            <a:picLocks noChangeAspect="1"/>
-          </p:cNvPicPr>
-          <p:nvPr/>
-        </p:nvPicPr>
-        <p:blipFill>
-          <a:blip r:embed="rId11">
-            <a:extLst>
-              <a:ext uri="{28A0092B-C50C-407E-A947-70E740481C1C}">
-                <a14:useLocalDpi xmlns:a14="http://schemas.microsoft.com/office/drawing/2010/main" val="0"/>
-              </a:ext>
-            </a:extLst>
-          </a:blip>
-          <a:stretch>
-            <a:fillRect/>
-          </a:stretch>
-        </p:blipFill>
-        <p:spPr>
-          <a:xfrm>
-            <a:off x="3209531" y="3034646"/>
-            <a:ext cx="900000" cy="900000"/>
-          </a:xfrm>
-          <a:prstGeom prst="rect">
-            <a:avLst/>
-          </a:prstGeom>
-        </p:spPr>
-      </p:pic>
-      <p:pic>
-        <p:nvPicPr>
-          <p:cNvPr id="55" name="図 54" descr="ウィンドウ が含まれている画像&#10;&#10;自動的に生成された説明">
-            <a:extLst>
-              <a:ext uri="{FF2B5EF4-FFF2-40B4-BE49-F238E27FC236}">
-                <a16:creationId xmlns:a16="http://schemas.microsoft.com/office/drawing/2014/main" id="{8096D128-5585-20CA-B3C0-F4731F9A21B3}"/>
-              </a:ext>
-            </a:extLst>
-          </p:cNvPr>
-          <p:cNvPicPr>
-            <a:picLocks noChangeAspect="1"/>
-          </p:cNvPicPr>
-          <p:nvPr/>
-        </p:nvPicPr>
-        <p:blipFill>
-          <a:blip r:embed="rId12">
-            <a:extLst>
-              <a:ext uri="{28A0092B-C50C-407E-A947-70E740481C1C}">
-                <a14:useLocalDpi xmlns:a14="http://schemas.microsoft.com/office/drawing/2010/main" val="0"/>
-              </a:ext>
-            </a:extLst>
-          </a:blip>
-          <a:stretch>
-            <a:fillRect/>
-          </a:stretch>
-        </p:blipFill>
-        <p:spPr>
-          <a:xfrm>
-            <a:off x="3535956" y="1741813"/>
-            <a:ext cx="900000" cy="900000"/>
-          </a:xfrm>
-          <a:prstGeom prst="rect">
-            <a:avLst/>
-          </a:prstGeom>
-        </p:spPr>
-      </p:pic>
-      <p:pic>
-        <p:nvPicPr>
-          <p:cNvPr id="57" name="図 56" descr="アイコン&#10;&#10;自動的に生成された説明">
-            <a:extLst>
-              <a:ext uri="{FF2B5EF4-FFF2-40B4-BE49-F238E27FC236}">
-                <a16:creationId xmlns:a16="http://schemas.microsoft.com/office/drawing/2014/main" id="{A233CFBC-C983-3A88-DB86-F743F9786EE3}"/>
-              </a:ext>
-            </a:extLst>
-          </p:cNvPr>
-          <p:cNvPicPr>
-            <a:picLocks noChangeAspect="1"/>
-          </p:cNvPicPr>
-          <p:nvPr/>
-        </p:nvPicPr>
-        <p:blipFill>
-          <a:blip r:embed="rId13">
-            <a:extLst>
-              <a:ext uri="{28A0092B-C50C-407E-A947-70E740481C1C}">
-                <a14:useLocalDpi xmlns:a14="http://schemas.microsoft.com/office/drawing/2010/main" val="0"/>
-              </a:ext>
-            </a:extLst>
-          </a:blip>
-          <a:stretch>
-            <a:fillRect/>
-          </a:stretch>
-        </p:blipFill>
-        <p:spPr>
-          <a:xfrm>
-            <a:off x="4410912" y="831009"/>
-            <a:ext cx="900000" cy="900000"/>
-          </a:xfrm>
-          <a:prstGeom prst="rect">
-            <a:avLst/>
-          </a:prstGeom>
-        </p:spPr>
-      </p:pic>
+            <a:endParaRPr kumimoji="1" lang="ja-JP" altLang="en-US"/>
+          </a:p>
+        </p:txBody>
+      </p:sp>
     </p:spTree>
     <p:extLst>
       <p:ext uri="{BB962C8B-B14F-4D97-AF65-F5344CB8AC3E}">
-        <p14:creationId xmlns:p14="http://schemas.microsoft.com/office/powerpoint/2010/main" val="2912684426"/>
+        <p14:creationId xmlns:p14="http://schemas.microsoft.com/office/powerpoint/2010/main" val="4255822741"/>
       </p:ext>
     </p:extLst>
   </p:cSld>
@@ -9445,10 +8717,10 @@
       </p:grpSpPr>
       <p:pic>
         <p:nvPicPr>
-          <p:cNvPr id="2" name="図 1" descr="ロゴ, アイコン&#10;&#10;中程度の精度で自動的に生成された説明">
-            <a:extLst>
-              <a:ext uri="{FF2B5EF4-FFF2-40B4-BE49-F238E27FC236}">
-                <a16:creationId xmlns:a16="http://schemas.microsoft.com/office/drawing/2014/main" id="{A29C39F6-FBBC-C9F5-F5D2-189E8CA9D91F}"/>
+          <p:cNvPr id="6" name="図 5" descr="アイコン&#10;&#10;自動的に生成された説明">
+            <a:extLst>
+              <a:ext uri="{FF2B5EF4-FFF2-40B4-BE49-F238E27FC236}">
+                <a16:creationId xmlns:a16="http://schemas.microsoft.com/office/drawing/2014/main" id="{3469ED80-2249-5AAE-4B40-004A15BD3F9E}"/>
               </a:ext>
             </a:extLst>
           </p:cNvPr>
@@ -9481,10 +8753,10 @@
       </p:pic>
       <p:sp>
         <p:nvSpPr>
-          <p:cNvPr id="13" name="楕円 12">
-            <a:extLst>
-              <a:ext uri="{FF2B5EF4-FFF2-40B4-BE49-F238E27FC236}">
-                <a16:creationId xmlns:a16="http://schemas.microsoft.com/office/drawing/2014/main" id="{5547860F-971C-43AF-1A58-86443DC1817B}"/>
+          <p:cNvPr id="10" name="楕円 9">
+            <a:extLst>
+              <a:ext uri="{FF2B5EF4-FFF2-40B4-BE49-F238E27FC236}">
+                <a16:creationId xmlns:a16="http://schemas.microsoft.com/office/drawing/2014/main" id="{7321D79D-9FC0-193F-2F31-343DAF968FB1}"/>
               </a:ext>
             </a:extLst>
           </p:cNvPr>
@@ -9493,7 +8765,7 @@
         </p:nvSpPr>
         <p:spPr>
           <a:xfrm>
-            <a:off x="8033828" y="2013749"/>
+            <a:off x="7133828" y="1101009"/>
             <a:ext cx="360000" cy="360000"/>
           </a:xfrm>
           <a:prstGeom prst="ellipse">
@@ -9540,10 +8812,10 @@
       </p:sp>
       <p:sp>
         <p:nvSpPr>
-          <p:cNvPr id="21" name="楕円 20">
-            <a:extLst>
-              <a:ext uri="{FF2B5EF4-FFF2-40B4-BE49-F238E27FC236}">
-                <a16:creationId xmlns:a16="http://schemas.microsoft.com/office/drawing/2014/main" id="{6F48AEC4-4965-D602-F4DF-A058A555B3A4}"/>
+          <p:cNvPr id="13" name="楕円 12">
+            <a:extLst>
+              <a:ext uri="{FF2B5EF4-FFF2-40B4-BE49-F238E27FC236}">
+                <a16:creationId xmlns:a16="http://schemas.microsoft.com/office/drawing/2014/main" id="{5547860F-971C-43AF-1A58-86443DC1817B}"/>
               </a:ext>
             </a:extLst>
           </p:cNvPr>
@@ -9552,7 +8824,7 @@
         </p:nvSpPr>
         <p:spPr>
           <a:xfrm>
-            <a:off x="7133828" y="5445082"/>
+            <a:off x="8033828" y="2013749"/>
             <a:ext cx="360000" cy="360000"/>
           </a:xfrm>
           <a:prstGeom prst="ellipse">
@@ -9597,48 +8869,12 @@
           </a:p>
         </p:txBody>
       </p:sp>
-      <p:pic>
-        <p:nvPicPr>
-          <p:cNvPr id="5" name="図 4" descr="アイコン&#10;&#10;自動的に生成された説明">
-            <a:extLst>
-              <a:ext uri="{FF2B5EF4-FFF2-40B4-BE49-F238E27FC236}">
-                <a16:creationId xmlns:a16="http://schemas.microsoft.com/office/drawing/2014/main" id="{0ECE3EE3-E476-4C06-48D8-C19D5178E1C5}"/>
-              </a:ext>
-            </a:extLst>
-          </p:cNvPr>
-          <p:cNvPicPr>
-            <a:picLocks noChangeAspect="1"/>
-          </p:cNvPicPr>
-          <p:nvPr/>
-        </p:nvPicPr>
-        <p:blipFill>
-          <a:blip r:embed="rId3">
-            <a:extLst>
-              <a:ext uri="{28A0092B-C50C-407E-A947-70E740481C1C}">
-                <a14:useLocalDpi xmlns:a14="http://schemas.microsoft.com/office/drawing/2010/main" val="0"/>
-              </a:ext>
-            </a:extLst>
-          </a:blip>
-          <a:stretch>
-            <a:fillRect/>
-          </a:stretch>
-        </p:blipFill>
-        <p:spPr>
-          <a:xfrm>
-            <a:off x="6856046" y="5180790"/>
-            <a:ext cx="900000" cy="900000"/>
-          </a:xfrm>
-          <a:prstGeom prst="rect">
-            <a:avLst/>
-          </a:prstGeom>
-        </p:spPr>
-      </p:pic>
-      <p:sp>
-        <p:nvSpPr>
-          <p:cNvPr id="28" name="楕円 27">
-            <a:extLst>
-              <a:ext uri="{FF2B5EF4-FFF2-40B4-BE49-F238E27FC236}">
-                <a16:creationId xmlns:a16="http://schemas.microsoft.com/office/drawing/2014/main" id="{48906328-175E-D5E5-5A08-AC39FE62AE62}"/>
+      <p:sp>
+        <p:nvSpPr>
+          <p:cNvPr id="16" name="楕円 15">
+            <a:extLst>
+              <a:ext uri="{FF2B5EF4-FFF2-40B4-BE49-F238E27FC236}">
+                <a16:creationId xmlns:a16="http://schemas.microsoft.com/office/drawing/2014/main" id="{ACF6C23D-96C0-0B2F-BA6D-F69C4CFA224A}"/>
               </a:ext>
             </a:extLst>
           </p:cNvPr>
@@ -9647,7 +8883,7 @@
         </p:nvSpPr>
         <p:spPr>
           <a:xfrm>
-            <a:off x="3805956" y="4550790"/>
+            <a:off x="8352470" y="3292258"/>
             <a:ext cx="360000" cy="360000"/>
           </a:xfrm>
           <a:prstGeom prst="ellipse">
@@ -9694,10 +8930,10 @@
       </p:sp>
       <p:sp>
         <p:nvSpPr>
-          <p:cNvPr id="32" name="楕円 31">
-            <a:extLst>
-              <a:ext uri="{FF2B5EF4-FFF2-40B4-BE49-F238E27FC236}">
-                <a16:creationId xmlns:a16="http://schemas.microsoft.com/office/drawing/2014/main" id="{8CE9DA3F-9CBD-8DF7-34D0-7DE29CD30E5A}"/>
+          <p:cNvPr id="19" name="楕円 18">
+            <a:extLst>
+              <a:ext uri="{FF2B5EF4-FFF2-40B4-BE49-F238E27FC236}">
+                <a16:creationId xmlns:a16="http://schemas.microsoft.com/office/drawing/2014/main" id="{C896F11E-8CC8-0ACF-5A0F-5EC80E9E2C78}"/>
               </a:ext>
             </a:extLst>
           </p:cNvPr>
@@ -9706,7 +8942,7 @@
         </p:nvSpPr>
         <p:spPr>
           <a:xfrm>
-            <a:off x="4671922" y="1101009"/>
+            <a:off x="8033828" y="4550790"/>
             <a:ext cx="360000" cy="360000"/>
           </a:xfrm>
           <a:prstGeom prst="ellipse">
@@ -9753,10 +8989,10 @@
       </p:sp>
       <p:pic>
         <p:nvPicPr>
-          <p:cNvPr id="4" name="図 3" descr="アイコン&#10;&#10;自動的に生成された説明">
-            <a:extLst>
-              <a:ext uri="{FF2B5EF4-FFF2-40B4-BE49-F238E27FC236}">
-                <a16:creationId xmlns:a16="http://schemas.microsoft.com/office/drawing/2014/main" id="{FF374F0E-3FE6-C5CD-0CCB-8AFF2D90D78E}"/>
+          <p:cNvPr id="40" name="図 39" descr="アイコン&#10;&#10;自動的に生成された説明">
+            <a:extLst>
+              <a:ext uri="{FF2B5EF4-FFF2-40B4-BE49-F238E27FC236}">
+                <a16:creationId xmlns:a16="http://schemas.microsoft.com/office/drawing/2014/main" id="{58BA78F3-1268-ECD9-49FD-5B9E7ABCBDEA}"/>
               </a:ext>
             </a:extLst>
           </p:cNvPr>
@@ -9766,7 +9002,7 @@
           <p:nvPr/>
         </p:nvPicPr>
         <p:blipFill>
-          <a:blip r:embed="rId4">
+          <a:blip r:embed="rId3">
             <a:extLst>
               <a:ext uri="{28A0092B-C50C-407E-A947-70E740481C1C}">
                 <a14:useLocalDpi xmlns:a14="http://schemas.microsoft.com/office/drawing/2010/main" val="0"/>
@@ -9779,7 +9015,7 @@
         </p:blipFill>
         <p:spPr>
           <a:xfrm>
-            <a:off x="4401922" y="831009"/>
+            <a:off x="7763828" y="4280790"/>
             <a:ext cx="900000" cy="900000"/>
           </a:xfrm>
           <a:prstGeom prst="rect">
@@ -9787,12 +9023,425 @@
           </a:prstGeom>
         </p:spPr>
       </p:pic>
+      <p:sp>
+        <p:nvSpPr>
+          <p:cNvPr id="21" name="楕円 20">
+            <a:extLst>
+              <a:ext uri="{FF2B5EF4-FFF2-40B4-BE49-F238E27FC236}">
+                <a16:creationId xmlns:a16="http://schemas.microsoft.com/office/drawing/2014/main" id="{6F48AEC4-4965-D602-F4DF-A058A555B3A4}"/>
+              </a:ext>
+            </a:extLst>
+          </p:cNvPr>
+          <p:cNvSpPr/>
+          <p:nvPr/>
+        </p:nvSpPr>
+        <p:spPr>
+          <a:xfrm>
+            <a:off x="7133828" y="5445082"/>
+            <a:ext cx="360000" cy="360000"/>
+          </a:xfrm>
+          <a:prstGeom prst="ellipse">
+            <a:avLst/>
+          </a:prstGeom>
+          <a:solidFill>
+            <a:schemeClr val="accent2"/>
+          </a:solidFill>
+          <a:ln>
+            <a:noFill/>
+          </a:ln>
+          <a:effectLst>
+            <a:outerShdw blurRad="63500" sx="120000" sy="120000" algn="ctr" rotWithShape="0">
+              <a:schemeClr val="bg1">
+                <a:alpha val="50000"/>
+              </a:schemeClr>
+            </a:outerShdw>
+          </a:effectLst>
+        </p:spPr>
+        <p:style>
+          <a:lnRef idx="2">
+            <a:schemeClr val="accent1">
+              <a:shade val="15000"/>
+            </a:schemeClr>
+          </a:lnRef>
+          <a:fillRef idx="1">
+            <a:schemeClr val="accent1"/>
+          </a:fillRef>
+          <a:effectRef idx="0">
+            <a:schemeClr val="accent1"/>
+          </a:effectRef>
+          <a:fontRef idx="minor">
+            <a:schemeClr val="lt1"/>
+          </a:fontRef>
+        </p:style>
+        <p:txBody>
+          <a:bodyPr rtlCol="0" anchor="ctr"/>
+          <a:lstStyle/>
+          <a:p>
+            <a:pPr algn="ctr"/>
+            <a:endParaRPr kumimoji="1" lang="ja-JP" altLang="en-US" dirty="0"/>
+          </a:p>
+        </p:txBody>
+      </p:sp>
+      <p:sp>
+        <p:nvSpPr>
+          <p:cNvPr id="24" name="楕円 23">
+            <a:extLst>
+              <a:ext uri="{FF2B5EF4-FFF2-40B4-BE49-F238E27FC236}">
+                <a16:creationId xmlns:a16="http://schemas.microsoft.com/office/drawing/2014/main" id="{EF28C68A-5368-452F-B094-E9933CB38E02}"/>
+              </a:ext>
+            </a:extLst>
+          </p:cNvPr>
+          <p:cNvSpPr/>
+          <p:nvPr/>
+        </p:nvSpPr>
+        <p:spPr>
+          <a:xfrm>
+            <a:off x="5919520" y="5768740"/>
+            <a:ext cx="360000" cy="360000"/>
+          </a:xfrm>
+          <a:prstGeom prst="ellipse">
+            <a:avLst/>
+          </a:prstGeom>
+          <a:solidFill>
+            <a:schemeClr val="accent2"/>
+          </a:solidFill>
+          <a:ln>
+            <a:noFill/>
+          </a:ln>
+          <a:effectLst>
+            <a:outerShdw blurRad="63500" sx="120000" sy="120000" algn="ctr" rotWithShape="0">
+              <a:schemeClr val="bg1">
+                <a:alpha val="50000"/>
+              </a:schemeClr>
+            </a:outerShdw>
+          </a:effectLst>
+        </p:spPr>
+        <p:style>
+          <a:lnRef idx="2">
+            <a:schemeClr val="accent1">
+              <a:shade val="15000"/>
+            </a:schemeClr>
+          </a:lnRef>
+          <a:fillRef idx="1">
+            <a:schemeClr val="accent1"/>
+          </a:fillRef>
+          <a:effectRef idx="0">
+            <a:schemeClr val="accent1"/>
+          </a:effectRef>
+          <a:fontRef idx="minor">
+            <a:schemeClr val="lt1"/>
+          </a:fontRef>
+        </p:style>
+        <p:txBody>
+          <a:bodyPr rtlCol="0" anchor="ctr"/>
+          <a:lstStyle/>
+          <a:p>
+            <a:pPr algn="ctr"/>
+            <a:endParaRPr kumimoji="1" lang="ja-JP" altLang="en-US" dirty="0"/>
+          </a:p>
+        </p:txBody>
+      </p:sp>
+      <p:sp>
+        <p:nvSpPr>
+          <p:cNvPr id="27" name="楕円 26">
+            <a:extLst>
+              <a:ext uri="{FF2B5EF4-FFF2-40B4-BE49-F238E27FC236}">
+                <a16:creationId xmlns:a16="http://schemas.microsoft.com/office/drawing/2014/main" id="{7041F195-EC03-9EBB-7636-DE52A9912787}"/>
+              </a:ext>
+            </a:extLst>
+          </p:cNvPr>
+          <p:cNvSpPr/>
+          <p:nvPr/>
+        </p:nvSpPr>
+        <p:spPr>
+          <a:xfrm>
+            <a:off x="4686340" y="5445082"/>
+            <a:ext cx="360000" cy="360000"/>
+          </a:xfrm>
+          <a:prstGeom prst="ellipse">
+            <a:avLst/>
+          </a:prstGeom>
+          <a:solidFill>
+            <a:schemeClr val="accent2"/>
+          </a:solidFill>
+          <a:ln>
+            <a:noFill/>
+          </a:ln>
+          <a:effectLst>
+            <a:outerShdw blurRad="63500" sx="120000" sy="120000" algn="ctr" rotWithShape="0">
+              <a:schemeClr val="bg1">
+                <a:alpha val="50000"/>
+              </a:schemeClr>
+            </a:outerShdw>
+          </a:effectLst>
+        </p:spPr>
+        <p:style>
+          <a:lnRef idx="2">
+            <a:schemeClr val="accent1">
+              <a:shade val="15000"/>
+            </a:schemeClr>
+          </a:lnRef>
+          <a:fillRef idx="1">
+            <a:schemeClr val="accent1"/>
+          </a:fillRef>
+          <a:effectRef idx="0">
+            <a:schemeClr val="accent1"/>
+          </a:effectRef>
+          <a:fontRef idx="minor">
+            <a:schemeClr val="lt1"/>
+          </a:fontRef>
+        </p:style>
+        <p:txBody>
+          <a:bodyPr rtlCol="0" anchor="ctr"/>
+          <a:lstStyle/>
+          <a:p>
+            <a:pPr algn="ctr"/>
+            <a:endParaRPr kumimoji="1" lang="ja-JP" altLang="en-US" dirty="0"/>
+          </a:p>
+        </p:txBody>
+      </p:sp>
+      <p:sp>
+        <p:nvSpPr>
+          <p:cNvPr id="28" name="楕円 27">
+            <a:extLst>
+              <a:ext uri="{FF2B5EF4-FFF2-40B4-BE49-F238E27FC236}">
+                <a16:creationId xmlns:a16="http://schemas.microsoft.com/office/drawing/2014/main" id="{48906328-175E-D5E5-5A08-AC39FE62AE62}"/>
+              </a:ext>
+            </a:extLst>
+          </p:cNvPr>
+          <p:cNvSpPr/>
+          <p:nvPr/>
+        </p:nvSpPr>
+        <p:spPr>
+          <a:xfrm>
+            <a:off x="3805956" y="4550790"/>
+            <a:ext cx="360000" cy="360000"/>
+          </a:xfrm>
+          <a:prstGeom prst="ellipse">
+            <a:avLst/>
+          </a:prstGeom>
+          <a:solidFill>
+            <a:schemeClr val="accent2"/>
+          </a:solidFill>
+          <a:ln>
+            <a:noFill/>
+          </a:ln>
+          <a:effectLst>
+            <a:outerShdw blurRad="63500" sx="120000" sy="120000" algn="ctr" rotWithShape="0">
+              <a:schemeClr val="bg1">
+                <a:alpha val="50000"/>
+              </a:schemeClr>
+            </a:outerShdw>
+          </a:effectLst>
+        </p:spPr>
+        <p:style>
+          <a:lnRef idx="2">
+            <a:schemeClr val="accent1">
+              <a:shade val="15000"/>
+            </a:schemeClr>
+          </a:lnRef>
+          <a:fillRef idx="1">
+            <a:schemeClr val="accent1"/>
+          </a:fillRef>
+          <a:effectRef idx="0">
+            <a:schemeClr val="accent1"/>
+          </a:effectRef>
+          <a:fontRef idx="minor">
+            <a:schemeClr val="lt1"/>
+          </a:fontRef>
+        </p:style>
+        <p:txBody>
+          <a:bodyPr rtlCol="0" anchor="ctr"/>
+          <a:lstStyle/>
+          <a:p>
+            <a:pPr algn="ctr"/>
+            <a:endParaRPr kumimoji="1" lang="ja-JP" altLang="en-US" dirty="0"/>
+          </a:p>
+        </p:txBody>
+      </p:sp>
+      <p:sp>
+        <p:nvSpPr>
+          <p:cNvPr id="30" name="楕円 29">
+            <a:extLst>
+              <a:ext uri="{FF2B5EF4-FFF2-40B4-BE49-F238E27FC236}">
+                <a16:creationId xmlns:a16="http://schemas.microsoft.com/office/drawing/2014/main" id="{BCC39BA1-5E46-AB8A-415E-0E542AFC8EBE}"/>
+              </a:ext>
+            </a:extLst>
+          </p:cNvPr>
+          <p:cNvSpPr/>
+          <p:nvPr/>
+        </p:nvSpPr>
+        <p:spPr>
+          <a:xfrm>
+            <a:off x="3479531" y="3304646"/>
+            <a:ext cx="360000" cy="360000"/>
+          </a:xfrm>
+          <a:prstGeom prst="ellipse">
+            <a:avLst/>
+          </a:prstGeom>
+          <a:solidFill>
+            <a:schemeClr val="accent2"/>
+          </a:solidFill>
+          <a:ln>
+            <a:noFill/>
+          </a:ln>
+          <a:effectLst>
+            <a:outerShdw blurRad="63500" sx="120000" sy="120000" algn="ctr" rotWithShape="0">
+              <a:schemeClr val="bg1">
+                <a:alpha val="50000"/>
+              </a:schemeClr>
+            </a:outerShdw>
+          </a:effectLst>
+        </p:spPr>
+        <p:style>
+          <a:lnRef idx="2">
+            <a:schemeClr val="accent1">
+              <a:shade val="15000"/>
+            </a:schemeClr>
+          </a:lnRef>
+          <a:fillRef idx="1">
+            <a:schemeClr val="accent1"/>
+          </a:fillRef>
+          <a:effectRef idx="0">
+            <a:schemeClr val="accent1"/>
+          </a:effectRef>
+          <a:fontRef idx="minor">
+            <a:schemeClr val="lt1"/>
+          </a:fontRef>
+        </p:style>
+        <p:txBody>
+          <a:bodyPr rtlCol="0" anchor="ctr"/>
+          <a:lstStyle/>
+          <a:p>
+            <a:pPr algn="ctr"/>
+            <a:endParaRPr kumimoji="1" lang="ja-JP" altLang="en-US" dirty="0"/>
+          </a:p>
+        </p:txBody>
+      </p:sp>
+      <p:sp>
+        <p:nvSpPr>
+          <p:cNvPr id="31" name="楕円 30">
+            <a:extLst>
+              <a:ext uri="{FF2B5EF4-FFF2-40B4-BE49-F238E27FC236}">
+                <a16:creationId xmlns:a16="http://schemas.microsoft.com/office/drawing/2014/main" id="{3AFC865C-1DC8-AEB1-B71D-59C22E529CFD}"/>
+              </a:ext>
+            </a:extLst>
+          </p:cNvPr>
+          <p:cNvSpPr/>
+          <p:nvPr/>
+        </p:nvSpPr>
+        <p:spPr>
+          <a:xfrm>
+            <a:off x="3805956" y="2009977"/>
+            <a:ext cx="360000" cy="360000"/>
+          </a:xfrm>
+          <a:prstGeom prst="ellipse">
+            <a:avLst/>
+          </a:prstGeom>
+          <a:solidFill>
+            <a:schemeClr val="accent2"/>
+          </a:solidFill>
+          <a:ln>
+            <a:noFill/>
+          </a:ln>
+          <a:effectLst>
+            <a:outerShdw blurRad="63500" sx="120000" sy="120000" algn="ctr" rotWithShape="0">
+              <a:schemeClr val="bg1">
+                <a:alpha val="50000"/>
+              </a:schemeClr>
+            </a:outerShdw>
+          </a:effectLst>
+        </p:spPr>
+        <p:style>
+          <a:lnRef idx="2">
+            <a:schemeClr val="accent1">
+              <a:shade val="15000"/>
+            </a:schemeClr>
+          </a:lnRef>
+          <a:fillRef idx="1">
+            <a:schemeClr val="accent1"/>
+          </a:fillRef>
+          <a:effectRef idx="0">
+            <a:schemeClr val="accent1"/>
+          </a:effectRef>
+          <a:fontRef idx="minor">
+            <a:schemeClr val="lt1"/>
+          </a:fontRef>
+        </p:style>
+        <p:txBody>
+          <a:bodyPr rtlCol="0" anchor="ctr"/>
+          <a:lstStyle/>
+          <a:p>
+            <a:pPr algn="ctr"/>
+            <a:endParaRPr kumimoji="1" lang="ja-JP" altLang="en-US" dirty="0"/>
+          </a:p>
+        </p:txBody>
+      </p:sp>
+      <p:sp>
+        <p:nvSpPr>
+          <p:cNvPr id="32" name="楕円 31">
+            <a:extLst>
+              <a:ext uri="{FF2B5EF4-FFF2-40B4-BE49-F238E27FC236}">
+                <a16:creationId xmlns:a16="http://schemas.microsoft.com/office/drawing/2014/main" id="{8CE9DA3F-9CBD-8DF7-34D0-7DE29CD30E5A}"/>
+              </a:ext>
+            </a:extLst>
+          </p:cNvPr>
+          <p:cNvSpPr/>
+          <p:nvPr/>
+        </p:nvSpPr>
+        <p:spPr>
+          <a:xfrm>
+            <a:off x="4671922" y="1101009"/>
+            <a:ext cx="360000" cy="360000"/>
+          </a:xfrm>
+          <a:prstGeom prst="ellipse">
+            <a:avLst/>
+          </a:prstGeom>
+          <a:solidFill>
+            <a:schemeClr val="accent2"/>
+          </a:solidFill>
+          <a:ln>
+            <a:noFill/>
+          </a:ln>
+          <a:effectLst>
+            <a:outerShdw blurRad="63500" sx="120000" sy="120000" algn="ctr" rotWithShape="0">
+              <a:schemeClr val="bg1">
+                <a:alpha val="50000"/>
+              </a:schemeClr>
+            </a:outerShdw>
+          </a:effectLst>
+        </p:spPr>
+        <p:style>
+          <a:lnRef idx="2">
+            <a:schemeClr val="accent1">
+              <a:shade val="15000"/>
+            </a:schemeClr>
+          </a:lnRef>
+          <a:fillRef idx="1">
+            <a:schemeClr val="accent1"/>
+          </a:fillRef>
+          <a:effectRef idx="0">
+            <a:schemeClr val="accent1"/>
+          </a:effectRef>
+          <a:fontRef idx="minor">
+            <a:schemeClr val="lt1"/>
+          </a:fontRef>
+        </p:style>
+        <p:txBody>
+          <a:bodyPr rtlCol="0" anchor="ctr"/>
+          <a:lstStyle/>
+          <a:p>
+            <a:pPr algn="ctr"/>
+            <a:endParaRPr kumimoji="1" lang="ja-JP" altLang="en-US" dirty="0"/>
+          </a:p>
+        </p:txBody>
+      </p:sp>
       <p:pic>
         <p:nvPicPr>
-          <p:cNvPr id="6" name="図 5" descr="アイコン&#10;&#10;自動的に生成された説明">
-            <a:extLst>
-              <a:ext uri="{FF2B5EF4-FFF2-40B4-BE49-F238E27FC236}">
-                <a16:creationId xmlns:a16="http://schemas.microsoft.com/office/drawing/2014/main" id="{15D56043-DD87-159B-AB09-12DA4F0BC5DB}"/>
+          <p:cNvPr id="34" name="図 33" descr="アイコン&#10;&#10;自動的に生成された説明">
+            <a:extLst>
+              <a:ext uri="{FF2B5EF4-FFF2-40B4-BE49-F238E27FC236}">
+                <a16:creationId xmlns:a16="http://schemas.microsoft.com/office/drawing/2014/main" id="{6290A8BA-1723-E73C-A5AE-DA79882AA700}"/>
               </a:ext>
             </a:extLst>
           </p:cNvPr>
@@ -9802,7 +9451,7 @@
           <p:nvPr/>
         </p:nvPicPr>
         <p:blipFill>
-          <a:blip r:embed="rId5">
+          <a:blip r:embed="rId4">
             <a:extLst>
               <a:ext uri="{28A0092B-C50C-407E-A947-70E740481C1C}">
                 <a14:useLocalDpi xmlns:a14="http://schemas.microsoft.com/office/drawing/2010/main" val="0"/>
@@ -9815,7 +9464,7 @@
         </p:blipFill>
         <p:spPr>
           <a:xfrm>
-            <a:off x="3535956" y="4280790"/>
+            <a:off x="6863828" y="831009"/>
             <a:ext cx="900000" cy="900000"/>
           </a:xfrm>
           <a:prstGeom prst="rect">
@@ -9825,10 +9474,10 @@
       </p:pic>
       <p:pic>
         <p:nvPicPr>
-          <p:cNvPr id="11" name="図 10" descr="アイコン&#10;&#10;自動的に生成された説明">
-            <a:extLst>
-              <a:ext uri="{FF2B5EF4-FFF2-40B4-BE49-F238E27FC236}">
-                <a16:creationId xmlns:a16="http://schemas.microsoft.com/office/drawing/2014/main" id="{C98F3B5F-E33E-25F4-266C-DFD2A88AFB42}"/>
+          <p:cNvPr id="38" name="図 37" descr="アイコン&#10;&#10;自動的に生成された説明">
+            <a:extLst>
+              <a:ext uri="{FF2B5EF4-FFF2-40B4-BE49-F238E27FC236}">
+                <a16:creationId xmlns:a16="http://schemas.microsoft.com/office/drawing/2014/main" id="{B7C2D3CF-756E-77E4-143F-21203E38BA39}"/>
               </a:ext>
             </a:extLst>
           </p:cNvPr>
@@ -9838,7 +9487,7 @@
           <p:nvPr/>
         </p:nvPicPr>
         <p:blipFill>
-          <a:blip r:embed="rId6">
+          <a:blip r:embed="rId5">
             <a:extLst>
               <a:ext uri="{28A0092B-C50C-407E-A947-70E740481C1C}">
                 <a14:useLocalDpi xmlns:a14="http://schemas.microsoft.com/office/drawing/2010/main" val="0"/>
@@ -9851,7 +9500,295 @@
         </p:blipFill>
         <p:spPr>
           <a:xfrm>
-            <a:off x="7763828" y="1743749"/>
+            <a:off x="8082470" y="3034646"/>
+            <a:ext cx="900000" cy="900000"/>
+          </a:xfrm>
+          <a:prstGeom prst="rect">
+            <a:avLst/>
+          </a:prstGeom>
+        </p:spPr>
+      </p:pic>
+      <p:pic>
+        <p:nvPicPr>
+          <p:cNvPr id="42" name="図 41" descr="アイコン&#10;&#10;自動的に生成された説明">
+            <a:extLst>
+              <a:ext uri="{FF2B5EF4-FFF2-40B4-BE49-F238E27FC236}">
+                <a16:creationId xmlns:a16="http://schemas.microsoft.com/office/drawing/2014/main" id="{0DFFD2A6-E994-3537-9841-8EA76FC49B84}"/>
+              </a:ext>
+            </a:extLst>
+          </p:cNvPr>
+          <p:cNvPicPr>
+            <a:picLocks noChangeAspect="1"/>
+          </p:cNvPicPr>
+          <p:nvPr/>
+        </p:nvPicPr>
+        <p:blipFill>
+          <a:blip r:embed="rId6">
+            <a:extLst>
+              <a:ext uri="{28A0092B-C50C-407E-A947-70E740481C1C}">
+                <a14:useLocalDpi xmlns:a14="http://schemas.microsoft.com/office/drawing/2010/main" val="0"/>
+              </a:ext>
+            </a:extLst>
+          </a:blip>
+          <a:stretch>
+            <a:fillRect/>
+          </a:stretch>
+        </p:blipFill>
+        <p:spPr>
+          <a:xfrm>
+            <a:off x="7763828" y="1739977"/>
+            <a:ext cx="900000" cy="900000"/>
+          </a:xfrm>
+          <a:prstGeom prst="rect">
+            <a:avLst/>
+          </a:prstGeom>
+        </p:spPr>
+      </p:pic>
+      <p:pic>
+        <p:nvPicPr>
+          <p:cNvPr id="44" name="図 43" descr="ボール, テーブル, 挿絵 が含まれている画像&#10;&#10;自動的に生成された説明">
+            <a:extLst>
+              <a:ext uri="{FF2B5EF4-FFF2-40B4-BE49-F238E27FC236}">
+                <a16:creationId xmlns:a16="http://schemas.microsoft.com/office/drawing/2014/main" id="{EDCD658B-7128-159C-C680-01EC132E95DD}"/>
+              </a:ext>
+            </a:extLst>
+          </p:cNvPr>
+          <p:cNvPicPr>
+            <a:picLocks noChangeAspect="1"/>
+          </p:cNvPicPr>
+          <p:nvPr/>
+        </p:nvPicPr>
+        <p:blipFill>
+          <a:blip r:embed="rId7">
+            <a:extLst>
+              <a:ext uri="{28A0092B-C50C-407E-A947-70E740481C1C}">
+                <a14:useLocalDpi xmlns:a14="http://schemas.microsoft.com/office/drawing/2010/main" val="0"/>
+              </a:ext>
+            </a:extLst>
+          </a:blip>
+          <a:stretch>
+            <a:fillRect/>
+          </a:stretch>
+        </p:blipFill>
+        <p:spPr>
+          <a:xfrm>
+            <a:off x="6863828" y="5173422"/>
+            <a:ext cx="900000" cy="900000"/>
+          </a:xfrm>
+          <a:prstGeom prst="rect">
+            <a:avLst/>
+          </a:prstGeom>
+        </p:spPr>
+      </p:pic>
+      <p:pic>
+        <p:nvPicPr>
+          <p:cNvPr id="46" name="図 45" descr="アイコン&#10;&#10;自動的に生成された説明">
+            <a:extLst>
+              <a:ext uri="{FF2B5EF4-FFF2-40B4-BE49-F238E27FC236}">
+                <a16:creationId xmlns:a16="http://schemas.microsoft.com/office/drawing/2014/main" id="{7FAF2A66-EF4F-FE5B-73F0-242A556E56EC}"/>
+              </a:ext>
+            </a:extLst>
+          </p:cNvPr>
+          <p:cNvPicPr>
+            <a:picLocks noChangeAspect="1"/>
+          </p:cNvPicPr>
+          <p:nvPr/>
+        </p:nvPicPr>
+        <p:blipFill>
+          <a:blip r:embed="rId8">
+            <a:extLst>
+              <a:ext uri="{28A0092B-C50C-407E-A947-70E740481C1C}">
+                <a14:useLocalDpi xmlns:a14="http://schemas.microsoft.com/office/drawing/2010/main" val="0"/>
+              </a:ext>
+            </a:extLst>
+          </a:blip>
+          <a:stretch>
+            <a:fillRect/>
+          </a:stretch>
+        </p:blipFill>
+        <p:spPr>
+          <a:xfrm>
+            <a:off x="5646000" y="5498740"/>
+            <a:ext cx="900000" cy="900000"/>
+          </a:xfrm>
+          <a:prstGeom prst="rect">
+            <a:avLst/>
+          </a:prstGeom>
+        </p:spPr>
+      </p:pic>
+      <p:pic>
+        <p:nvPicPr>
+          <p:cNvPr id="49" name="図 48" descr="アイコン&#10;&#10;自動的に生成された説明">
+            <a:extLst>
+              <a:ext uri="{FF2B5EF4-FFF2-40B4-BE49-F238E27FC236}">
+                <a16:creationId xmlns:a16="http://schemas.microsoft.com/office/drawing/2014/main" id="{F5B05EE8-7F82-95AD-95DD-D183EE3E0235}"/>
+              </a:ext>
+            </a:extLst>
+          </p:cNvPr>
+          <p:cNvPicPr>
+            <a:picLocks noChangeAspect="1"/>
+          </p:cNvPicPr>
+          <p:nvPr/>
+        </p:nvPicPr>
+        <p:blipFill>
+          <a:blip r:embed="rId9">
+            <a:extLst>
+              <a:ext uri="{28A0092B-C50C-407E-A947-70E740481C1C}">
+                <a14:useLocalDpi xmlns:a14="http://schemas.microsoft.com/office/drawing/2010/main" val="0"/>
+              </a:ext>
+            </a:extLst>
+          </a:blip>
+          <a:stretch>
+            <a:fillRect/>
+          </a:stretch>
+        </p:blipFill>
+        <p:spPr>
+          <a:xfrm>
+            <a:off x="4422142" y="5180790"/>
+            <a:ext cx="900000" cy="900000"/>
+          </a:xfrm>
+          <a:prstGeom prst="rect">
+            <a:avLst/>
+          </a:prstGeom>
+        </p:spPr>
+      </p:pic>
+      <p:pic>
+        <p:nvPicPr>
+          <p:cNvPr id="51" name="図 50" descr="アイコン&#10;&#10;自動的に生成された説明">
+            <a:extLst>
+              <a:ext uri="{FF2B5EF4-FFF2-40B4-BE49-F238E27FC236}">
+                <a16:creationId xmlns:a16="http://schemas.microsoft.com/office/drawing/2014/main" id="{CBE5F4B2-1F73-4E38-ED52-C91DED7960D7}"/>
+              </a:ext>
+            </a:extLst>
+          </p:cNvPr>
+          <p:cNvPicPr>
+            <a:picLocks noChangeAspect="1"/>
+          </p:cNvPicPr>
+          <p:nvPr/>
+        </p:nvPicPr>
+        <p:blipFill>
+          <a:blip r:embed="rId10">
+            <a:extLst>
+              <a:ext uri="{28A0092B-C50C-407E-A947-70E740481C1C}">
+                <a14:useLocalDpi xmlns:a14="http://schemas.microsoft.com/office/drawing/2010/main" val="0"/>
+              </a:ext>
+            </a:extLst>
+          </a:blip>
+          <a:stretch>
+            <a:fillRect/>
+          </a:stretch>
+        </p:blipFill>
+        <p:spPr>
+          <a:xfrm>
+            <a:off x="3535956" y="4280790"/>
+            <a:ext cx="900000" cy="900000"/>
+          </a:xfrm>
+          <a:prstGeom prst="rect">
+            <a:avLst/>
+          </a:prstGeom>
+        </p:spPr>
+      </p:pic>
+      <p:pic>
+        <p:nvPicPr>
+          <p:cNvPr id="53" name="図 52" descr="ロゴ, アイコン&#10;&#10;自動的に生成された説明">
+            <a:extLst>
+              <a:ext uri="{FF2B5EF4-FFF2-40B4-BE49-F238E27FC236}">
+                <a16:creationId xmlns:a16="http://schemas.microsoft.com/office/drawing/2014/main" id="{1D015321-8B1D-427D-C08F-D7D6F77A7BCC}"/>
+              </a:ext>
+            </a:extLst>
+          </p:cNvPr>
+          <p:cNvPicPr>
+            <a:picLocks noChangeAspect="1"/>
+          </p:cNvPicPr>
+          <p:nvPr/>
+        </p:nvPicPr>
+        <p:blipFill>
+          <a:blip r:embed="rId11">
+            <a:extLst>
+              <a:ext uri="{28A0092B-C50C-407E-A947-70E740481C1C}">
+                <a14:useLocalDpi xmlns:a14="http://schemas.microsoft.com/office/drawing/2010/main" val="0"/>
+              </a:ext>
+            </a:extLst>
+          </a:blip>
+          <a:stretch>
+            <a:fillRect/>
+          </a:stretch>
+        </p:blipFill>
+        <p:spPr>
+          <a:xfrm>
+            <a:off x="3209531" y="3034646"/>
+            <a:ext cx="900000" cy="900000"/>
+          </a:xfrm>
+          <a:prstGeom prst="rect">
+            <a:avLst/>
+          </a:prstGeom>
+        </p:spPr>
+      </p:pic>
+      <p:pic>
+        <p:nvPicPr>
+          <p:cNvPr id="55" name="図 54" descr="ウィンドウ が含まれている画像&#10;&#10;自動的に生成された説明">
+            <a:extLst>
+              <a:ext uri="{FF2B5EF4-FFF2-40B4-BE49-F238E27FC236}">
+                <a16:creationId xmlns:a16="http://schemas.microsoft.com/office/drawing/2014/main" id="{8096D128-5585-20CA-B3C0-F4731F9A21B3}"/>
+              </a:ext>
+            </a:extLst>
+          </p:cNvPr>
+          <p:cNvPicPr>
+            <a:picLocks noChangeAspect="1"/>
+          </p:cNvPicPr>
+          <p:nvPr/>
+        </p:nvPicPr>
+        <p:blipFill>
+          <a:blip r:embed="rId12">
+            <a:extLst>
+              <a:ext uri="{28A0092B-C50C-407E-A947-70E740481C1C}">
+                <a14:useLocalDpi xmlns:a14="http://schemas.microsoft.com/office/drawing/2010/main" val="0"/>
+              </a:ext>
+            </a:extLst>
+          </a:blip>
+          <a:stretch>
+            <a:fillRect/>
+          </a:stretch>
+        </p:blipFill>
+        <p:spPr>
+          <a:xfrm>
+            <a:off x="3535956" y="1741813"/>
+            <a:ext cx="900000" cy="900000"/>
+          </a:xfrm>
+          <a:prstGeom prst="rect">
+            <a:avLst/>
+          </a:prstGeom>
+        </p:spPr>
+      </p:pic>
+      <p:pic>
+        <p:nvPicPr>
+          <p:cNvPr id="57" name="図 56" descr="アイコン&#10;&#10;自動的に生成された説明">
+            <a:extLst>
+              <a:ext uri="{FF2B5EF4-FFF2-40B4-BE49-F238E27FC236}">
+                <a16:creationId xmlns:a16="http://schemas.microsoft.com/office/drawing/2014/main" id="{A233CFBC-C983-3A88-DB86-F743F9786EE3}"/>
+              </a:ext>
+            </a:extLst>
+          </p:cNvPr>
+          <p:cNvPicPr>
+            <a:picLocks noChangeAspect="1"/>
+          </p:cNvPicPr>
+          <p:nvPr/>
+        </p:nvPicPr>
+        <p:blipFill>
+          <a:blip r:embed="rId13">
+            <a:extLst>
+              <a:ext uri="{28A0092B-C50C-407E-A947-70E740481C1C}">
+                <a14:useLocalDpi xmlns:a14="http://schemas.microsoft.com/office/drawing/2010/main" val="0"/>
+              </a:ext>
+            </a:extLst>
+          </a:blip>
+          <a:stretch>
+            <a:fillRect/>
+          </a:stretch>
+        </p:blipFill>
+        <p:spPr>
+          <a:xfrm>
+            <a:off x="4410912" y="831009"/>
             <a:ext cx="900000" cy="900000"/>
           </a:xfrm>
           <a:prstGeom prst="rect">
@@ -9862,7 +9799,7 @@
     </p:spTree>
     <p:extLst>
       <p:ext uri="{BB962C8B-B14F-4D97-AF65-F5344CB8AC3E}">
-        <p14:creationId xmlns:p14="http://schemas.microsoft.com/office/powerpoint/2010/main" val="2217362016"/>
+        <p14:creationId xmlns:p14="http://schemas.microsoft.com/office/powerpoint/2010/main" val="2912684426"/>
       </p:ext>
     </p:extLst>
   </p:cSld>
@@ -9889,12 +9826,48 @@
           <a:chExt cx="0" cy="0"/>
         </a:xfrm>
       </p:grpSpPr>
-      <p:sp>
-        <p:nvSpPr>
-          <p:cNvPr id="4" name="正方形/長方形 3">
-            <a:extLst>
-              <a:ext uri="{FF2B5EF4-FFF2-40B4-BE49-F238E27FC236}">
-                <a16:creationId xmlns:a16="http://schemas.microsoft.com/office/drawing/2014/main" id="{9DAD49F3-8F5D-20A2-1EB4-48C6DAF5C4DB}"/>
+      <p:pic>
+        <p:nvPicPr>
+          <p:cNvPr id="2" name="図 1" descr="ロゴ, アイコン&#10;&#10;中程度の精度で自動的に生成された説明">
+            <a:extLst>
+              <a:ext uri="{FF2B5EF4-FFF2-40B4-BE49-F238E27FC236}">
+                <a16:creationId xmlns:a16="http://schemas.microsoft.com/office/drawing/2014/main" id="{A29C39F6-FBBC-C9F5-F5D2-189E8CA9D91F}"/>
+              </a:ext>
+            </a:extLst>
+          </p:cNvPr>
+          <p:cNvPicPr>
+            <a:picLocks noChangeAspect="1"/>
+          </p:cNvPicPr>
+          <p:nvPr/>
+        </p:nvPicPr>
+        <p:blipFill>
+          <a:blip r:embed="rId2">
+            <a:extLst>
+              <a:ext uri="{28A0092B-C50C-407E-A947-70E740481C1C}">
+                <a14:useLocalDpi xmlns:a14="http://schemas.microsoft.com/office/drawing/2010/main" val="0"/>
+              </a:ext>
+            </a:extLst>
+          </a:blip>
+          <a:stretch>
+            <a:fillRect/>
+          </a:stretch>
+        </p:blipFill>
+        <p:spPr>
+          <a:xfrm>
+            <a:off x="2667000" y="0"/>
+            <a:ext cx="6858000" cy="6858000"/>
+          </a:xfrm>
+          <a:prstGeom prst="rect">
+            <a:avLst/>
+          </a:prstGeom>
+        </p:spPr>
+      </p:pic>
+      <p:sp>
+        <p:nvSpPr>
+          <p:cNvPr id="13" name="楕円 12">
+            <a:extLst>
+              <a:ext uri="{FF2B5EF4-FFF2-40B4-BE49-F238E27FC236}">
+                <a16:creationId xmlns:a16="http://schemas.microsoft.com/office/drawing/2014/main" id="{5547860F-971C-43AF-1A58-86443DC1817B}"/>
               </a:ext>
             </a:extLst>
           </p:cNvPr>
@@ -9903,20 +9876,25 @@
         </p:nvSpPr>
         <p:spPr>
           <a:xfrm>
-            <a:off x="0" y="0"/>
-            <a:ext cx="12192000" cy="6858000"/>
-          </a:xfrm>
-          <a:prstGeom prst="rect">
+            <a:off x="8033828" y="2013749"/>
+            <a:ext cx="360000" cy="360000"/>
+          </a:xfrm>
+          <a:prstGeom prst="ellipse">
             <a:avLst/>
           </a:prstGeom>
           <a:solidFill>
-            <a:srgbClr val="FEE356"/>
+            <a:schemeClr val="accent2"/>
           </a:solidFill>
           <a:ln>
-            <a:solidFill>
-              <a:srgbClr val="EDE6EC"/>
-            </a:solidFill>
+            <a:noFill/>
           </a:ln>
+          <a:effectLst>
+            <a:outerShdw blurRad="63500" sx="120000" sy="120000" algn="ctr" rotWithShape="0">
+              <a:schemeClr val="bg1">
+                <a:alpha val="50000"/>
+              </a:schemeClr>
+            </a:outerShdw>
+          </a:effectLst>
         </p:spPr>
         <p:style>
           <a:lnRef idx="2">
@@ -9939,52 +9917,16 @@
           <a:lstStyle/>
           <a:p>
             <a:pPr algn="ctr"/>
-            <a:endParaRPr kumimoji="1" lang="ja-JP" altLang="en-US"/>
-          </a:p>
-        </p:txBody>
-      </p:sp>
-      <p:pic>
-        <p:nvPicPr>
-          <p:cNvPr id="3" name="図 2" descr="輸送, ホイール が含まれている画像&#10;&#10;自動的に生成された説明">
-            <a:extLst>
-              <a:ext uri="{FF2B5EF4-FFF2-40B4-BE49-F238E27FC236}">
-                <a16:creationId xmlns:a16="http://schemas.microsoft.com/office/drawing/2014/main" id="{20F4C94D-6ABA-9592-FB39-FADE0BB47679}"/>
-              </a:ext>
-            </a:extLst>
-          </p:cNvPr>
-          <p:cNvPicPr>
-            <a:picLocks noChangeAspect="1"/>
-          </p:cNvPicPr>
-          <p:nvPr/>
-        </p:nvPicPr>
-        <p:blipFill>
-          <a:blip r:embed="rId2">
-            <a:extLst>
-              <a:ext uri="{28A0092B-C50C-407E-A947-70E740481C1C}">
-                <a14:useLocalDpi xmlns:a14="http://schemas.microsoft.com/office/drawing/2010/main" val="0"/>
-              </a:ext>
-            </a:extLst>
-          </a:blip>
-          <a:stretch>
-            <a:fillRect/>
-          </a:stretch>
-        </p:blipFill>
-        <p:spPr>
-          <a:xfrm>
-            <a:off x="2667000" y="0"/>
-            <a:ext cx="6858000" cy="6858000"/>
-          </a:xfrm>
-          <a:prstGeom prst="rect">
-            <a:avLst/>
-          </a:prstGeom>
-        </p:spPr>
-      </p:pic>
-      <p:sp>
-        <p:nvSpPr>
-          <p:cNvPr id="6" name="正方形/長方形 5">
-            <a:extLst>
-              <a:ext uri="{FF2B5EF4-FFF2-40B4-BE49-F238E27FC236}">
-                <a16:creationId xmlns:a16="http://schemas.microsoft.com/office/drawing/2014/main" id="{930F9614-CF71-FD4A-07E5-AE4934B9B9B0}"/>
+            <a:endParaRPr kumimoji="1" lang="ja-JP" altLang="en-US" dirty="0"/>
+          </a:p>
+        </p:txBody>
+      </p:sp>
+      <p:sp>
+        <p:nvSpPr>
+          <p:cNvPr id="21" name="楕円 20">
+            <a:extLst>
+              <a:ext uri="{FF2B5EF4-FFF2-40B4-BE49-F238E27FC236}">
+                <a16:creationId xmlns:a16="http://schemas.microsoft.com/office/drawing/2014/main" id="{6F48AEC4-4965-D602-F4DF-A058A555B3A4}"/>
               </a:ext>
             </a:extLst>
           </p:cNvPr>
@@ -9993,15 +9935,25 @@
         </p:nvSpPr>
         <p:spPr>
           <a:xfrm>
-            <a:off x="2496000" y="-171000"/>
-            <a:ext cx="7200000" cy="7200000"/>
-          </a:xfrm>
-          <a:prstGeom prst="rect">
-            <a:avLst/>
-          </a:prstGeom>
+            <a:off x="7133828" y="5445082"/>
+            <a:ext cx="360000" cy="360000"/>
+          </a:xfrm>
+          <a:prstGeom prst="ellipse">
+            <a:avLst/>
+          </a:prstGeom>
+          <a:solidFill>
+            <a:schemeClr val="accent2"/>
+          </a:solidFill>
           <a:ln>
             <a:noFill/>
           </a:ln>
+          <a:effectLst>
+            <a:outerShdw blurRad="63500" sx="120000" sy="120000" algn="ctr" rotWithShape="0">
+              <a:schemeClr val="bg1">
+                <a:alpha val="50000"/>
+              </a:schemeClr>
+            </a:outerShdw>
+          </a:effectLst>
         </p:spPr>
         <p:style>
           <a:lnRef idx="2">
@@ -10024,16 +9976,52 @@
           <a:lstStyle/>
           <a:p>
             <a:pPr algn="ctr"/>
-            <a:endParaRPr kumimoji="1" lang="ja-JP" altLang="en-US"/>
-          </a:p>
-        </p:txBody>
-      </p:sp>
-      <p:sp>
-        <p:nvSpPr>
-          <p:cNvPr id="5" name="アーチ 4">
-            <a:extLst>
-              <a:ext uri="{FF2B5EF4-FFF2-40B4-BE49-F238E27FC236}">
-                <a16:creationId xmlns:a16="http://schemas.microsoft.com/office/drawing/2014/main" id="{1E21266E-6B0D-F7D4-2929-CB7AD7204355}"/>
+            <a:endParaRPr kumimoji="1" lang="ja-JP" altLang="en-US" dirty="0"/>
+          </a:p>
+        </p:txBody>
+      </p:sp>
+      <p:pic>
+        <p:nvPicPr>
+          <p:cNvPr id="5" name="図 4" descr="アイコン&#10;&#10;自動的に生成された説明">
+            <a:extLst>
+              <a:ext uri="{FF2B5EF4-FFF2-40B4-BE49-F238E27FC236}">
+                <a16:creationId xmlns:a16="http://schemas.microsoft.com/office/drawing/2014/main" id="{0ECE3EE3-E476-4C06-48D8-C19D5178E1C5}"/>
+              </a:ext>
+            </a:extLst>
+          </p:cNvPr>
+          <p:cNvPicPr>
+            <a:picLocks noChangeAspect="1"/>
+          </p:cNvPicPr>
+          <p:nvPr/>
+        </p:nvPicPr>
+        <p:blipFill>
+          <a:blip r:embed="rId3">
+            <a:extLst>
+              <a:ext uri="{28A0092B-C50C-407E-A947-70E740481C1C}">
+                <a14:useLocalDpi xmlns:a14="http://schemas.microsoft.com/office/drawing/2010/main" val="0"/>
+              </a:ext>
+            </a:extLst>
+          </a:blip>
+          <a:stretch>
+            <a:fillRect/>
+          </a:stretch>
+        </p:blipFill>
+        <p:spPr>
+          <a:xfrm>
+            <a:off x="6856046" y="5180790"/>
+            <a:ext cx="900000" cy="900000"/>
+          </a:xfrm>
+          <a:prstGeom prst="rect">
+            <a:avLst/>
+          </a:prstGeom>
+        </p:spPr>
+      </p:pic>
+      <p:sp>
+        <p:nvSpPr>
+          <p:cNvPr id="28" name="楕円 27">
+            <a:extLst>
+              <a:ext uri="{FF2B5EF4-FFF2-40B4-BE49-F238E27FC236}">
+                <a16:creationId xmlns:a16="http://schemas.microsoft.com/office/drawing/2014/main" id="{48906328-175E-D5E5-5A08-AC39FE62AE62}"/>
               </a:ext>
             </a:extLst>
           </p:cNvPr>
@@ -10042,22 +10030,25 @@
         </p:nvSpPr>
         <p:spPr>
           <a:xfrm>
-            <a:off x="2856000" y="189000"/>
-            <a:ext cx="6480000" cy="6480000"/>
-          </a:xfrm>
-          <a:prstGeom prst="blockArc">
-            <a:avLst>
-              <a:gd name="adj1" fmla="val 16954500"/>
-              <a:gd name="adj2" fmla="val 18909981"/>
-              <a:gd name="adj3" fmla="val 23314"/>
-            </a:avLst>
-          </a:prstGeom>
-          <a:noFill/>
-          <a:ln w="127000">
-            <a:solidFill>
-              <a:schemeClr val="accent4"/>
-            </a:solidFill>
+            <a:off x="3805956" y="4550790"/>
+            <a:ext cx="360000" cy="360000"/>
+          </a:xfrm>
+          <a:prstGeom prst="ellipse">
+            <a:avLst/>
+          </a:prstGeom>
+          <a:solidFill>
+            <a:schemeClr val="accent2"/>
+          </a:solidFill>
+          <a:ln>
+            <a:noFill/>
           </a:ln>
+          <a:effectLst>
+            <a:outerShdw blurRad="63500" sx="120000" sy="120000" algn="ctr" rotWithShape="0">
+              <a:schemeClr val="bg1">
+                <a:alpha val="50000"/>
+              </a:schemeClr>
+            </a:outerShdw>
+          </a:effectLst>
         </p:spPr>
         <p:style>
           <a:lnRef idx="2">
@@ -10080,18 +10071,181 @@
           <a:lstStyle/>
           <a:p>
             <a:pPr algn="ctr"/>
-            <a:endParaRPr kumimoji="1" lang="ja-JP" altLang="en-US">
-              <a:solidFill>
-                <a:schemeClr val="tx1"/>
-              </a:solidFill>
-            </a:endParaRPr>
-          </a:p>
-        </p:txBody>
-      </p:sp>
+            <a:endParaRPr kumimoji="1" lang="ja-JP" altLang="en-US" dirty="0"/>
+          </a:p>
+        </p:txBody>
+      </p:sp>
+      <p:sp>
+        <p:nvSpPr>
+          <p:cNvPr id="32" name="楕円 31">
+            <a:extLst>
+              <a:ext uri="{FF2B5EF4-FFF2-40B4-BE49-F238E27FC236}">
+                <a16:creationId xmlns:a16="http://schemas.microsoft.com/office/drawing/2014/main" id="{8CE9DA3F-9CBD-8DF7-34D0-7DE29CD30E5A}"/>
+              </a:ext>
+            </a:extLst>
+          </p:cNvPr>
+          <p:cNvSpPr/>
+          <p:nvPr/>
+        </p:nvSpPr>
+        <p:spPr>
+          <a:xfrm>
+            <a:off x="4671922" y="1101009"/>
+            <a:ext cx="360000" cy="360000"/>
+          </a:xfrm>
+          <a:prstGeom prst="ellipse">
+            <a:avLst/>
+          </a:prstGeom>
+          <a:solidFill>
+            <a:schemeClr val="accent2"/>
+          </a:solidFill>
+          <a:ln>
+            <a:noFill/>
+          </a:ln>
+          <a:effectLst>
+            <a:outerShdw blurRad="63500" sx="120000" sy="120000" algn="ctr" rotWithShape="0">
+              <a:schemeClr val="bg1">
+                <a:alpha val="50000"/>
+              </a:schemeClr>
+            </a:outerShdw>
+          </a:effectLst>
+        </p:spPr>
+        <p:style>
+          <a:lnRef idx="2">
+            <a:schemeClr val="accent1">
+              <a:shade val="15000"/>
+            </a:schemeClr>
+          </a:lnRef>
+          <a:fillRef idx="1">
+            <a:schemeClr val="accent1"/>
+          </a:fillRef>
+          <a:effectRef idx="0">
+            <a:schemeClr val="accent1"/>
+          </a:effectRef>
+          <a:fontRef idx="minor">
+            <a:schemeClr val="lt1"/>
+          </a:fontRef>
+        </p:style>
+        <p:txBody>
+          <a:bodyPr rtlCol="0" anchor="ctr"/>
+          <a:lstStyle/>
+          <a:p>
+            <a:pPr algn="ctr"/>
+            <a:endParaRPr kumimoji="1" lang="ja-JP" altLang="en-US" dirty="0"/>
+          </a:p>
+        </p:txBody>
+      </p:sp>
+      <p:pic>
+        <p:nvPicPr>
+          <p:cNvPr id="4" name="図 3" descr="アイコン&#10;&#10;自動的に生成された説明">
+            <a:extLst>
+              <a:ext uri="{FF2B5EF4-FFF2-40B4-BE49-F238E27FC236}">
+                <a16:creationId xmlns:a16="http://schemas.microsoft.com/office/drawing/2014/main" id="{FF374F0E-3FE6-C5CD-0CCB-8AFF2D90D78E}"/>
+              </a:ext>
+            </a:extLst>
+          </p:cNvPr>
+          <p:cNvPicPr>
+            <a:picLocks noChangeAspect="1"/>
+          </p:cNvPicPr>
+          <p:nvPr/>
+        </p:nvPicPr>
+        <p:blipFill>
+          <a:blip r:embed="rId4">
+            <a:extLst>
+              <a:ext uri="{28A0092B-C50C-407E-A947-70E740481C1C}">
+                <a14:useLocalDpi xmlns:a14="http://schemas.microsoft.com/office/drawing/2010/main" val="0"/>
+              </a:ext>
+            </a:extLst>
+          </a:blip>
+          <a:stretch>
+            <a:fillRect/>
+          </a:stretch>
+        </p:blipFill>
+        <p:spPr>
+          <a:xfrm>
+            <a:off x="4401922" y="831009"/>
+            <a:ext cx="900000" cy="900000"/>
+          </a:xfrm>
+          <a:prstGeom prst="rect">
+            <a:avLst/>
+          </a:prstGeom>
+        </p:spPr>
+      </p:pic>
+      <p:pic>
+        <p:nvPicPr>
+          <p:cNvPr id="6" name="図 5" descr="アイコン&#10;&#10;自動的に生成された説明">
+            <a:extLst>
+              <a:ext uri="{FF2B5EF4-FFF2-40B4-BE49-F238E27FC236}">
+                <a16:creationId xmlns:a16="http://schemas.microsoft.com/office/drawing/2014/main" id="{15D56043-DD87-159B-AB09-12DA4F0BC5DB}"/>
+              </a:ext>
+            </a:extLst>
+          </p:cNvPr>
+          <p:cNvPicPr>
+            <a:picLocks noChangeAspect="1"/>
+          </p:cNvPicPr>
+          <p:nvPr/>
+        </p:nvPicPr>
+        <p:blipFill>
+          <a:blip r:embed="rId5">
+            <a:extLst>
+              <a:ext uri="{28A0092B-C50C-407E-A947-70E740481C1C}">
+                <a14:useLocalDpi xmlns:a14="http://schemas.microsoft.com/office/drawing/2010/main" val="0"/>
+              </a:ext>
+            </a:extLst>
+          </a:blip>
+          <a:stretch>
+            <a:fillRect/>
+          </a:stretch>
+        </p:blipFill>
+        <p:spPr>
+          <a:xfrm>
+            <a:off x="3535956" y="4280790"/>
+            <a:ext cx="900000" cy="900000"/>
+          </a:xfrm>
+          <a:prstGeom prst="rect">
+            <a:avLst/>
+          </a:prstGeom>
+        </p:spPr>
+      </p:pic>
+      <p:pic>
+        <p:nvPicPr>
+          <p:cNvPr id="11" name="図 10" descr="アイコン&#10;&#10;自動的に生成された説明">
+            <a:extLst>
+              <a:ext uri="{FF2B5EF4-FFF2-40B4-BE49-F238E27FC236}">
+                <a16:creationId xmlns:a16="http://schemas.microsoft.com/office/drawing/2014/main" id="{C98F3B5F-E33E-25F4-266C-DFD2A88AFB42}"/>
+              </a:ext>
+            </a:extLst>
+          </p:cNvPr>
+          <p:cNvPicPr>
+            <a:picLocks noChangeAspect="1"/>
+          </p:cNvPicPr>
+          <p:nvPr/>
+        </p:nvPicPr>
+        <p:blipFill>
+          <a:blip r:embed="rId6">
+            <a:extLst>
+              <a:ext uri="{28A0092B-C50C-407E-A947-70E740481C1C}">
+                <a14:useLocalDpi xmlns:a14="http://schemas.microsoft.com/office/drawing/2010/main" val="0"/>
+              </a:ext>
+            </a:extLst>
+          </a:blip>
+          <a:stretch>
+            <a:fillRect/>
+          </a:stretch>
+        </p:blipFill>
+        <p:spPr>
+          <a:xfrm>
+            <a:off x="7763828" y="1743749"/>
+            <a:ext cx="900000" cy="900000"/>
+          </a:xfrm>
+          <a:prstGeom prst="rect">
+            <a:avLst/>
+          </a:prstGeom>
+        </p:spPr>
+      </p:pic>
     </p:spTree>
     <p:extLst>
       <p:ext uri="{BB962C8B-B14F-4D97-AF65-F5344CB8AC3E}">
-        <p14:creationId xmlns:p14="http://schemas.microsoft.com/office/powerpoint/2010/main" val="3941454176"/>
+        <p14:creationId xmlns:p14="http://schemas.microsoft.com/office/powerpoint/2010/main" val="2217362016"/>
       </p:ext>
     </p:extLst>
   </p:cSld>

--- a/_other/イメージ.pptx
+++ b/_other/イメージ.pptx
@@ -278,7 +278,7 @@
           <a:p>
             <a:fld id="{631EE54B-C8F3-4E2F-AEEF-7EF4ED04F042}" type="datetimeFigureOut">
               <a:rPr kumimoji="1" lang="ja-JP" altLang="en-US" smtClean="0"/>
-              <a:t>2024/7/7</a:t>
+              <a:t>2024/7/18</a:t>
             </a:fld>
             <a:endParaRPr kumimoji="1" lang="ja-JP" altLang="en-US"/>
           </a:p>
@@ -508,7 +508,7 @@
           <a:p>
             <a:fld id="{631EE54B-C8F3-4E2F-AEEF-7EF4ED04F042}" type="datetimeFigureOut">
               <a:rPr kumimoji="1" lang="ja-JP" altLang="en-US" smtClean="0"/>
-              <a:t>2024/7/7</a:t>
+              <a:t>2024/7/18</a:t>
             </a:fld>
             <a:endParaRPr kumimoji="1" lang="ja-JP" altLang="en-US"/>
           </a:p>
@@ -748,7 +748,7 @@
           <a:p>
             <a:fld id="{631EE54B-C8F3-4E2F-AEEF-7EF4ED04F042}" type="datetimeFigureOut">
               <a:rPr kumimoji="1" lang="ja-JP" altLang="en-US" smtClean="0"/>
-              <a:t>2024/7/7</a:t>
+              <a:t>2024/7/18</a:t>
             </a:fld>
             <a:endParaRPr kumimoji="1" lang="ja-JP" altLang="en-US"/>
           </a:p>
@@ -978,7 +978,7 @@
           <a:p>
             <a:fld id="{631EE54B-C8F3-4E2F-AEEF-7EF4ED04F042}" type="datetimeFigureOut">
               <a:rPr kumimoji="1" lang="ja-JP" altLang="en-US" smtClean="0"/>
-              <a:t>2024/7/7</a:t>
+              <a:t>2024/7/18</a:t>
             </a:fld>
             <a:endParaRPr kumimoji="1" lang="ja-JP" altLang="en-US"/>
           </a:p>
@@ -1253,7 +1253,7 @@
           <a:p>
             <a:fld id="{631EE54B-C8F3-4E2F-AEEF-7EF4ED04F042}" type="datetimeFigureOut">
               <a:rPr kumimoji="1" lang="ja-JP" altLang="en-US" smtClean="0"/>
-              <a:t>2024/7/7</a:t>
+              <a:t>2024/7/18</a:t>
             </a:fld>
             <a:endParaRPr kumimoji="1" lang="ja-JP" altLang="en-US"/>
           </a:p>
@@ -1582,7 +1582,7 @@
           <a:p>
             <a:fld id="{631EE54B-C8F3-4E2F-AEEF-7EF4ED04F042}" type="datetimeFigureOut">
               <a:rPr kumimoji="1" lang="ja-JP" altLang="en-US" smtClean="0"/>
-              <a:t>2024/7/7</a:t>
+              <a:t>2024/7/18</a:t>
             </a:fld>
             <a:endParaRPr kumimoji="1" lang="ja-JP" altLang="en-US"/>
           </a:p>
@@ -2058,7 +2058,7 @@
           <a:p>
             <a:fld id="{631EE54B-C8F3-4E2F-AEEF-7EF4ED04F042}" type="datetimeFigureOut">
               <a:rPr kumimoji="1" lang="ja-JP" altLang="en-US" smtClean="0"/>
-              <a:t>2024/7/7</a:t>
+              <a:t>2024/7/18</a:t>
             </a:fld>
             <a:endParaRPr kumimoji="1" lang="ja-JP" altLang="en-US"/>
           </a:p>
@@ -2199,7 +2199,7 @@
           <a:p>
             <a:fld id="{631EE54B-C8F3-4E2F-AEEF-7EF4ED04F042}" type="datetimeFigureOut">
               <a:rPr kumimoji="1" lang="ja-JP" altLang="en-US" smtClean="0"/>
-              <a:t>2024/7/7</a:t>
+              <a:t>2024/7/18</a:t>
             </a:fld>
             <a:endParaRPr kumimoji="1" lang="ja-JP" altLang="en-US"/>
           </a:p>
@@ -2312,7 +2312,7 @@
           <a:p>
             <a:fld id="{631EE54B-C8F3-4E2F-AEEF-7EF4ED04F042}" type="datetimeFigureOut">
               <a:rPr kumimoji="1" lang="ja-JP" altLang="en-US" smtClean="0"/>
-              <a:t>2024/7/7</a:t>
+              <a:t>2024/7/18</a:t>
             </a:fld>
             <a:endParaRPr kumimoji="1" lang="ja-JP" altLang="en-US"/>
           </a:p>
@@ -2655,7 +2655,7 @@
           <a:p>
             <a:fld id="{631EE54B-C8F3-4E2F-AEEF-7EF4ED04F042}" type="datetimeFigureOut">
               <a:rPr kumimoji="1" lang="ja-JP" altLang="en-US" smtClean="0"/>
-              <a:t>2024/7/7</a:t>
+              <a:t>2024/7/18</a:t>
             </a:fld>
             <a:endParaRPr kumimoji="1" lang="ja-JP" altLang="en-US"/>
           </a:p>
@@ -2943,7 +2943,7 @@
           <a:p>
             <a:fld id="{631EE54B-C8F3-4E2F-AEEF-7EF4ED04F042}" type="datetimeFigureOut">
               <a:rPr kumimoji="1" lang="ja-JP" altLang="en-US" smtClean="0"/>
-              <a:t>2024/7/7</a:t>
+              <a:t>2024/7/18</a:t>
             </a:fld>
             <a:endParaRPr kumimoji="1" lang="ja-JP" altLang="en-US"/>
           </a:p>
@@ -3216,7 +3216,7 @@
           <a:p>
             <a:fld id="{631EE54B-C8F3-4E2F-AEEF-7EF4ED04F042}" type="datetimeFigureOut">
               <a:rPr kumimoji="1" lang="ja-JP" altLang="en-US" smtClean="0"/>
-              <a:t>2024/7/7</a:t>
+              <a:t>2024/7/18</a:t>
             </a:fld>
             <a:endParaRPr kumimoji="1" lang="ja-JP" altLang="en-US"/>
           </a:p>
@@ -9762,10 +9762,10 @@
       </p:pic>
       <p:pic>
         <p:nvPicPr>
-          <p:cNvPr id="57" name="図 56" descr="アイコン&#10;&#10;自動的に生成された説明">
-            <a:extLst>
-              <a:ext uri="{FF2B5EF4-FFF2-40B4-BE49-F238E27FC236}">
-                <a16:creationId xmlns:a16="http://schemas.microsoft.com/office/drawing/2014/main" id="{A233CFBC-C983-3A88-DB86-F743F9786EE3}"/>
+          <p:cNvPr id="3" name="図 2" descr="図形&#10;&#10;中程度の精度で自動的に生成された説明">
+            <a:extLst>
+              <a:ext uri="{FF2B5EF4-FFF2-40B4-BE49-F238E27FC236}">
+                <a16:creationId xmlns:a16="http://schemas.microsoft.com/office/drawing/2014/main" id="{3AFEE640-2E72-613F-563A-3199EF5B9FCB}"/>
               </a:ext>
             </a:extLst>
           </p:cNvPr>
@@ -9788,7 +9788,7 @@
         </p:blipFill>
         <p:spPr>
           <a:xfrm>
-            <a:off x="4410912" y="831009"/>
+            <a:off x="4410912" y="839977"/>
             <a:ext cx="900000" cy="900000"/>
           </a:xfrm>
           <a:prstGeom prst="rect">
